--- a/CompilerCM.pptx
+++ b/CompilerCM.pptx
@@ -5,10 +5,10 @@
     <p:sldMasterId id="2147483746" r:id="rId1"/>
   </p:sldMasterIdLst>
   <p:notesMasterIdLst>
-    <p:notesMasterId r:id="rId12"/>
+    <p:notesMasterId r:id="rId11"/>
   </p:notesMasterIdLst>
   <p:handoutMasterIdLst>
-    <p:handoutMasterId r:id="rId13"/>
+    <p:handoutMasterId r:id="rId12"/>
   </p:handoutMasterIdLst>
   <p:sldIdLst>
     <p:sldId id="257" r:id="rId2"/>
@@ -19,8 +19,7 @@
     <p:sldId id="266" r:id="rId7"/>
     <p:sldId id="261" r:id="rId8"/>
     <p:sldId id="262" r:id="rId9"/>
-    <p:sldId id="265" r:id="rId10"/>
-    <p:sldId id="264" r:id="rId11"/>
+    <p:sldId id="264" r:id="rId10"/>
   </p:sldIdLst>
   <p:sldSz cx="12192000" cy="6858000"/>
   <p:notesSz cx="6858000" cy="9144000"/>
@@ -136,1366 +135,6 @@
 </p:cmAuthorLst>
 </file>
 
-<file path=ppt/charts/chart1.xml><?xml version="1.0" encoding="utf-8"?>
-<c:chartSpace xmlns:c="http://schemas.openxmlformats.org/drawingml/2006/chart" xmlns:a="http://schemas.openxmlformats.org/drawingml/2006/main" xmlns:r="http://schemas.openxmlformats.org/officeDocument/2006/relationships" xmlns:c16r2="http://schemas.microsoft.com/office/drawing/2015/06/chart">
-  <c:date1904 val="0"/>
-  <c:lang val="zh-CN"/>
-  <c:roundedCorners val="0"/>
-  <mc:AlternateContent xmlns:mc="http://schemas.openxmlformats.org/markup-compatibility/2006">
-    <mc:Choice xmlns:c14="http://schemas.microsoft.com/office/drawing/2007/8/2/chart" Requires="c14">
-      <c14:style val="102"/>
-    </mc:Choice>
-    <mc:Fallback>
-      <c:style val="2"/>
-    </mc:Fallback>
-  </mc:AlternateContent>
-  <c:chart>
-    <c:title>
-      <c:tx>
-        <c:rich>
-          <a:bodyPr rot="0" spcFirstLastPara="1" vertOverflow="ellipsis" vert="horz" wrap="square" anchor="ctr" anchorCtr="1"/>
-          <a:lstStyle/>
-          <a:p>
-            <a:pPr>
-              <a:defRPr sz="1400" b="0" i="0" u="none" strike="noStrike" kern="1200" spc="0" baseline="0">
-                <a:solidFill>
-                  <a:schemeClr val="tx1">
-                    <a:lumMod val="65000"/>
-                    <a:lumOff val="35000"/>
-                  </a:schemeClr>
-                </a:solidFill>
-                <a:latin typeface="+mn-lt"/>
-                <a:ea typeface="+mn-ea"/>
-                <a:cs typeface="+mn-cs"/>
-              </a:defRPr>
-            </a:pPr>
-            <a:r>
-              <a:rPr lang="en-US" altLang="zh-CN" dirty="0"/>
-              <a:t>Time</a:t>
-            </a:r>
-            <a:r>
-              <a:rPr lang="en-US" altLang="zh-CN" baseline="0" dirty="0"/>
-              <a:t> Consumed</a:t>
-            </a:r>
-            <a:endParaRPr lang="en-US" altLang="zh-CN" dirty="0"/>
-          </a:p>
-        </c:rich>
-      </c:tx>
-      <c:overlay val="0"/>
-      <c:spPr>
-        <a:noFill/>
-        <a:ln>
-          <a:noFill/>
-        </a:ln>
-        <a:effectLst/>
-      </c:spPr>
-      <c:txPr>
-        <a:bodyPr rot="0" spcFirstLastPara="1" vertOverflow="ellipsis" vert="horz" wrap="square" anchor="ctr" anchorCtr="1"/>
-        <a:lstStyle/>
-        <a:p>
-          <a:pPr>
-            <a:defRPr sz="1400" b="0" i="0" u="none" strike="noStrike" kern="1200" spc="0" baseline="0">
-              <a:solidFill>
-                <a:schemeClr val="tx1">
-                  <a:lumMod val="65000"/>
-                  <a:lumOff val="35000"/>
-                </a:schemeClr>
-              </a:solidFill>
-              <a:latin typeface="+mn-lt"/>
-              <a:ea typeface="+mn-ea"/>
-              <a:cs typeface="+mn-cs"/>
-            </a:defRPr>
-          </a:pPr>
-          <a:endParaRPr lang="zh-CN"/>
-        </a:p>
-      </c:txPr>
-    </c:title>
-    <c:autoTitleDeleted val="0"/>
-    <c:plotArea>
-      <c:layout/>
-      <c:scatterChart>
-        <c:scatterStyle val="lineMarker"/>
-        <c:varyColors val="0"/>
-        <c:ser>
-          <c:idx val="0"/>
-          <c:order val="0"/>
-          <c:tx>
-            <c:strRef>
-              <c:f>Sheet1!$A$4</c:f>
-              <c:strCache>
-                <c:ptCount val="1"/>
-                <c:pt idx="0">
-                  <c:v>fruit size 100</c:v>
-                </c:pt>
-              </c:strCache>
-            </c:strRef>
-          </c:tx>
-          <c:spPr>
-            <a:ln w="19050" cap="rnd">
-              <a:solidFill>
-                <a:schemeClr val="accent1"/>
-              </a:solidFill>
-              <a:round/>
-            </a:ln>
-            <a:effectLst/>
-          </c:spPr>
-          <c:marker>
-            <c:symbol val="circle"/>
-            <c:size val="5"/>
-            <c:spPr>
-              <a:solidFill>
-                <a:schemeClr val="accent1"/>
-              </a:solidFill>
-              <a:ln w="9525">
-                <a:solidFill>
-                  <a:schemeClr val="accent1"/>
-                </a:solidFill>
-              </a:ln>
-              <a:effectLst/>
-            </c:spPr>
-          </c:marker>
-          <c:xVal>
-            <c:numRef>
-              <c:f>Sheet1!$B$3:$G$3</c:f>
-              <c:numCache>
-                <c:formatCode>General</c:formatCode>
-                <c:ptCount val="6"/>
-                <c:pt idx="0">
-                  <c:v>10</c:v>
-                </c:pt>
-                <c:pt idx="1">
-                  <c:v>30</c:v>
-                </c:pt>
-                <c:pt idx="2">
-                  <c:v>60</c:v>
-                </c:pt>
-                <c:pt idx="3">
-                  <c:v>70</c:v>
-                </c:pt>
-                <c:pt idx="4">
-                  <c:v>90</c:v>
-                </c:pt>
-                <c:pt idx="5">
-                  <c:v>100</c:v>
-                </c:pt>
-              </c:numCache>
-            </c:numRef>
-          </c:xVal>
-          <c:yVal>
-            <c:numRef>
-              <c:f>Sheet1!$B$4:$G$4</c:f>
-              <c:numCache>
-                <c:formatCode>General</c:formatCode>
-                <c:ptCount val="6"/>
-                <c:pt idx="0">
-                  <c:v>2</c:v>
-                </c:pt>
-                <c:pt idx="1">
-                  <c:v>1</c:v>
-                </c:pt>
-                <c:pt idx="2">
-                  <c:v>2</c:v>
-                </c:pt>
-                <c:pt idx="3">
-                  <c:v>2</c:v>
-                </c:pt>
-                <c:pt idx="4">
-                  <c:v>3</c:v>
-                </c:pt>
-                <c:pt idx="5">
-                  <c:v>3</c:v>
-                </c:pt>
-              </c:numCache>
-            </c:numRef>
-          </c:yVal>
-          <c:smooth val="0"/>
-          <c:extLst>
-            <c:ext xmlns:c16="http://schemas.microsoft.com/office/drawing/2014/chart" uri="{C3380CC4-5D6E-409C-BE32-E72D297353CC}">
-              <c16:uniqueId val="{00000000-D85C-4D19-BB8F-DBBD137A5318}"/>
-            </c:ext>
-          </c:extLst>
-        </c:ser>
-        <c:ser>
-          <c:idx val="1"/>
-          <c:order val="1"/>
-          <c:tx>
-            <c:strRef>
-              <c:f>Sheet1!$A$5</c:f>
-              <c:strCache>
-                <c:ptCount val="1"/>
-                <c:pt idx="0">
-                  <c:v>fruit size 200</c:v>
-                </c:pt>
-              </c:strCache>
-            </c:strRef>
-          </c:tx>
-          <c:spPr>
-            <a:ln w="19050" cap="rnd">
-              <a:solidFill>
-                <a:schemeClr val="accent2"/>
-              </a:solidFill>
-              <a:round/>
-            </a:ln>
-            <a:effectLst/>
-          </c:spPr>
-          <c:marker>
-            <c:symbol val="circle"/>
-            <c:size val="5"/>
-            <c:spPr>
-              <a:solidFill>
-                <a:schemeClr val="accent2"/>
-              </a:solidFill>
-              <a:ln w="9525">
-                <a:solidFill>
-                  <a:schemeClr val="accent2"/>
-                </a:solidFill>
-              </a:ln>
-              <a:effectLst/>
-            </c:spPr>
-          </c:marker>
-          <c:xVal>
-            <c:numRef>
-              <c:f>Sheet1!$B$3:$G$3</c:f>
-              <c:numCache>
-                <c:formatCode>General</c:formatCode>
-                <c:ptCount val="6"/>
-                <c:pt idx="0">
-                  <c:v>10</c:v>
-                </c:pt>
-                <c:pt idx="1">
-                  <c:v>30</c:v>
-                </c:pt>
-                <c:pt idx="2">
-                  <c:v>60</c:v>
-                </c:pt>
-                <c:pt idx="3">
-                  <c:v>70</c:v>
-                </c:pt>
-                <c:pt idx="4">
-                  <c:v>90</c:v>
-                </c:pt>
-                <c:pt idx="5">
-                  <c:v>100</c:v>
-                </c:pt>
-              </c:numCache>
-            </c:numRef>
-          </c:xVal>
-          <c:yVal>
-            <c:numRef>
-              <c:f>Sheet1!$B$5:$G$5</c:f>
-              <c:numCache>
-                <c:formatCode>General</c:formatCode>
-                <c:ptCount val="6"/>
-                <c:pt idx="0">
-                  <c:v>9</c:v>
-                </c:pt>
-                <c:pt idx="1">
-                  <c:v>11</c:v>
-                </c:pt>
-                <c:pt idx="2">
-                  <c:v>11</c:v>
-                </c:pt>
-                <c:pt idx="3">
-                  <c:v>544</c:v>
-                </c:pt>
-                <c:pt idx="4">
-                  <c:v>120</c:v>
-                </c:pt>
-                <c:pt idx="5">
-                  <c:v>1594</c:v>
-                </c:pt>
-              </c:numCache>
-            </c:numRef>
-          </c:yVal>
-          <c:smooth val="0"/>
-          <c:extLst>
-            <c:ext xmlns:c16="http://schemas.microsoft.com/office/drawing/2014/chart" uri="{C3380CC4-5D6E-409C-BE32-E72D297353CC}">
-              <c16:uniqueId val="{00000001-D85C-4D19-BB8F-DBBD137A5318}"/>
-            </c:ext>
-          </c:extLst>
-        </c:ser>
-        <c:ser>
-          <c:idx val="2"/>
-          <c:order val="2"/>
-          <c:tx>
-            <c:strRef>
-              <c:f>Sheet1!$A$6</c:f>
-              <c:strCache>
-                <c:ptCount val="1"/>
-                <c:pt idx="0">
-                  <c:v>fruit size 300</c:v>
-                </c:pt>
-              </c:strCache>
-            </c:strRef>
-          </c:tx>
-          <c:spPr>
-            <a:ln w="19050" cap="rnd">
-              <a:solidFill>
-                <a:schemeClr val="accent3"/>
-              </a:solidFill>
-              <a:round/>
-            </a:ln>
-            <a:effectLst/>
-          </c:spPr>
-          <c:marker>
-            <c:symbol val="circle"/>
-            <c:size val="5"/>
-            <c:spPr>
-              <a:solidFill>
-                <a:schemeClr val="accent3"/>
-              </a:solidFill>
-              <a:ln w="9525">
-                <a:solidFill>
-                  <a:schemeClr val="accent3"/>
-                </a:solidFill>
-              </a:ln>
-              <a:effectLst/>
-            </c:spPr>
-          </c:marker>
-          <c:xVal>
-            <c:numRef>
-              <c:f>Sheet1!$B$3:$G$3</c:f>
-              <c:numCache>
-                <c:formatCode>General</c:formatCode>
-                <c:ptCount val="6"/>
-                <c:pt idx="0">
-                  <c:v>10</c:v>
-                </c:pt>
-                <c:pt idx="1">
-                  <c:v>30</c:v>
-                </c:pt>
-                <c:pt idx="2">
-                  <c:v>60</c:v>
-                </c:pt>
-                <c:pt idx="3">
-                  <c:v>70</c:v>
-                </c:pt>
-                <c:pt idx="4">
-                  <c:v>90</c:v>
-                </c:pt>
-                <c:pt idx="5">
-                  <c:v>100</c:v>
-                </c:pt>
-              </c:numCache>
-            </c:numRef>
-          </c:xVal>
-          <c:yVal>
-            <c:numRef>
-              <c:f>Sheet1!$B$6:$G$6</c:f>
-              <c:numCache>
-                <c:formatCode>General</c:formatCode>
-                <c:ptCount val="6"/>
-                <c:pt idx="0">
-                  <c:v>27</c:v>
-                </c:pt>
-                <c:pt idx="1">
-                  <c:v>21</c:v>
-                </c:pt>
-                <c:pt idx="2">
-                  <c:v>52</c:v>
-                </c:pt>
-                <c:pt idx="3">
-                  <c:v>204</c:v>
-                </c:pt>
-                <c:pt idx="4">
-                  <c:v>683</c:v>
-                </c:pt>
-                <c:pt idx="5">
-                  <c:v>4353</c:v>
-                </c:pt>
-              </c:numCache>
-            </c:numRef>
-          </c:yVal>
-          <c:smooth val="0"/>
-          <c:extLst>
-            <c:ext xmlns:c16="http://schemas.microsoft.com/office/drawing/2014/chart" uri="{C3380CC4-5D6E-409C-BE32-E72D297353CC}">
-              <c16:uniqueId val="{00000002-D85C-4D19-BB8F-DBBD137A5318}"/>
-            </c:ext>
-          </c:extLst>
-        </c:ser>
-        <c:ser>
-          <c:idx val="3"/>
-          <c:order val="3"/>
-          <c:tx>
-            <c:strRef>
-              <c:f>Sheet1!$A$7</c:f>
-              <c:strCache>
-                <c:ptCount val="1"/>
-                <c:pt idx="0">
-                  <c:v>fruit size 400</c:v>
-                </c:pt>
-              </c:strCache>
-            </c:strRef>
-          </c:tx>
-          <c:spPr>
-            <a:ln w="19050" cap="rnd">
-              <a:solidFill>
-                <a:schemeClr val="accent4"/>
-              </a:solidFill>
-              <a:round/>
-            </a:ln>
-            <a:effectLst/>
-          </c:spPr>
-          <c:marker>
-            <c:symbol val="circle"/>
-            <c:size val="5"/>
-            <c:spPr>
-              <a:solidFill>
-                <a:schemeClr val="accent4"/>
-              </a:solidFill>
-              <a:ln w="9525">
-                <a:solidFill>
-                  <a:schemeClr val="accent4"/>
-                </a:solidFill>
-              </a:ln>
-              <a:effectLst/>
-            </c:spPr>
-          </c:marker>
-          <c:xVal>
-            <c:numRef>
-              <c:f>Sheet1!$B$3:$G$3</c:f>
-              <c:numCache>
-                <c:formatCode>General</c:formatCode>
-                <c:ptCount val="6"/>
-                <c:pt idx="0">
-                  <c:v>10</c:v>
-                </c:pt>
-                <c:pt idx="1">
-                  <c:v>30</c:v>
-                </c:pt>
-                <c:pt idx="2">
-                  <c:v>60</c:v>
-                </c:pt>
-                <c:pt idx="3">
-                  <c:v>70</c:v>
-                </c:pt>
-                <c:pt idx="4">
-                  <c:v>90</c:v>
-                </c:pt>
-                <c:pt idx="5">
-                  <c:v>100</c:v>
-                </c:pt>
-              </c:numCache>
-            </c:numRef>
-          </c:xVal>
-          <c:yVal>
-            <c:numRef>
-              <c:f>Sheet1!$B$7:$G$7</c:f>
-              <c:numCache>
-                <c:formatCode>General</c:formatCode>
-                <c:ptCount val="6"/>
-                <c:pt idx="0">
-                  <c:v>111</c:v>
-                </c:pt>
-                <c:pt idx="1">
-                  <c:v>99</c:v>
-                </c:pt>
-                <c:pt idx="2">
-                  <c:v>188</c:v>
-                </c:pt>
-                <c:pt idx="3">
-                  <c:v>251</c:v>
-                </c:pt>
-                <c:pt idx="4">
-                  <c:v>3399</c:v>
-                </c:pt>
-                <c:pt idx="5">
-                  <c:v>6352</c:v>
-                </c:pt>
-              </c:numCache>
-            </c:numRef>
-          </c:yVal>
-          <c:smooth val="0"/>
-          <c:extLst>
-            <c:ext xmlns:c16="http://schemas.microsoft.com/office/drawing/2014/chart" uri="{C3380CC4-5D6E-409C-BE32-E72D297353CC}">
-              <c16:uniqueId val="{00000003-D85C-4D19-BB8F-DBBD137A5318}"/>
-            </c:ext>
-          </c:extLst>
-        </c:ser>
-        <c:dLbls>
-          <c:showLegendKey val="0"/>
-          <c:showVal val="0"/>
-          <c:showCatName val="0"/>
-          <c:showSerName val="0"/>
-          <c:showPercent val="0"/>
-          <c:showBubbleSize val="0"/>
-        </c:dLbls>
-        <c:axId val="1622068176"/>
-        <c:axId val="1622063184"/>
-      </c:scatterChart>
-      <c:valAx>
-        <c:axId val="1622068176"/>
-        <c:scaling>
-          <c:orientation val="minMax"/>
-        </c:scaling>
-        <c:delete val="0"/>
-        <c:axPos val="b"/>
-        <c:majorGridlines>
-          <c:spPr>
-            <a:ln w="9525" cap="flat" cmpd="sng" algn="ctr">
-              <a:solidFill>
-                <a:schemeClr val="tx1">
-                  <a:lumMod val="15000"/>
-                  <a:lumOff val="85000"/>
-                </a:schemeClr>
-              </a:solidFill>
-              <a:round/>
-            </a:ln>
-            <a:effectLst/>
-          </c:spPr>
-        </c:majorGridlines>
-        <c:title>
-          <c:tx>
-            <c:rich>
-              <a:bodyPr rot="0" spcFirstLastPara="1" vertOverflow="ellipsis" vert="horz" wrap="square" anchor="ctr" anchorCtr="1"/>
-              <a:lstStyle/>
-              <a:p>
-                <a:pPr>
-                  <a:defRPr sz="1000" b="0" i="0" u="none" strike="noStrike" kern="1200" baseline="0">
-                    <a:solidFill>
-                      <a:schemeClr val="tx1">
-                        <a:lumMod val="65000"/>
-                        <a:lumOff val="35000"/>
-                      </a:schemeClr>
-                    </a:solidFill>
-                    <a:latin typeface="+mn-lt"/>
-                    <a:ea typeface="+mn-ea"/>
-                    <a:cs typeface="+mn-cs"/>
-                  </a:defRPr>
-                </a:pPr>
-                <a:r>
-                  <a:rPr lang="en-US" altLang="zh-CN"/>
-                  <a:t>Tips</a:t>
-                </a:r>
-                <a:r>
-                  <a:rPr lang="en-US" altLang="zh-CN" baseline="0"/>
-                  <a:t> size</a:t>
-                </a:r>
-                <a:endParaRPr lang="zh-CN" altLang="en-US"/>
-              </a:p>
-            </c:rich>
-          </c:tx>
-          <c:overlay val="0"/>
-          <c:spPr>
-            <a:noFill/>
-            <a:ln>
-              <a:noFill/>
-            </a:ln>
-            <a:effectLst/>
-          </c:spPr>
-          <c:txPr>
-            <a:bodyPr rot="0" spcFirstLastPara="1" vertOverflow="ellipsis" vert="horz" wrap="square" anchor="ctr" anchorCtr="1"/>
-            <a:lstStyle/>
-            <a:p>
-              <a:pPr>
-                <a:defRPr sz="1000" b="0" i="0" u="none" strike="noStrike" kern="1200" baseline="0">
-                  <a:solidFill>
-                    <a:schemeClr val="tx1">
-                      <a:lumMod val="65000"/>
-                      <a:lumOff val="35000"/>
-                    </a:schemeClr>
-                  </a:solidFill>
-                  <a:latin typeface="+mn-lt"/>
-                  <a:ea typeface="+mn-ea"/>
-                  <a:cs typeface="+mn-cs"/>
-                </a:defRPr>
-              </a:pPr>
-              <a:endParaRPr lang="zh-CN"/>
-            </a:p>
-          </c:txPr>
-        </c:title>
-        <c:numFmt formatCode="General" sourceLinked="1"/>
-        <c:majorTickMark val="none"/>
-        <c:minorTickMark val="none"/>
-        <c:tickLblPos val="nextTo"/>
-        <c:spPr>
-          <a:noFill/>
-          <a:ln w="9525" cap="flat" cmpd="sng" algn="ctr">
-            <a:solidFill>
-              <a:schemeClr val="tx1">
-                <a:lumMod val="25000"/>
-                <a:lumOff val="75000"/>
-              </a:schemeClr>
-            </a:solidFill>
-            <a:round/>
-          </a:ln>
-          <a:effectLst/>
-        </c:spPr>
-        <c:txPr>
-          <a:bodyPr rot="-60000000" spcFirstLastPara="1" vertOverflow="ellipsis" vert="horz" wrap="square" anchor="ctr" anchorCtr="1"/>
-          <a:lstStyle/>
-          <a:p>
-            <a:pPr>
-              <a:defRPr sz="900" b="0" i="0" u="none" strike="noStrike" kern="1200" baseline="0">
-                <a:solidFill>
-                  <a:schemeClr val="tx1">
-                    <a:lumMod val="65000"/>
-                    <a:lumOff val="35000"/>
-                  </a:schemeClr>
-                </a:solidFill>
-                <a:latin typeface="+mn-lt"/>
-                <a:ea typeface="+mn-ea"/>
-                <a:cs typeface="+mn-cs"/>
-              </a:defRPr>
-            </a:pPr>
-            <a:endParaRPr lang="zh-CN"/>
-          </a:p>
-        </c:txPr>
-        <c:crossAx val="1622063184"/>
-        <c:crosses val="autoZero"/>
-        <c:crossBetween val="midCat"/>
-      </c:valAx>
-      <c:valAx>
-        <c:axId val="1622063184"/>
-        <c:scaling>
-          <c:orientation val="minMax"/>
-        </c:scaling>
-        <c:delete val="0"/>
-        <c:axPos val="l"/>
-        <c:majorGridlines>
-          <c:spPr>
-            <a:ln w="9525" cap="flat" cmpd="sng" algn="ctr">
-              <a:solidFill>
-                <a:schemeClr val="tx1">
-                  <a:lumMod val="15000"/>
-                  <a:lumOff val="85000"/>
-                </a:schemeClr>
-              </a:solidFill>
-              <a:round/>
-            </a:ln>
-            <a:effectLst/>
-          </c:spPr>
-        </c:majorGridlines>
-        <c:title>
-          <c:tx>
-            <c:rich>
-              <a:bodyPr rot="-5400000" spcFirstLastPara="1" vertOverflow="ellipsis" vert="horz" wrap="square" anchor="ctr" anchorCtr="1"/>
-              <a:lstStyle/>
-              <a:p>
-                <a:pPr>
-                  <a:defRPr sz="1000" b="0" i="0" u="none" strike="noStrike" kern="1200" baseline="0">
-                    <a:solidFill>
-                      <a:schemeClr val="tx1">
-                        <a:lumMod val="65000"/>
-                        <a:lumOff val="35000"/>
-                      </a:schemeClr>
-                    </a:solidFill>
-                    <a:latin typeface="+mn-lt"/>
-                    <a:ea typeface="+mn-ea"/>
-                    <a:cs typeface="+mn-cs"/>
-                  </a:defRPr>
-                </a:pPr>
-                <a:r>
-                  <a:rPr lang="zh-CN" altLang="en-US"/>
-                  <a:t>时间</a:t>
-                </a:r>
-                <a:r>
-                  <a:rPr lang="en-US" altLang="zh-CN"/>
-                  <a:t>\ms</a:t>
-                </a:r>
-                <a:endParaRPr lang="zh-CN" altLang="en-US"/>
-              </a:p>
-            </c:rich>
-          </c:tx>
-          <c:overlay val="0"/>
-          <c:spPr>
-            <a:noFill/>
-            <a:ln>
-              <a:noFill/>
-            </a:ln>
-            <a:effectLst/>
-          </c:spPr>
-          <c:txPr>
-            <a:bodyPr rot="-5400000" spcFirstLastPara="1" vertOverflow="ellipsis" vert="horz" wrap="square" anchor="ctr" anchorCtr="1"/>
-            <a:lstStyle/>
-            <a:p>
-              <a:pPr>
-                <a:defRPr sz="1000" b="0" i="0" u="none" strike="noStrike" kern="1200" baseline="0">
-                  <a:solidFill>
-                    <a:schemeClr val="tx1">
-                      <a:lumMod val="65000"/>
-                      <a:lumOff val="35000"/>
-                    </a:schemeClr>
-                  </a:solidFill>
-                  <a:latin typeface="+mn-lt"/>
-                  <a:ea typeface="+mn-ea"/>
-                  <a:cs typeface="+mn-cs"/>
-                </a:defRPr>
-              </a:pPr>
-              <a:endParaRPr lang="zh-CN"/>
-            </a:p>
-          </c:txPr>
-        </c:title>
-        <c:numFmt formatCode="General" sourceLinked="1"/>
-        <c:majorTickMark val="none"/>
-        <c:minorTickMark val="none"/>
-        <c:tickLblPos val="nextTo"/>
-        <c:spPr>
-          <a:noFill/>
-          <a:ln w="9525" cap="flat" cmpd="sng" algn="ctr">
-            <a:solidFill>
-              <a:schemeClr val="tx1">
-                <a:lumMod val="25000"/>
-                <a:lumOff val="75000"/>
-              </a:schemeClr>
-            </a:solidFill>
-            <a:round/>
-          </a:ln>
-          <a:effectLst/>
-        </c:spPr>
-        <c:txPr>
-          <a:bodyPr rot="-60000000" spcFirstLastPara="1" vertOverflow="ellipsis" vert="horz" wrap="square" anchor="ctr" anchorCtr="1"/>
-          <a:lstStyle/>
-          <a:p>
-            <a:pPr>
-              <a:defRPr sz="900" b="0" i="0" u="none" strike="noStrike" kern="1200" baseline="0">
-                <a:solidFill>
-                  <a:schemeClr val="tx1">
-                    <a:lumMod val="65000"/>
-                    <a:lumOff val="35000"/>
-                  </a:schemeClr>
-                </a:solidFill>
-                <a:latin typeface="+mn-lt"/>
-                <a:ea typeface="+mn-ea"/>
-                <a:cs typeface="+mn-cs"/>
-              </a:defRPr>
-            </a:pPr>
-            <a:endParaRPr lang="zh-CN"/>
-          </a:p>
-        </c:txPr>
-        <c:crossAx val="1622068176"/>
-        <c:crosses val="autoZero"/>
-        <c:crossBetween val="midCat"/>
-      </c:valAx>
-      <c:spPr>
-        <a:noFill/>
-        <a:ln>
-          <a:noFill/>
-        </a:ln>
-        <a:effectLst/>
-      </c:spPr>
-    </c:plotArea>
-    <c:legend>
-      <c:legendPos val="r"/>
-      <c:overlay val="0"/>
-      <c:spPr>
-        <a:noFill/>
-        <a:ln>
-          <a:noFill/>
-        </a:ln>
-        <a:effectLst/>
-      </c:spPr>
-      <c:txPr>
-        <a:bodyPr rot="0" spcFirstLastPara="1" vertOverflow="ellipsis" vert="horz" wrap="square" anchor="ctr" anchorCtr="1"/>
-        <a:lstStyle/>
-        <a:p>
-          <a:pPr>
-            <a:defRPr sz="900" b="0" i="0" u="none" strike="noStrike" kern="1200" baseline="0">
-              <a:solidFill>
-                <a:schemeClr val="tx1">
-                  <a:lumMod val="65000"/>
-                  <a:lumOff val="35000"/>
-                </a:schemeClr>
-              </a:solidFill>
-              <a:latin typeface="+mn-lt"/>
-              <a:ea typeface="+mn-ea"/>
-              <a:cs typeface="+mn-cs"/>
-            </a:defRPr>
-          </a:pPr>
-          <a:endParaRPr lang="zh-CN"/>
-        </a:p>
-      </c:txPr>
-    </c:legend>
-    <c:plotVisOnly val="1"/>
-    <c:dispBlanksAs val="gap"/>
-    <c:extLst>
-      <c:ext xmlns:c16r3="http://schemas.microsoft.com/office/drawing/2017/03/chart" uri="{56B9EC1D-385E-4148-901F-78D8002777C0}">
-        <c16r3:dataDisplayOptions16>
-          <c16r3:dispNaAsBlank val="1"/>
-        </c16r3:dataDisplayOptions16>
-      </c:ext>
-    </c:extLst>
-    <c:showDLblsOverMax val="0"/>
-  </c:chart>
-  <c:spPr>
-    <a:noFill/>
-    <a:ln>
-      <a:noFill/>
-    </a:ln>
-    <a:effectLst/>
-  </c:spPr>
-  <c:txPr>
-    <a:bodyPr/>
-    <a:lstStyle/>
-    <a:p>
-      <a:pPr>
-        <a:defRPr/>
-      </a:pPr>
-      <a:endParaRPr lang="zh-CN"/>
-    </a:p>
-  </c:txPr>
-  <c:externalData r:id="rId3">
-    <c:autoUpdate val="0"/>
-  </c:externalData>
-</c:chartSpace>
-</file>
-
-<file path=ppt/charts/colors1.xml><?xml version="1.0" encoding="utf-8"?>
-<cs:colorStyle xmlns:cs="http://schemas.microsoft.com/office/drawing/2012/chartStyle" xmlns:a="http://schemas.openxmlformats.org/drawingml/2006/main" meth="cycle" id="10">
-  <a:schemeClr val="accent1"/>
-  <a:schemeClr val="accent2"/>
-  <a:schemeClr val="accent3"/>
-  <a:schemeClr val="accent4"/>
-  <a:schemeClr val="accent5"/>
-  <a:schemeClr val="accent6"/>
-  <cs:variation/>
-  <cs:variation>
-    <a:lumMod val="60000"/>
-  </cs:variation>
-  <cs:variation>
-    <a:lumMod val="80000"/>
-    <a:lumOff val="20000"/>
-  </cs:variation>
-  <cs:variation>
-    <a:lumMod val="80000"/>
-  </cs:variation>
-  <cs:variation>
-    <a:lumMod val="60000"/>
-    <a:lumOff val="40000"/>
-  </cs:variation>
-  <cs:variation>
-    <a:lumMod val="50000"/>
-  </cs:variation>
-  <cs:variation>
-    <a:lumMod val="70000"/>
-    <a:lumOff val="30000"/>
-  </cs:variation>
-  <cs:variation>
-    <a:lumMod val="70000"/>
-  </cs:variation>
-  <cs:variation>
-    <a:lumMod val="50000"/>
-    <a:lumOff val="50000"/>
-  </cs:variation>
-</cs:colorStyle>
-</file>
-
-<file path=ppt/charts/style1.xml><?xml version="1.0" encoding="utf-8"?>
-<cs:chartStyle xmlns:cs="http://schemas.microsoft.com/office/drawing/2012/chartStyle" xmlns:a="http://schemas.openxmlformats.org/drawingml/2006/main" id="240">
-  <cs:axisTitle>
-    <cs:lnRef idx="0"/>
-    <cs:fillRef idx="0"/>
-    <cs:effectRef idx="0"/>
-    <cs:fontRef idx="minor">
-      <a:schemeClr val="tx1">
-        <a:lumMod val="65000"/>
-        <a:lumOff val="35000"/>
-      </a:schemeClr>
-    </cs:fontRef>
-    <cs:defRPr sz="1000" kern="1200"/>
-  </cs:axisTitle>
-  <cs:categoryAxis>
-    <cs:lnRef idx="0"/>
-    <cs:fillRef idx="0"/>
-    <cs:effectRef idx="0"/>
-    <cs:fontRef idx="minor">
-      <a:schemeClr val="tx1">
-        <a:lumMod val="65000"/>
-        <a:lumOff val="35000"/>
-      </a:schemeClr>
-    </cs:fontRef>
-    <cs:spPr>
-      <a:ln w="9525" cap="flat" cmpd="sng" algn="ctr">
-        <a:solidFill>
-          <a:schemeClr val="tx1">
-            <a:lumMod val="25000"/>
-            <a:lumOff val="75000"/>
-          </a:schemeClr>
-        </a:solidFill>
-        <a:round/>
-      </a:ln>
-    </cs:spPr>
-    <cs:defRPr sz="900" kern="1200"/>
-  </cs:categoryAxis>
-  <cs:chartArea mods="allowNoFillOverride allowNoLineOverride">
-    <cs:lnRef idx="0"/>
-    <cs:fillRef idx="0"/>
-    <cs:effectRef idx="0"/>
-    <cs:fontRef idx="minor">
-      <a:schemeClr val="tx1"/>
-    </cs:fontRef>
-    <cs:spPr>
-      <a:solidFill>
-        <a:schemeClr val="bg1"/>
-      </a:solidFill>
-      <a:ln w="9525" cap="flat" cmpd="sng" algn="ctr">
-        <a:solidFill>
-          <a:schemeClr val="tx1">
-            <a:lumMod val="15000"/>
-            <a:lumOff val="85000"/>
-          </a:schemeClr>
-        </a:solidFill>
-        <a:round/>
-      </a:ln>
-    </cs:spPr>
-    <cs:defRPr sz="1000" kern="1200"/>
-  </cs:chartArea>
-  <cs:dataLabel>
-    <cs:lnRef idx="0"/>
-    <cs:fillRef idx="0"/>
-    <cs:effectRef idx="0"/>
-    <cs:fontRef idx="minor">
-      <a:schemeClr val="tx1">
-        <a:lumMod val="75000"/>
-        <a:lumOff val="25000"/>
-      </a:schemeClr>
-    </cs:fontRef>
-    <cs:defRPr sz="900" kern="1200"/>
-  </cs:dataLabel>
-  <cs:dataLabelCallout>
-    <cs:lnRef idx="0"/>
-    <cs:fillRef idx="0"/>
-    <cs:effectRef idx="0"/>
-    <cs:fontRef idx="minor">
-      <a:schemeClr val="dk1">
-        <a:lumMod val="65000"/>
-        <a:lumOff val="35000"/>
-      </a:schemeClr>
-    </cs:fontRef>
-    <cs:spPr>
-      <a:solidFill>
-        <a:schemeClr val="lt1"/>
-      </a:solidFill>
-      <a:ln>
-        <a:solidFill>
-          <a:schemeClr val="dk1">
-            <a:lumMod val="25000"/>
-            <a:lumOff val="75000"/>
-          </a:schemeClr>
-        </a:solidFill>
-      </a:ln>
-    </cs:spPr>
-    <cs:defRPr sz="900" kern="1200"/>
-    <cs:bodyPr rot="0" spcFirstLastPara="1" vertOverflow="clip" horzOverflow="clip" vert="horz" wrap="square" lIns="36576" tIns="18288" rIns="36576" bIns="18288" anchor="ctr" anchorCtr="1">
-      <a:spAutoFit/>
-    </cs:bodyPr>
-  </cs:dataLabelCallout>
-  <cs:dataPoint>
-    <cs:lnRef idx="0"/>
-    <cs:fillRef idx="1">
-      <cs:styleClr val="auto"/>
-    </cs:fillRef>
-    <cs:effectRef idx="0"/>
-    <cs:fontRef idx="minor">
-      <a:schemeClr val="tx1"/>
-    </cs:fontRef>
-  </cs:dataPoint>
-  <cs:dataPoint3D>
-    <cs:lnRef idx="0"/>
-    <cs:fillRef idx="1">
-      <cs:styleClr val="auto"/>
-    </cs:fillRef>
-    <cs:effectRef idx="0"/>
-    <cs:fontRef idx="minor">
-      <a:schemeClr val="tx1"/>
-    </cs:fontRef>
-  </cs:dataPoint3D>
-  <cs:dataPointLine>
-    <cs:lnRef idx="0">
-      <cs:styleClr val="auto"/>
-    </cs:lnRef>
-    <cs:fillRef idx="1"/>
-    <cs:effectRef idx="0"/>
-    <cs:fontRef idx="minor">
-      <a:schemeClr val="tx1"/>
-    </cs:fontRef>
-    <cs:spPr>
-      <a:ln w="19050" cap="rnd">
-        <a:solidFill>
-          <a:schemeClr val="phClr"/>
-        </a:solidFill>
-        <a:round/>
-      </a:ln>
-    </cs:spPr>
-  </cs:dataPointLine>
-  <cs:dataPointMarker>
-    <cs:lnRef idx="0">
-      <cs:styleClr val="auto"/>
-    </cs:lnRef>
-    <cs:fillRef idx="1">
-      <cs:styleClr val="auto"/>
-    </cs:fillRef>
-    <cs:effectRef idx="0"/>
-    <cs:fontRef idx="minor">
-      <a:schemeClr val="tx1"/>
-    </cs:fontRef>
-    <cs:spPr>
-      <a:ln w="9525">
-        <a:solidFill>
-          <a:schemeClr val="phClr"/>
-        </a:solidFill>
-      </a:ln>
-    </cs:spPr>
-  </cs:dataPointMarker>
-  <cs:dataPointMarkerLayout symbol="circle" size="5"/>
-  <cs:dataPointWireframe>
-    <cs:lnRef idx="0">
-      <cs:styleClr val="auto"/>
-    </cs:lnRef>
-    <cs:fillRef idx="0"/>
-    <cs:effectRef idx="0"/>
-    <cs:fontRef idx="minor">
-      <a:schemeClr val="dk1"/>
-    </cs:fontRef>
-    <cs:spPr>
-      <a:ln w="9525" cap="rnd">
-        <a:solidFill>
-          <a:schemeClr val="phClr"/>
-        </a:solidFill>
-        <a:round/>
-      </a:ln>
-    </cs:spPr>
-  </cs:dataPointWireframe>
-  <cs:dataTable>
-    <cs:lnRef idx="0"/>
-    <cs:fillRef idx="0"/>
-    <cs:effectRef idx="0"/>
-    <cs:fontRef idx="minor">
-      <a:schemeClr val="tx1">
-        <a:lumMod val="65000"/>
-        <a:lumOff val="35000"/>
-      </a:schemeClr>
-    </cs:fontRef>
-    <cs:spPr>
-      <a:noFill/>
-      <a:ln w="9525" cap="flat" cmpd="sng" algn="ctr">
-        <a:solidFill>
-          <a:schemeClr val="tx1">
-            <a:lumMod val="15000"/>
-            <a:lumOff val="85000"/>
-          </a:schemeClr>
-        </a:solidFill>
-        <a:round/>
-      </a:ln>
-    </cs:spPr>
-    <cs:defRPr sz="900" kern="1200"/>
-  </cs:dataTable>
-  <cs:downBar>
-    <cs:lnRef idx="0"/>
-    <cs:fillRef idx="0"/>
-    <cs:effectRef idx="0"/>
-    <cs:fontRef idx="minor">
-      <a:schemeClr val="tx1"/>
-    </cs:fontRef>
-    <cs:spPr>
-      <a:solidFill>
-        <a:schemeClr val="dk1">
-          <a:lumMod val="75000"/>
-          <a:lumOff val="25000"/>
-        </a:schemeClr>
-      </a:solidFill>
-      <a:ln w="9525" cap="flat" cmpd="sng" algn="ctr">
-        <a:solidFill>
-          <a:schemeClr val="tx1">
-            <a:lumMod val="65000"/>
-            <a:lumOff val="35000"/>
-          </a:schemeClr>
-        </a:solidFill>
-        <a:round/>
-      </a:ln>
-    </cs:spPr>
-  </cs:downBar>
-  <cs:dropLine>
-    <cs:lnRef idx="0"/>
-    <cs:fillRef idx="0"/>
-    <cs:effectRef idx="0"/>
-    <cs:fontRef idx="minor">
-      <a:schemeClr val="tx1"/>
-    </cs:fontRef>
-    <cs:spPr>
-      <a:ln w="9525" cap="flat" cmpd="sng" algn="ctr">
-        <a:solidFill>
-          <a:schemeClr val="tx1">
-            <a:lumMod val="35000"/>
-            <a:lumOff val="65000"/>
-          </a:schemeClr>
-        </a:solidFill>
-        <a:round/>
-      </a:ln>
-    </cs:spPr>
-  </cs:dropLine>
-  <cs:errorBar>
-    <cs:lnRef idx="0"/>
-    <cs:fillRef idx="0"/>
-    <cs:effectRef idx="0"/>
-    <cs:fontRef idx="minor">
-      <a:schemeClr val="tx1"/>
-    </cs:fontRef>
-    <cs:spPr>
-      <a:ln w="9525" cap="flat" cmpd="sng" algn="ctr">
-        <a:solidFill>
-          <a:schemeClr val="tx1">
-            <a:lumMod val="65000"/>
-            <a:lumOff val="35000"/>
-          </a:schemeClr>
-        </a:solidFill>
-        <a:round/>
-      </a:ln>
-    </cs:spPr>
-  </cs:errorBar>
-  <cs:floor>
-    <cs:lnRef idx="0"/>
-    <cs:fillRef idx="0"/>
-    <cs:effectRef idx="0"/>
-    <cs:fontRef idx="minor">
-      <a:schemeClr val="tx1"/>
-    </cs:fontRef>
-    <cs:spPr>
-      <a:noFill/>
-      <a:ln>
-        <a:noFill/>
-      </a:ln>
-    </cs:spPr>
-  </cs:floor>
-  <cs:gridlineMajor>
-    <cs:lnRef idx="0"/>
-    <cs:fillRef idx="0"/>
-    <cs:effectRef idx="0"/>
-    <cs:fontRef idx="minor">
-      <a:schemeClr val="tx1"/>
-    </cs:fontRef>
-    <cs:spPr>
-      <a:ln w="9525" cap="flat" cmpd="sng" algn="ctr">
-        <a:solidFill>
-          <a:schemeClr val="tx1">
-            <a:lumMod val="15000"/>
-            <a:lumOff val="85000"/>
-          </a:schemeClr>
-        </a:solidFill>
-        <a:round/>
-      </a:ln>
-    </cs:spPr>
-  </cs:gridlineMajor>
-  <cs:gridlineMinor>
-    <cs:lnRef idx="0"/>
-    <cs:fillRef idx="0"/>
-    <cs:effectRef idx="0"/>
-    <cs:fontRef idx="minor">
-      <a:schemeClr val="tx1"/>
-    </cs:fontRef>
-    <cs:spPr>
-      <a:ln w="9525" cap="flat" cmpd="sng" algn="ctr">
-        <a:solidFill>
-          <a:schemeClr val="tx1">
-            <a:lumMod val="5000"/>
-            <a:lumOff val="95000"/>
-          </a:schemeClr>
-        </a:solidFill>
-        <a:round/>
-      </a:ln>
-    </cs:spPr>
-  </cs:gridlineMinor>
-  <cs:hiLoLine>
-    <cs:lnRef idx="0"/>
-    <cs:fillRef idx="0"/>
-    <cs:effectRef idx="0"/>
-    <cs:fontRef idx="minor">
-      <a:schemeClr val="tx1"/>
-    </cs:fontRef>
-    <cs:spPr>
-      <a:ln w="9525" cap="flat" cmpd="sng" algn="ctr">
-        <a:solidFill>
-          <a:schemeClr val="tx1">
-            <a:lumMod val="50000"/>
-            <a:lumOff val="50000"/>
-          </a:schemeClr>
-        </a:solidFill>
-        <a:round/>
-      </a:ln>
-    </cs:spPr>
-  </cs:hiLoLine>
-  <cs:leaderLine>
-    <cs:lnRef idx="0"/>
-    <cs:fillRef idx="0"/>
-    <cs:effectRef idx="0"/>
-    <cs:fontRef idx="minor">
-      <a:schemeClr val="tx1"/>
-    </cs:fontRef>
-    <cs:spPr>
-      <a:ln w="9525" cap="flat" cmpd="sng" algn="ctr">
-        <a:solidFill>
-          <a:schemeClr val="tx1">
-            <a:lumMod val="35000"/>
-            <a:lumOff val="65000"/>
-          </a:schemeClr>
-        </a:solidFill>
-        <a:round/>
-      </a:ln>
-    </cs:spPr>
-  </cs:leaderLine>
-  <cs:legend>
-    <cs:lnRef idx="0"/>
-    <cs:fillRef idx="0"/>
-    <cs:effectRef idx="0"/>
-    <cs:fontRef idx="minor">
-      <a:schemeClr val="tx1">
-        <a:lumMod val="65000"/>
-        <a:lumOff val="35000"/>
-      </a:schemeClr>
-    </cs:fontRef>
-    <cs:defRPr sz="900" kern="1200"/>
-  </cs:legend>
-  <cs:plotArea mods="allowNoFillOverride allowNoLineOverride">
-    <cs:lnRef idx="0"/>
-    <cs:fillRef idx="0"/>
-    <cs:effectRef idx="0"/>
-    <cs:fontRef idx="minor">
-      <a:schemeClr val="tx1"/>
-    </cs:fontRef>
-  </cs:plotArea>
-  <cs:plotArea3D mods="allowNoFillOverride allowNoLineOverride">
-    <cs:lnRef idx="0"/>
-    <cs:fillRef idx="0"/>
-    <cs:effectRef idx="0"/>
-    <cs:fontRef idx="minor">
-      <a:schemeClr val="tx1"/>
-    </cs:fontRef>
-  </cs:plotArea3D>
-  <cs:seriesAxis>
-    <cs:lnRef idx="0"/>
-    <cs:fillRef idx="0"/>
-    <cs:effectRef idx="0"/>
-    <cs:fontRef idx="minor">
-      <a:schemeClr val="tx1">
-        <a:lumMod val="65000"/>
-        <a:lumOff val="35000"/>
-      </a:schemeClr>
-    </cs:fontRef>
-    <cs:defRPr sz="900" kern="1200"/>
-  </cs:seriesAxis>
-  <cs:seriesLine>
-    <cs:lnRef idx="0"/>
-    <cs:fillRef idx="0"/>
-    <cs:effectRef idx="0"/>
-    <cs:fontRef idx="minor">
-      <a:schemeClr val="tx1"/>
-    </cs:fontRef>
-    <cs:spPr>
-      <a:ln w="9525" cap="flat" cmpd="sng" algn="ctr">
-        <a:solidFill>
-          <a:schemeClr val="tx1">
-            <a:lumMod val="35000"/>
-            <a:lumOff val="65000"/>
-          </a:schemeClr>
-        </a:solidFill>
-        <a:round/>
-      </a:ln>
-    </cs:spPr>
-  </cs:seriesLine>
-  <cs:title>
-    <cs:lnRef idx="0"/>
-    <cs:fillRef idx="0"/>
-    <cs:effectRef idx="0"/>
-    <cs:fontRef idx="minor">
-      <a:schemeClr val="tx1">
-        <a:lumMod val="65000"/>
-        <a:lumOff val="35000"/>
-      </a:schemeClr>
-    </cs:fontRef>
-    <cs:defRPr sz="1400" b="0" kern="1200" spc="0" baseline="0"/>
-  </cs:title>
-  <cs:trendline>
-    <cs:lnRef idx="0">
-      <cs:styleClr val="auto"/>
-    </cs:lnRef>
-    <cs:fillRef idx="0"/>
-    <cs:effectRef idx="0"/>
-    <cs:fontRef idx="minor">
-      <a:schemeClr val="tx1"/>
-    </cs:fontRef>
-    <cs:spPr>
-      <a:ln w="19050" cap="rnd">
-        <a:solidFill>
-          <a:schemeClr val="phClr"/>
-        </a:solidFill>
-        <a:prstDash val="sysDot"/>
-      </a:ln>
-    </cs:spPr>
-  </cs:trendline>
-  <cs:trendlineLabel>
-    <cs:lnRef idx="0"/>
-    <cs:fillRef idx="0"/>
-    <cs:effectRef idx="0"/>
-    <cs:fontRef idx="minor">
-      <a:schemeClr val="tx1">
-        <a:lumMod val="65000"/>
-        <a:lumOff val="35000"/>
-      </a:schemeClr>
-    </cs:fontRef>
-    <cs:defRPr sz="900" kern="1200"/>
-  </cs:trendlineLabel>
-  <cs:upBar>
-    <cs:lnRef idx="0"/>
-    <cs:fillRef idx="0"/>
-    <cs:effectRef idx="0"/>
-    <cs:fontRef idx="minor">
-      <a:schemeClr val="tx1"/>
-    </cs:fontRef>
-    <cs:spPr>
-      <a:solidFill>
-        <a:schemeClr val="lt1"/>
-      </a:solidFill>
-      <a:ln w="9525" cap="flat" cmpd="sng" algn="ctr">
-        <a:solidFill>
-          <a:schemeClr val="tx1">
-            <a:lumMod val="65000"/>
-            <a:lumOff val="35000"/>
-          </a:schemeClr>
-        </a:solidFill>
-        <a:round/>
-      </a:ln>
-    </cs:spPr>
-  </cs:upBar>
-  <cs:valueAxis>
-    <cs:lnRef idx="0"/>
-    <cs:fillRef idx="0"/>
-    <cs:effectRef idx="0"/>
-    <cs:fontRef idx="minor">
-      <a:schemeClr val="tx1">
-        <a:lumMod val="65000"/>
-        <a:lumOff val="35000"/>
-      </a:schemeClr>
-    </cs:fontRef>
-    <cs:spPr>
-      <a:ln w="9525" cap="flat" cmpd="sng" algn="ctr">
-        <a:solidFill>
-          <a:schemeClr val="tx1">
-            <a:lumMod val="25000"/>
-            <a:lumOff val="75000"/>
-          </a:schemeClr>
-        </a:solidFill>
-        <a:round/>
-      </a:ln>
-    </cs:spPr>
-    <cs:defRPr sz="900" kern="1200"/>
-  </cs:valueAxis>
-  <cs:wall>
-    <cs:lnRef idx="0"/>
-    <cs:fillRef idx="0"/>
-    <cs:effectRef idx="0"/>
-    <cs:fontRef idx="minor">
-      <a:schemeClr val="tx1"/>
-    </cs:fontRef>
-    <cs:spPr>
-      <a:noFill/>
-      <a:ln>
-        <a:noFill/>
-      </a:ln>
-    </cs:spPr>
-  </cs:wall>
-</cs:chartStyle>
-</file>
-
 <file path=ppt/handoutMasters/handoutMaster1.xml><?xml version="1.0" encoding="utf-8"?>
 <p:handoutMaster xmlns:a="http://schemas.openxmlformats.org/drawingml/2006/main" xmlns:r="http://schemas.openxmlformats.org/officeDocument/2006/relationships" xmlns:p="http://schemas.openxmlformats.org/presentationml/2006/main">
   <p:cSld>
@@ -1580,7 +219,7 @@
             <a:pPr rtl="0"/>
             <a:fld id="{ED0FB4D3-6128-4A32-99CB-3D641AA2C1C7}" type="datetime1">
               <a:rPr lang="zh-CN" altLang="en-US" smtClean="0"/>
-              <a:t>2022/6/7</a:t>
+              <a:t>2022/6/8</a:t>
             </a:fld>
             <a:endParaRPr lang="en-US"/>
           </a:p>
@@ -1750,7 +389,7 @@
             <a:pPr rtl="0"/>
             <a:fld id="{BA5D8F05-9A30-4406-B806-2F3173E8BD00}" type="datetime1">
               <a:rPr lang="zh-CN" altLang="en-US" smtClean="0"/>
-              <a:t>2022/6/7</a:t>
+              <a:t>2022/6/8</a:t>
             </a:fld>
             <a:endParaRPr lang="en-US"/>
           </a:p>
@@ -2270,7 +909,7 @@
             <a:pPr rtl="0"/>
             <a:fld id="{CADA3F98-F3A6-4186-A9B7-7633E0EF6D0A}" type="datetime1">
               <a:rPr lang="zh-CN" altLang="en-US" smtClean="0"/>
-              <a:t>2022/6/7</a:t>
+              <a:t>2022/6/8</a:t>
             </a:fld>
             <a:endParaRPr lang="en-US" dirty="0"/>
           </a:p>
@@ -2462,7 +1101,7 @@
             <a:pPr rtl="0"/>
             <a:fld id="{EC970623-7DFB-42A3-8CCE-B702D8A8CBA8}" type="datetime1">
               <a:rPr lang="zh-CN" altLang="en-US" smtClean="0"/>
-              <a:t>2022/6/7</a:t>
+              <a:t>2022/6/8</a:t>
             </a:fld>
             <a:endParaRPr lang="en-US" dirty="0"/>
           </a:p>
@@ -2708,7 +1347,7 @@
             <a:pPr rtl="0"/>
             <a:fld id="{B4E34121-4184-41C6-9EDA-96583076281D}" type="datetime1">
               <a:rPr lang="zh-CN" altLang="en-US" smtClean="0"/>
-              <a:t>2022/6/7</a:t>
+              <a:t>2022/6/8</a:t>
             </a:fld>
             <a:endParaRPr lang="en-US" dirty="0"/>
           </a:p>
@@ -2900,7 +1539,7 @@
             <a:pPr rtl="0"/>
             <a:fld id="{E61CDE99-011F-4AB3-8089-8BA026F96ECC}" type="datetime1">
               <a:rPr lang="zh-CN" altLang="en-US" smtClean="0"/>
-              <a:t>2022/6/7</a:t>
+              <a:t>2022/6/8</a:t>
             </a:fld>
             <a:endParaRPr lang="en-US" dirty="0"/>
           </a:p>
@@ -3277,7 +1916,7 @@
             <a:pPr rtl="0"/>
             <a:fld id="{0817410B-1C3C-466F-BA3D-F359386E7408}" type="datetime1">
               <a:rPr lang="zh-CN" altLang="en-US" smtClean="0"/>
-              <a:t>2022/6/7</a:t>
+              <a:t>2022/6/8</a:t>
             </a:fld>
             <a:endParaRPr lang="en-US" dirty="0"/>
           </a:p>
@@ -3536,7 +2175,7 @@
             <a:pPr rtl="0"/>
             <a:fld id="{30FE62F4-ED20-483D-8882-4E153F4AB1A9}" type="datetime1">
               <a:rPr lang="zh-CN" altLang="en-US" smtClean="0"/>
-              <a:t>2022/6/7</a:t>
+              <a:t>2022/6/8</a:t>
             </a:fld>
             <a:endParaRPr lang="en-US" dirty="0"/>
           </a:p>
@@ -3937,7 +2576,7 @@
             <a:pPr rtl="0"/>
             <a:fld id="{536EC757-5EFA-4870-8AE0-CBC7F92E42C0}" type="datetime1">
               <a:rPr lang="zh-CN" altLang="en-US" smtClean="0"/>
-              <a:t>2022/6/7</a:t>
+              <a:t>2022/6/8</a:t>
             </a:fld>
             <a:endParaRPr lang="en-US" dirty="0"/>
           </a:p>
@@ -4077,7 +2716,7 @@
             <a:pPr rtl="0"/>
             <a:fld id="{D103F23F-FFB3-4FD8-83B9-A81F36049536}" type="datetime1">
               <a:rPr lang="zh-CN" altLang="en-US" smtClean="0"/>
-              <a:t>2022/6/7</a:t>
+              <a:t>2022/6/8</a:t>
             </a:fld>
             <a:endParaRPr lang="en-US" dirty="0"/>
           </a:p>
@@ -4237,7 +2876,7 @@
             <a:pPr rtl="0"/>
             <a:fld id="{BC2E68CC-4D92-4E28-8F7F-261B223C8800}" type="datetime1">
               <a:rPr lang="zh-CN" altLang="en-US" smtClean="0"/>
-              <a:t>2022/6/7</a:t>
+              <a:t>2022/6/8</a:t>
             </a:fld>
             <a:endParaRPr lang="en-US" dirty="0"/>
           </a:p>
@@ -4570,7 +3209,7 @@
             <a:pPr rtl="0"/>
             <a:fld id="{4B028F21-D2E0-4913-BDE8-7EAF71B2B670}" type="datetime1">
               <a:rPr lang="zh-CN" altLang="en-US" smtClean="0"/>
-              <a:t>2022/6/7</a:t>
+              <a:t>2022/6/8</a:t>
             </a:fld>
             <a:endParaRPr lang="en-US" dirty="0"/>
           </a:p>
@@ -4925,7 +3564,7 @@
             <a:pPr rtl="0"/>
             <a:fld id="{20C43889-E80A-487F-AA95-12C7DE3EDE65}" type="datetime1">
               <a:rPr lang="zh-CN" altLang="en-US" smtClean="0"/>
-              <a:t>2022/6/7</a:t>
+              <a:t>2022/6/8</a:t>
             </a:fld>
             <a:endParaRPr lang="en-US" dirty="0"/>
           </a:p>
@@ -5190,7 +3829,7 @@
           <a:p>
             <a:fld id="{F339E1E4-D2DD-4CAA-9BAA-90EEA32661C4}" type="datetime1">
               <a:rPr lang="zh-CN" altLang="en-US" smtClean="0"/>
-              <a:t>2022/6/7</a:t>
+              <a:t>2022/6/8</a:t>
             </a:fld>
             <a:endParaRPr lang="en-US" dirty="0"/>
           </a:p>
@@ -6102,7 +4741,7 @@
             <a:pPr rtl="0"/>
             <a:fld id="{07FE4C25-9B3E-4C00-B87D-B7DC74B7F318}" type="datetime1">
               <a:rPr lang="zh-CN" altLang="en-US" smtClean="0"/>
-              <a:t>2022/6/7</a:t>
+              <a:t>2022/6/8</a:t>
             </a:fld>
             <a:endParaRPr lang="en-US" dirty="0"/>
           </a:p>
@@ -6112,346 +4751,6 @@
     <p:extLst>
       <p:ext uri="{BB962C8B-B14F-4D97-AF65-F5344CB8AC3E}">
         <p14:creationId xmlns:p14="http://schemas.microsoft.com/office/powerpoint/2010/main" val="4043737824"/>
-      </p:ext>
-    </p:extLst>
-  </p:cSld>
-  <p:clrMapOvr>
-    <a:masterClrMapping/>
-  </p:clrMapOvr>
-</p:sld>
-</file>
-
-<file path=ppt/slides/slide10.xml><?xml version="1.0" encoding="utf-8"?>
-<p:sld xmlns:a="http://schemas.openxmlformats.org/drawingml/2006/main" xmlns:r="http://schemas.openxmlformats.org/officeDocument/2006/relationships" xmlns:p="http://schemas.openxmlformats.org/presentationml/2006/main">
-  <p:cSld>
-    <p:spTree>
-      <p:nvGrpSpPr>
-        <p:cNvPr id="1" name=""/>
-        <p:cNvGrpSpPr/>
-        <p:nvPr/>
-      </p:nvGrpSpPr>
-      <p:grpSpPr>
-        <a:xfrm>
-          <a:off x="0" y="0"/>
-          <a:ext cx="0" cy="0"/>
-          <a:chOff x="0" y="0"/>
-          <a:chExt cx="0" cy="0"/>
-        </a:xfrm>
-      </p:grpSpPr>
-      <p:sp>
-        <p:nvSpPr>
-          <p:cNvPr id="2" name="标题 1">
-            <a:extLst>
-              <a:ext uri="{FF2B5EF4-FFF2-40B4-BE49-F238E27FC236}">
-                <a16:creationId xmlns:a16="http://schemas.microsoft.com/office/drawing/2014/main" id="{137D882A-3D14-41DB-BF9F-182F94987A4F}"/>
-              </a:ext>
-            </a:extLst>
-          </p:cNvPr>
-          <p:cNvSpPr>
-            <a:spLocks noGrp="1"/>
-          </p:cNvSpPr>
-          <p:nvPr>
-            <p:ph type="title"/>
-          </p:nvPr>
-        </p:nvSpPr>
-        <p:spPr/>
-        <p:txBody>
-          <a:bodyPr/>
-          <a:lstStyle/>
-          <a:p>
-            <a:r>
-              <a:rPr lang="en-US" altLang="zh-CN" dirty="0">
-                <a:latin typeface="Times New Roman" panose="02020603050405020304" pitchFamily="18" charset="0"/>
-                <a:cs typeface="Times New Roman" panose="02020603050405020304" pitchFamily="18" charset="0"/>
-              </a:rPr>
-              <a:t>Complexity Analysis</a:t>
-            </a:r>
-            <a:endParaRPr lang="zh-CN" altLang="en-US" dirty="0">
-              <a:latin typeface="Times New Roman" panose="02020603050405020304" pitchFamily="18" charset="0"/>
-              <a:cs typeface="Times New Roman" panose="02020603050405020304" pitchFamily="18" charset="0"/>
-            </a:endParaRPr>
-          </a:p>
-        </p:txBody>
-      </p:sp>
-      <p:sp>
-        <p:nvSpPr>
-          <p:cNvPr id="4" name="日期占位符 3">
-            <a:extLst>
-              <a:ext uri="{FF2B5EF4-FFF2-40B4-BE49-F238E27FC236}">
-                <a16:creationId xmlns:a16="http://schemas.microsoft.com/office/drawing/2014/main" id="{5E089F7A-8A6B-4E98-A615-9E535337F158}"/>
-              </a:ext>
-            </a:extLst>
-          </p:cNvPr>
-          <p:cNvSpPr>
-            <a:spLocks noGrp="1"/>
-          </p:cNvSpPr>
-          <p:nvPr>
-            <p:ph type="dt" sz="half" idx="10"/>
-          </p:nvPr>
-        </p:nvSpPr>
-        <p:spPr/>
-        <p:txBody>
-          <a:bodyPr/>
-          <a:lstStyle/>
-          <a:p>
-            <a:pPr rtl="0"/>
-            <a:fld id="{73DC7586-D071-4E96-8A3C-DCED39D863C1}" type="datetime1">
-              <a:rPr lang="zh-CN" altLang="en-US" smtClean="0"/>
-              <a:t>2022/6/7</a:t>
-            </a:fld>
-            <a:endParaRPr lang="en-US" dirty="0"/>
-          </a:p>
-        </p:txBody>
-      </p:sp>
-      <mc:AlternateContent xmlns:mc="http://schemas.openxmlformats.org/markup-compatibility/2006" xmlns:a14="http://schemas.microsoft.com/office/drawing/2010/main">
-        <mc:Choice Requires="a14">
-          <p:sp>
-            <p:nvSpPr>
-              <p:cNvPr id="6" name="内容占位符 5">
-                <a:extLst>
-                  <a:ext uri="{FF2B5EF4-FFF2-40B4-BE49-F238E27FC236}">
-                    <a16:creationId xmlns:a16="http://schemas.microsoft.com/office/drawing/2014/main" id="{9FE07B5B-F6E7-4C5F-9106-7ECEF2038CEC}"/>
-                  </a:ext>
-                </a:extLst>
-              </p:cNvPr>
-              <p:cNvSpPr>
-                <a:spLocks noGrp="1"/>
-              </p:cNvSpPr>
-              <p:nvPr>
-                <p:ph idx="1"/>
-              </p:nvPr>
-            </p:nvSpPr>
-            <p:spPr/>
-            <p:txBody>
-              <a:bodyPr/>
-              <a:lstStyle/>
-              <a:p>
-                <a:r>
-                  <a:rPr lang="en-US" altLang="zh-CN" dirty="0">
-                    <a:latin typeface="Times New Roman" panose="02020603050405020304" pitchFamily="18" charset="0"/>
-                    <a:cs typeface="Times New Roman" panose="02020603050405020304" pitchFamily="18" charset="0"/>
-                  </a:rPr>
-                  <a:t>It has been approved that the time complexity is:  </a:t>
-                </a:r>
-                <a14:m>
-                  <m:oMath xmlns:m="http://schemas.openxmlformats.org/officeDocument/2006/math">
-                    <m:r>
-                      <m:rPr>
-                        <m:sty m:val="p"/>
-                      </m:rPr>
-                      <a:rPr lang="en-US" altLang="zh-CN" b="0" i="0" smtClean="0">
-                        <a:latin typeface="Cambria Math" panose="02040503050406030204" pitchFamily="18" charset="0"/>
-                      </a:rPr>
-                      <m:t>T</m:t>
-                    </m:r>
-                    <m:r>
-                      <a:rPr lang="en-US" altLang="zh-CN" b="0" i="0" smtClean="0">
-                        <a:latin typeface="Cambria Math" panose="02040503050406030204" pitchFamily="18" charset="0"/>
-                      </a:rPr>
-                      <m:t>=</m:t>
-                    </m:r>
-                    <m:r>
-                      <a:rPr lang="en-US" altLang="zh-CN" i="1" smtClean="0">
-                        <a:latin typeface="Cambria Math" panose="02040503050406030204" pitchFamily="18" charset="0"/>
-                      </a:rPr>
-                      <m:t>𝑂</m:t>
-                    </m:r>
-                    <m:d>
-                      <m:dPr>
-                        <m:ctrlPr>
-                          <a:rPr lang="en-US" altLang="zh-CN" i="1" smtClean="0">
-                            <a:solidFill>
-                              <a:srgbClr val="836967"/>
-                            </a:solidFill>
-                            <a:latin typeface="Cambria Math" panose="02040503050406030204" pitchFamily="18" charset="0"/>
-                          </a:rPr>
-                        </m:ctrlPr>
-                      </m:dPr>
-                      <m:e>
-                        <m:sSup>
-                          <m:sSupPr>
-                            <m:ctrlPr>
-                              <a:rPr lang="en-US" altLang="zh-CN" i="1" smtClean="0">
-                                <a:solidFill>
-                                  <a:srgbClr val="836967"/>
-                                </a:solidFill>
-                                <a:latin typeface="Cambria Math" panose="02040503050406030204" pitchFamily="18" charset="0"/>
-                              </a:rPr>
-                            </m:ctrlPr>
-                          </m:sSupPr>
-                          <m:e>
-                            <m:r>
-                              <a:rPr lang="en-US" altLang="zh-CN" i="0" smtClean="0">
-                                <a:latin typeface="Cambria Math" panose="02040503050406030204" pitchFamily="18" charset="0"/>
-                              </a:rPr>
-                              <m:t>3</m:t>
-                            </m:r>
-                          </m:e>
-                          <m:sup>
-                            <m:f>
-                              <m:fPr>
-                                <m:type m:val="lin"/>
-                                <m:ctrlPr>
-                                  <a:rPr lang="en-US" altLang="zh-CN" i="1" smtClean="0">
-                                    <a:latin typeface="Cambria Math" panose="02040503050406030204" pitchFamily="18" charset="0"/>
-                                  </a:rPr>
-                                </m:ctrlPr>
-                              </m:fPr>
-                              <m:num>
-                                <m:r>
-                                  <a:rPr lang="en-US" altLang="zh-CN" i="1" smtClean="0">
-                                    <a:latin typeface="Cambria Math" panose="02040503050406030204" pitchFamily="18" charset="0"/>
-                                  </a:rPr>
-                                  <m:t>𝑛</m:t>
-                                </m:r>
-                              </m:num>
-                              <m:den>
-                                <m:r>
-                                  <a:rPr lang="en-US" altLang="zh-CN" i="0" smtClean="0">
-                                    <a:latin typeface="Cambria Math" panose="02040503050406030204" pitchFamily="18" charset="0"/>
-                                  </a:rPr>
-                                  <m:t>3</m:t>
-                                </m:r>
-                              </m:den>
-                            </m:f>
-                          </m:sup>
-                        </m:sSup>
-                      </m:e>
-                    </m:d>
-                  </m:oMath>
-                </a14:m>
-                <a:endParaRPr lang="en-US" altLang="zh-CN" dirty="0">
-                  <a:latin typeface="Times New Roman" panose="02020603050405020304" pitchFamily="18" charset="0"/>
-                  <a:cs typeface="Times New Roman" panose="02020603050405020304" pitchFamily="18" charset="0"/>
-                </a:endParaRPr>
-              </a:p>
-              <a:p>
-                <a:r>
-                  <a:rPr lang="en-US" altLang="zh-CN" dirty="0">
-                    <a:latin typeface="Times New Roman" panose="02020603050405020304" pitchFamily="18" charset="0"/>
-                    <a:cs typeface="Times New Roman" panose="02020603050405020304" pitchFamily="18" charset="0"/>
-                  </a:rPr>
-                  <a:t>Since we use the adjacent matrix to store the graph of all fruits and the tips, the space complexity is that:</a:t>
-                </a:r>
-                <a:r>
-                  <a:rPr lang="en-US" altLang="zh-CN" b="0" dirty="0"/>
-                  <a:t> </a:t>
-                </a:r>
-                <a14:m>
-                  <m:oMath xmlns:m="http://schemas.openxmlformats.org/officeDocument/2006/math">
-                    <m:r>
-                      <m:rPr>
-                        <m:sty m:val="p"/>
-                      </m:rPr>
-                      <a:rPr lang="en-US" altLang="zh-CN">
-                        <a:latin typeface="Cambria Math" panose="02040503050406030204" pitchFamily="18" charset="0"/>
-                      </a:rPr>
-                      <m:t>S</m:t>
-                    </m:r>
-                    <m:r>
-                      <a:rPr lang="en-US" altLang="zh-CN" b="0" i="0" smtClean="0">
-                        <a:latin typeface="Cambria Math" panose="02040503050406030204" pitchFamily="18" charset="0"/>
-                      </a:rPr>
-                      <m:t>=</m:t>
-                    </m:r>
-                    <m:sSup>
-                      <m:sSupPr>
-                        <m:ctrlPr>
-                          <a:rPr lang="en-US" altLang="zh-CN" i="1" smtClean="0">
-                            <a:latin typeface="Cambria Math" panose="02040503050406030204" pitchFamily="18" charset="0"/>
-                          </a:rPr>
-                        </m:ctrlPr>
-                      </m:sSupPr>
-                      <m:e>
-                        <m:r>
-                          <a:rPr lang="en-US" altLang="zh-CN" b="0" i="1" smtClean="0">
-                            <a:latin typeface="Cambria Math" panose="02040503050406030204" pitchFamily="18" charset="0"/>
-                          </a:rPr>
-                          <m:t>(</m:t>
-                        </m:r>
-                        <m:r>
-                          <a:rPr lang="en-US" altLang="zh-CN" b="0" i="1" smtClean="0">
-                            <a:latin typeface="Cambria Math" panose="02040503050406030204" pitchFamily="18" charset="0"/>
-                          </a:rPr>
-                          <m:t>𝑉</m:t>
-                        </m:r>
-                      </m:e>
-                      <m:sup>
-                        <m:r>
-                          <a:rPr lang="en-US" altLang="zh-CN" i="1" smtClean="0">
-                            <a:latin typeface="Cambria Math" panose="02040503050406030204" pitchFamily="18" charset="0"/>
-                          </a:rPr>
-                          <m:t>2</m:t>
-                        </m:r>
-                      </m:sup>
-                    </m:sSup>
-                    <m:r>
-                      <a:rPr lang="en-US" altLang="zh-CN" b="0" i="1" smtClean="0">
-                        <a:latin typeface="Cambria Math" panose="02040503050406030204" pitchFamily="18" charset="0"/>
-                      </a:rPr>
-                      <m:t>)</m:t>
-                    </m:r>
-                  </m:oMath>
-                </a14:m>
-                <a:r>
-                  <a:rPr lang="en-US" altLang="zh-CN" dirty="0">
-                    <a:latin typeface="Times New Roman" panose="02020603050405020304" pitchFamily="18" charset="0"/>
-                    <a:cs typeface="Times New Roman" panose="02020603050405020304" pitchFamily="18" charset="0"/>
-                  </a:rPr>
-                  <a:t>.</a:t>
-                </a:r>
-                <a:endParaRPr lang="zh-CN" altLang="en-US" dirty="0">
-                  <a:latin typeface="Times New Roman" panose="02020603050405020304" pitchFamily="18" charset="0"/>
-                  <a:cs typeface="Times New Roman" panose="02020603050405020304" pitchFamily="18" charset="0"/>
-                </a:endParaRPr>
-              </a:p>
-            </p:txBody>
-          </p:sp>
-        </mc:Choice>
-        <mc:Fallback xmlns="">
-          <p:sp>
-            <p:nvSpPr>
-              <p:cNvPr id="6" name="内容占位符 5">
-                <a:extLst>
-                  <a:ext uri="{FF2B5EF4-FFF2-40B4-BE49-F238E27FC236}">
-                    <a16:creationId xmlns:a16="http://schemas.microsoft.com/office/drawing/2014/main" id="{9FE07B5B-F6E7-4C5F-9106-7ECEF2038CEC}"/>
-                  </a:ext>
-                </a:extLst>
-              </p:cNvPr>
-              <p:cNvSpPr>
-                <a:spLocks noGrp="1" noRot="1" noChangeAspect="1" noMove="1" noResize="1" noEditPoints="1" noAdjustHandles="1" noChangeArrowheads="1" noChangeShapeType="1" noTextEdit="1"/>
-              </p:cNvSpPr>
-              <p:nvPr>
-                <p:ph idx="1"/>
-              </p:nvPr>
-            </p:nvSpPr>
-            <p:spPr>
-              <a:blipFill>
-                <a:blip r:embed="rId2"/>
-                <a:stretch>
-                  <a:fillRect l="-545" t="-7293"/>
-                </a:stretch>
-              </a:blipFill>
-            </p:spPr>
-            <p:txBody>
-              <a:bodyPr/>
-              <a:lstStyle/>
-              <a:p>
-                <a:r>
-                  <a:rPr lang="zh-CN" altLang="en-US">
-                    <a:noFill/>
-                  </a:rPr>
-                  <a:t> </a:t>
-                </a:r>
-              </a:p>
-            </p:txBody>
-          </p:sp>
-        </mc:Fallback>
-      </mc:AlternateContent>
-    </p:spTree>
-    <p:extLst>
-      <p:ext uri="{BB962C8B-B14F-4D97-AF65-F5344CB8AC3E}">
-        <p14:creationId xmlns:p14="http://schemas.microsoft.com/office/powerpoint/2010/main" val="2234877024"/>
       </p:ext>
     </p:extLst>
   </p:cSld>
@@ -6665,7 +4964,7 @@
             <a:pPr rtl="0"/>
             <a:fld id="{BB1CC466-CCAC-4194-BBF5-3F531B488EE8}" type="datetime1">
               <a:rPr lang="zh-CN" altLang="en-US" smtClean="0"/>
-              <a:t>2022/6/7</a:t>
+              <a:t>2022/6/8</a:t>
             </a:fld>
             <a:endParaRPr lang="en-US" dirty="0"/>
           </a:p>
@@ -7531,7 +5830,7 @@
             <a:pPr rtl="0"/>
             <a:fld id="{313A56E2-689C-4C5A-A2F3-177CE92C4E29}" type="datetime1">
               <a:rPr lang="zh-CN" altLang="en-US" smtClean="0"/>
-              <a:t>2022/6/7</a:t>
+              <a:t>2022/6/8</a:t>
             </a:fld>
             <a:endParaRPr lang="en-US" dirty="0"/>
           </a:p>
@@ -7626,7 +5925,7 @@
             <a:pPr rtl="0"/>
             <a:fld id="{A5177DA3-A8C7-4912-ADDF-438128E8904A}" type="datetime1">
               <a:rPr lang="zh-CN" altLang="en-US" smtClean="0"/>
-              <a:t>2022/6/7</a:t>
+              <a:t>2022/6/8</a:t>
             </a:fld>
             <a:endParaRPr lang="en-US" dirty="0"/>
           </a:p>
@@ -7865,35 +6164,8 @@
                 <a:latin typeface="Times New Roman" panose="02020603050405020304" pitchFamily="18" charset="0"/>
                 <a:cs typeface="Times New Roman" panose="02020603050405020304" pitchFamily="18" charset="0"/>
               </a:rPr>
-              <a:t>Maximum Clique</a:t>
-            </a:r>
-          </a:p>
-          <a:p>
-            <a:pPr marL="0" indent="0">
-              <a:buNone/>
-            </a:pPr>
-            <a:endParaRPr lang="en-US" altLang="zh-CN" sz="2600" dirty="0">
-              <a:latin typeface="Times New Roman" panose="02020603050405020304" pitchFamily="18" charset="0"/>
-              <a:cs typeface="Times New Roman" panose="02020603050405020304" pitchFamily="18" charset="0"/>
-            </a:endParaRPr>
-          </a:p>
-          <a:p>
-            <a:pPr marL="0" indent="0">
-              <a:buNone/>
-            </a:pPr>
-            <a:endParaRPr lang="en-US" altLang="zh-CN" sz="2600" dirty="0">
-              <a:latin typeface="Times New Roman" panose="02020603050405020304" pitchFamily="18" charset="0"/>
-              <a:cs typeface="Times New Roman" panose="02020603050405020304" pitchFamily="18" charset="0"/>
-            </a:endParaRPr>
-          </a:p>
-          <a:p>
-            <a:pPr marL="0" indent="0">
-              <a:buNone/>
-            </a:pPr>
-            <a:endParaRPr lang="en-US" altLang="zh-CN" sz="2600" dirty="0">
-              <a:latin typeface="Times New Roman" panose="02020603050405020304" pitchFamily="18" charset="0"/>
-              <a:cs typeface="Times New Roman" panose="02020603050405020304" pitchFamily="18" charset="0"/>
-            </a:endParaRPr>
+              <a:t>Constant</a:t>
+            </a:r>
           </a:p>
           <a:p>
             <a:r>
@@ -7901,7 +6173,7 @@
                 <a:latin typeface="Times New Roman" panose="02020603050405020304" pitchFamily="18" charset="0"/>
                 <a:cs typeface="Times New Roman" panose="02020603050405020304" pitchFamily="18" charset="0"/>
               </a:rPr>
-              <a:t>Maximum Independent Set</a:t>
+              <a:t>Unary Operation</a:t>
             </a:r>
           </a:p>
           <a:p>
@@ -7910,7 +6182,16 @@
                 <a:latin typeface="Times New Roman" panose="02020603050405020304" pitchFamily="18" charset="0"/>
                 <a:cs typeface="Times New Roman" panose="02020603050405020304" pitchFamily="18" charset="0"/>
               </a:rPr>
-              <a:t>Complement Graph</a:t>
+              <a:t>Binary Operation</a:t>
+            </a:r>
+          </a:p>
+          <a:p>
+            <a:r>
+              <a:rPr lang="en-US" altLang="zh-CN" sz="2600" dirty="0">
+                <a:latin typeface="Times New Roman" panose="02020603050405020304" pitchFamily="18" charset="0"/>
+                <a:cs typeface="Times New Roman" panose="02020603050405020304" pitchFamily="18" charset="0"/>
+              </a:rPr>
+              <a:t>Function Call</a:t>
             </a:r>
           </a:p>
         </p:txBody>
@@ -7939,48 +6220,12 @@
             <a:pPr rtl="0"/>
             <a:fld id="{EC8522D7-EFCA-4FFE-9E22-1E10BFEE0AEF}" type="datetime1">
               <a:rPr lang="zh-CN" altLang="en-US" smtClean="0"/>
-              <a:t>2022/6/7</a:t>
+              <a:t>2022/6/8</a:t>
             </a:fld>
             <a:endParaRPr lang="en-US" dirty="0"/>
           </a:p>
         </p:txBody>
       </p:sp>
-      <p:pic>
-        <p:nvPicPr>
-          <p:cNvPr id="9" name="图片 8">
-            <a:extLst>
-              <a:ext uri="{FF2B5EF4-FFF2-40B4-BE49-F238E27FC236}">
-                <a16:creationId xmlns:a16="http://schemas.microsoft.com/office/drawing/2014/main" id="{A8223399-1ADF-4822-8010-2B1D633A9CDD}"/>
-              </a:ext>
-            </a:extLst>
-          </p:cNvPr>
-          <p:cNvPicPr>
-            <a:picLocks noChangeAspect="1"/>
-          </p:cNvPicPr>
-          <p:nvPr/>
-        </p:nvPicPr>
-        <p:blipFill>
-          <a:blip r:embed="rId2">
-            <a:extLst>
-              <a:ext uri="{28A0092B-C50C-407E-A947-70E740481C1C}">
-                <a14:useLocalDpi xmlns:a14="http://schemas.microsoft.com/office/drawing/2010/main" val="0"/>
-              </a:ext>
-            </a:extLst>
-          </a:blip>
-          <a:stretch>
-            <a:fillRect/>
-          </a:stretch>
-        </p:blipFill>
-        <p:spPr>
-          <a:xfrm>
-            <a:off x="5415853" y="2746771"/>
-            <a:ext cx="5739509" cy="1603773"/>
-          </a:xfrm>
-          <a:prstGeom prst="rect">
-            <a:avLst/>
-          </a:prstGeom>
-        </p:spPr>
-      </p:pic>
     </p:spTree>
     <p:extLst>
       <p:ext uri="{BB962C8B-B14F-4D97-AF65-F5344CB8AC3E}">
@@ -8070,41 +6315,12 @@
             <a:pPr rtl="0"/>
             <a:fld id="{1BC6B719-D237-47DB-9548-FD2E80FEB817}" type="datetime1">
               <a:rPr lang="zh-CN" altLang="en-US" smtClean="0"/>
-              <a:t>2022/6/7</a:t>
+              <a:t>2022/6/8</a:t>
             </a:fld>
             <a:endParaRPr lang="en-US" dirty="0"/>
           </a:p>
         </p:txBody>
       </p:sp>
-      <p:pic>
-        <p:nvPicPr>
-          <p:cNvPr id="43" name="内容占位符 42">
-            <a:extLst>
-              <a:ext uri="{FF2B5EF4-FFF2-40B4-BE49-F238E27FC236}">
-                <a16:creationId xmlns:a16="http://schemas.microsoft.com/office/drawing/2014/main" id="{E903CAF0-06DD-4F1E-A88A-215141BAA3C9}"/>
-              </a:ext>
-            </a:extLst>
-          </p:cNvPr>
-          <p:cNvPicPr>
-            <a:picLocks noGrp="1" noChangeAspect="1"/>
-          </p:cNvPicPr>
-          <p:nvPr>
-            <p:ph idx="1"/>
-          </p:nvPr>
-        </p:nvPicPr>
-        <p:blipFill>
-          <a:blip r:embed="rId2"/>
-          <a:stretch>
-            <a:fillRect/>
-          </a:stretch>
-        </p:blipFill>
-        <p:spPr>
-          <a:xfrm>
-            <a:off x="1097279" y="4700589"/>
-            <a:ext cx="9509735" cy="1384617"/>
-          </a:xfrm>
-        </p:spPr>
-      </p:pic>
       <p:sp>
         <p:nvSpPr>
           <p:cNvPr id="44" name="文本框 43">
@@ -8120,7 +6336,7 @@
         <p:spPr>
           <a:xfrm>
             <a:off x="1097279" y="2206150"/>
-            <a:ext cx="7736681" cy="1938992"/>
+            <a:ext cx="7736681" cy="1200329"/>
           </a:xfrm>
           <a:prstGeom prst="rect">
             <a:avLst/>
@@ -8138,21 +6354,25 @@
                 <a:latin typeface="Times New Roman" panose="02020603050405020304" pitchFamily="18" charset="0"/>
                 <a:cs typeface="Times New Roman" panose="02020603050405020304" pitchFamily="18" charset="0"/>
               </a:rPr>
-              <a:t>When enumerating the </a:t>
-            </a:r>
-            <a:r>
-              <a:rPr lang="en-US" altLang="zh-CN" sz="2400" dirty="0" err="1">
-                <a:latin typeface="Times New Roman" panose="02020603050405020304" pitchFamily="18" charset="0"/>
-                <a:cs typeface="Times New Roman" panose="02020603050405020304" pitchFamily="18" charset="0"/>
-              </a:rPr>
-              <a:t>i-th</a:t>
-            </a:r>
+              <a:t>if(…){…}else{…}</a:t>
+            </a:r>
+          </a:p>
+          <a:p>
             <a:r>
               <a:rPr lang="en-US" altLang="zh-CN" sz="2400" dirty="0">
                 <a:latin typeface="Times New Roman" panose="02020603050405020304" pitchFamily="18" charset="0"/>
                 <a:cs typeface="Times New Roman" panose="02020603050405020304" pitchFamily="18" charset="0"/>
               </a:rPr>
-              <a:t> point, only those whose subscript is larger than it are considered to avoid repetition. That’s to say the current number of vertices CNT plus the maximum number that can be increased is still less than best, exit and return false.</a:t>
+              <a:t>while(…){…} </a:t>
+            </a:r>
+          </a:p>
+          <a:p>
+            <a:r>
+              <a:rPr lang="en-US" altLang="zh-CN" sz="2400" dirty="0">
+                <a:latin typeface="Times New Roman" panose="02020603050405020304" pitchFamily="18" charset="0"/>
+                <a:cs typeface="Times New Roman" panose="02020603050405020304" pitchFamily="18" charset="0"/>
+              </a:rPr>
+              <a:t>for(…;…;…){…}</a:t>
             </a:r>
             <a:endParaRPr lang="zh-CN" altLang="en-US" sz="2400" dirty="0">
               <a:latin typeface="Times New Roman" panose="02020603050405020304" pitchFamily="18" charset="0"/>
@@ -8175,8 +6395,8 @@
         </p:nvSpPr>
         <p:spPr>
           <a:xfrm>
-            <a:off x="1097279" y="4152267"/>
-            <a:ext cx="5107781" cy="461665"/>
+            <a:off x="1097279" y="3480751"/>
+            <a:ext cx="5107781" cy="1200329"/>
           </a:xfrm>
           <a:prstGeom prst="rect">
             <a:avLst/>
@@ -8194,7 +6414,25 @@
                 <a:latin typeface="Times New Roman" panose="02020603050405020304" pitchFamily="18" charset="0"/>
                 <a:cs typeface="Times New Roman" panose="02020603050405020304" pitchFamily="18" charset="0"/>
               </a:rPr>
-              <a:t>Pseudo code</a:t>
+              <a:t>return</a:t>
+            </a:r>
+          </a:p>
+          <a:p>
+            <a:r>
+              <a:rPr lang="en-US" altLang="zh-CN" sz="2400" dirty="0">
+                <a:latin typeface="Times New Roman" panose="02020603050405020304" pitchFamily="18" charset="0"/>
+                <a:cs typeface="Times New Roman" panose="02020603050405020304" pitchFamily="18" charset="0"/>
+              </a:rPr>
+              <a:t>break</a:t>
+            </a:r>
+          </a:p>
+          <a:p>
+            <a:r>
+              <a:rPr lang="en-US" altLang="zh-CN" sz="2400" dirty="0">
+                <a:latin typeface="Times New Roman" panose="02020603050405020304" pitchFamily="18" charset="0"/>
+                <a:cs typeface="Times New Roman" panose="02020603050405020304" pitchFamily="18" charset="0"/>
+              </a:rPr>
+              <a:t>continue</a:t>
             </a:r>
             <a:endParaRPr lang="zh-CN" altLang="en-US" sz="2400" dirty="0">
               <a:latin typeface="Times New Roman" panose="02020603050405020304" pitchFamily="18" charset="0"/>
@@ -8286,8 +6524,8 @@
         </p:nvSpPr>
         <p:spPr>
           <a:xfrm>
-            <a:off x="1097279" y="2211653"/>
-            <a:ext cx="6089333" cy="3760891"/>
+            <a:off x="1097279" y="2211654"/>
+            <a:ext cx="4167665" cy="2281766"/>
           </a:xfrm>
         </p:spPr>
         <p:txBody>
@@ -8302,99 +6540,97 @@
                 <a:latin typeface="Times New Roman" panose="02020603050405020304" pitchFamily="18" charset="0"/>
                 <a:cs typeface="Times New Roman" panose="02020603050405020304" pitchFamily="18" charset="0"/>
               </a:rPr>
-              <a:t>Key Point</a:t>
-            </a:r>
-            <a:br>
+              <a:t>int </a:t>
+            </a:r>
+            <a:r>
               <a:rPr lang="en-US" altLang="zh-CN" sz="2400" dirty="0">
                 <a:latin typeface="Times New Roman" panose="02020603050405020304" pitchFamily="18" charset="0"/>
                 <a:cs typeface="Times New Roman" panose="02020603050405020304" pitchFamily="18" charset="0"/>
+                <a:sym typeface="Wingdings" panose="05000000000000000000" pitchFamily="2" charset="2"/>
               </a:rPr>
-            </a:br>
+              <a:t> float</a:t>
+            </a:r>
+          </a:p>
+          <a:p>
+            <a:pPr marL="0"/>
             <a:r>
               <a:rPr lang="en-US" altLang="zh-CN" sz="2400" dirty="0">
+                <a:solidFill>
+                  <a:schemeClr val="tx1"/>
+                </a:solidFill>
                 <a:latin typeface="Times New Roman" panose="02020603050405020304" pitchFamily="18" charset="0"/>
+                <a:ea typeface="+mn-ea"/>
                 <a:cs typeface="Times New Roman" panose="02020603050405020304" pitchFamily="18" charset="0"/>
               </a:rPr>
-              <a:t>if P and X are both empty:</a:t>
-            </a:r>
-            <a:br>
+              <a:t>float </a:t>
+            </a:r>
+            <a:r>
               <a:rPr lang="en-US" altLang="zh-CN" sz="2400" dirty="0">
+                <a:solidFill>
+                  <a:schemeClr val="tx1"/>
+                </a:solidFill>
                 <a:latin typeface="Times New Roman" panose="02020603050405020304" pitchFamily="18" charset="0"/>
+                <a:ea typeface="+mn-ea"/>
+                <a:cs typeface="Times New Roman" panose="02020603050405020304" pitchFamily="18" charset="0"/>
+                <a:sym typeface="Wingdings" panose="05000000000000000000" pitchFamily="2" charset="2"/>
+              </a:rPr>
+              <a:t> int</a:t>
+            </a:r>
+          </a:p>
+          <a:p>
+            <a:pPr marL="0"/>
+            <a:r>
+              <a:rPr lang="en-US" altLang="zh-CN" sz="2400" dirty="0">
+                <a:solidFill>
+                  <a:schemeClr val="tx1"/>
+                </a:solidFill>
+                <a:latin typeface="Times New Roman" panose="02020603050405020304" pitchFamily="18" charset="0"/>
+                <a:ea typeface="+mn-ea"/>
                 <a:cs typeface="Times New Roman" panose="02020603050405020304" pitchFamily="18" charset="0"/>
               </a:rPr>
-            </a:br>
+              <a:t>char </a:t>
+            </a:r>
             <a:r>
               <a:rPr lang="en-US" altLang="zh-CN" sz="2400" dirty="0">
+                <a:solidFill>
+                  <a:schemeClr val="tx1"/>
+                </a:solidFill>
                 <a:latin typeface="Times New Roman" panose="02020603050405020304" pitchFamily="18" charset="0"/>
+                <a:ea typeface="+mn-ea"/>
+                <a:cs typeface="Times New Roman" panose="02020603050405020304" pitchFamily="18" charset="0"/>
+                <a:sym typeface="Wingdings" panose="05000000000000000000" pitchFamily="2" charset="2"/>
+              </a:rPr>
+              <a:t> int</a:t>
+            </a:r>
+          </a:p>
+          <a:p>
+            <a:pPr marL="0"/>
+            <a:r>
+              <a:rPr lang="en-US" altLang="zh-CN" sz="2400" dirty="0">
+                <a:solidFill>
+                  <a:schemeClr val="tx1"/>
+                </a:solidFill>
+                <a:latin typeface="Times New Roman" panose="02020603050405020304" pitchFamily="18" charset="0"/>
+                <a:ea typeface="+mn-ea"/>
                 <a:cs typeface="Times New Roman" panose="02020603050405020304" pitchFamily="18" charset="0"/>
               </a:rPr>
-              <a:t>           report R as a maximal clique</a:t>
-            </a:r>
-            <a:br>
+              <a:t>int </a:t>
+            </a:r>
+            <a:r>
               <a:rPr lang="en-US" altLang="zh-CN" sz="2400" dirty="0">
+                <a:solidFill>
+                  <a:schemeClr val="tx1"/>
+                </a:solidFill>
                 <a:latin typeface="Times New Roman" panose="02020603050405020304" pitchFamily="18" charset="0"/>
+                <a:ea typeface="+mn-ea"/>
                 <a:cs typeface="Times New Roman" panose="02020603050405020304" pitchFamily="18" charset="0"/>
+                <a:sym typeface="Wingdings" panose="05000000000000000000" pitchFamily="2" charset="2"/>
               </a:rPr>
-            </a:br>
-            <a:r>
-              <a:rPr lang="en-US" altLang="zh-CN" sz="2400" dirty="0">
-                <a:latin typeface="Times New Roman" panose="02020603050405020304" pitchFamily="18" charset="0"/>
-                <a:cs typeface="Times New Roman" panose="02020603050405020304" pitchFamily="18" charset="0"/>
-              </a:rPr>
-              <a:t>       choose a pivot vertex u in P ⋃ X</a:t>
-            </a:r>
-            <a:br>
-              <a:rPr lang="en-US" altLang="zh-CN" sz="2400" dirty="0">
-                <a:latin typeface="Times New Roman" panose="02020603050405020304" pitchFamily="18" charset="0"/>
-                <a:cs typeface="Times New Roman" panose="02020603050405020304" pitchFamily="18" charset="0"/>
-              </a:rPr>
-            </a:br>
-            <a:r>
-              <a:rPr lang="en-US" altLang="zh-CN" sz="2400" dirty="0">
-                <a:latin typeface="Times New Roman" panose="02020603050405020304" pitchFamily="18" charset="0"/>
-                <a:cs typeface="Times New Roman" panose="02020603050405020304" pitchFamily="18" charset="0"/>
-              </a:rPr>
-              <a:t>       for each vertex v in P \ N(u):</a:t>
-            </a:r>
-            <a:br>
-              <a:rPr lang="en-US" altLang="zh-CN" sz="2400" dirty="0">
-                <a:latin typeface="Times New Roman" panose="02020603050405020304" pitchFamily="18" charset="0"/>
-                <a:cs typeface="Times New Roman" panose="02020603050405020304" pitchFamily="18" charset="0"/>
-              </a:rPr>
-            </a:br>
-            <a:r>
-              <a:rPr lang="en-US" altLang="zh-CN" sz="2400" dirty="0">
-                <a:latin typeface="Times New Roman" panose="02020603050405020304" pitchFamily="18" charset="0"/>
-                <a:cs typeface="Times New Roman" panose="02020603050405020304" pitchFamily="18" charset="0"/>
-              </a:rPr>
-              <a:t> Key Point (R ⋃ {v}, P ⋂ N(v), X ⋂ N(v))</a:t>
-            </a:r>
-            <a:br>
-              <a:rPr lang="en-US" altLang="zh-CN" sz="2400" dirty="0">
-                <a:latin typeface="Times New Roman" panose="02020603050405020304" pitchFamily="18" charset="0"/>
-                <a:cs typeface="Times New Roman" panose="02020603050405020304" pitchFamily="18" charset="0"/>
-              </a:rPr>
-            </a:br>
-            <a:r>
-              <a:rPr lang="en-US" altLang="zh-CN" sz="2400" dirty="0">
-                <a:latin typeface="Times New Roman" panose="02020603050405020304" pitchFamily="18" charset="0"/>
-                <a:cs typeface="Times New Roman" panose="02020603050405020304" pitchFamily="18" charset="0"/>
-              </a:rPr>
-              <a:t>           P := P \ {v}</a:t>
-            </a:r>
-            <a:br>
-              <a:rPr lang="en-US" altLang="zh-CN" sz="2400" dirty="0">
-                <a:latin typeface="Times New Roman" panose="02020603050405020304" pitchFamily="18" charset="0"/>
-                <a:cs typeface="Times New Roman" panose="02020603050405020304" pitchFamily="18" charset="0"/>
-              </a:rPr>
-            </a:br>
-            <a:r>
-              <a:rPr lang="en-US" altLang="zh-CN" sz="2400" dirty="0">
-                <a:latin typeface="Times New Roman" panose="02020603050405020304" pitchFamily="18" charset="0"/>
-                <a:cs typeface="Times New Roman" panose="02020603050405020304" pitchFamily="18" charset="0"/>
-              </a:rPr>
-              <a:t>           X := X ⋃ {v}</a:t>
-            </a:r>
+              <a:t> char</a:t>
+            </a:r>
+          </a:p>
+          <a:p>
+            <a:pPr marL="0"/>
             <a:endParaRPr lang="en-US" altLang="zh-CN" sz="2400" dirty="0">
               <a:solidFill>
                 <a:schemeClr val="tx1"/>
@@ -8430,12 +6666,74 @@
             <a:pPr rtl="0"/>
             <a:fld id="{98E48062-3D2F-442F-8123-E9030484F7D0}" type="datetime1">
               <a:rPr lang="zh-CN" altLang="en-US" smtClean="0"/>
-              <a:t>2022/6/7</a:t>
+              <a:t>2022/6/8</a:t>
             </a:fld>
             <a:endParaRPr lang="en-US" dirty="0"/>
           </a:p>
         </p:txBody>
       </p:sp>
+      <p:sp>
+        <p:nvSpPr>
+          <p:cNvPr id="5" name="文本框 4">
+            <a:extLst>
+              <a:ext uri="{FF2B5EF4-FFF2-40B4-BE49-F238E27FC236}">
+                <a16:creationId xmlns:a16="http://schemas.microsoft.com/office/drawing/2014/main" id="{9F45A407-C38B-4C7C-9E20-0A60AEDF0BEA}"/>
+              </a:ext>
+            </a:extLst>
+          </p:cNvPr>
+          <p:cNvSpPr txBox="1"/>
+          <p:nvPr/>
+        </p:nvSpPr>
+        <p:spPr>
+          <a:xfrm>
+            <a:off x="4607719" y="2371725"/>
+            <a:ext cx="6547961" cy="3200400"/>
+          </a:xfrm>
+          <a:prstGeom prst="rect">
+            <a:avLst/>
+          </a:prstGeom>
+          <a:noFill/>
+        </p:spPr>
+        <p:txBody>
+          <a:bodyPr wrap="square" rtlCol="0">
+            <a:spAutoFit/>
+          </a:bodyPr>
+          <a:lstStyle/>
+          <a:p>
+            <a:endParaRPr lang="zh-CN" altLang="en-US" dirty="0"/>
+          </a:p>
+        </p:txBody>
+      </p:sp>
+      <p:pic>
+        <p:nvPicPr>
+          <p:cNvPr id="6" name="图片 5">
+            <a:extLst>
+              <a:ext uri="{FF2B5EF4-FFF2-40B4-BE49-F238E27FC236}">
+                <a16:creationId xmlns:a16="http://schemas.microsoft.com/office/drawing/2014/main" id="{F32DC9A8-1584-44CC-AEEC-368C8616B23B}"/>
+              </a:ext>
+            </a:extLst>
+          </p:cNvPr>
+          <p:cNvPicPr>
+            <a:picLocks noChangeAspect="1"/>
+          </p:cNvPicPr>
+          <p:nvPr/>
+        </p:nvPicPr>
+        <p:blipFill>
+          <a:blip r:embed="rId2"/>
+          <a:stretch>
+            <a:fillRect/>
+          </a:stretch>
+        </p:blipFill>
+        <p:spPr>
+          <a:xfrm>
+            <a:off x="4324009" y="2100077"/>
+            <a:ext cx="4887007" cy="2657846"/>
+          </a:xfrm>
+          <a:prstGeom prst="rect">
+            <a:avLst/>
+          </a:prstGeom>
+        </p:spPr>
+      </p:pic>
     </p:spTree>
     <p:extLst>
       <p:ext uri="{BB962C8B-B14F-4D97-AF65-F5344CB8AC3E}">
@@ -8525,42 +6823,12 @@
             <a:pPr rtl="0"/>
             <a:fld id="{EBBBF7B6-0F4E-4D33-9DB6-855D68F6661F}" type="datetime1">
               <a:rPr lang="zh-CN" altLang="en-US" smtClean="0"/>
-              <a:t>2022/6/7</a:t>
+              <a:t>2022/6/8</a:t>
             </a:fld>
             <a:endParaRPr lang="en-US" dirty="0"/>
           </a:p>
         </p:txBody>
       </p:sp>
-      <p:pic>
-        <p:nvPicPr>
-          <p:cNvPr id="8" name="图片 7">
-            <a:extLst>
-              <a:ext uri="{FF2B5EF4-FFF2-40B4-BE49-F238E27FC236}">
-                <a16:creationId xmlns:a16="http://schemas.microsoft.com/office/drawing/2014/main" id="{73A59870-DDC8-4136-9D62-5A77E1078F0E}"/>
-              </a:ext>
-            </a:extLst>
-          </p:cNvPr>
-          <p:cNvPicPr>
-            <a:picLocks noChangeAspect="1"/>
-          </p:cNvPicPr>
-          <p:nvPr/>
-        </p:nvPicPr>
-        <p:blipFill>
-          <a:blip r:embed="rId2"/>
-          <a:stretch>
-            <a:fillRect/>
-          </a:stretch>
-        </p:blipFill>
-        <p:spPr>
-          <a:xfrm>
-            <a:off x="2636894" y="2015333"/>
-            <a:ext cx="6979172" cy="4262609"/>
-          </a:xfrm>
-          <a:prstGeom prst="rect">
-            <a:avLst/>
-          </a:prstGeom>
-        </p:spPr>
-      </p:pic>
     </p:spTree>
     <p:extLst>
       <p:ext uri="{BB962C8B-B14F-4D97-AF65-F5344CB8AC3E}">
@@ -8596,7 +6864,7 @@
           <p:cNvPr id="2" name="标题 1">
             <a:extLst>
               <a:ext uri="{FF2B5EF4-FFF2-40B4-BE49-F238E27FC236}">
-                <a16:creationId xmlns:a16="http://schemas.microsoft.com/office/drawing/2014/main" id="{18FDF164-FF66-4DE8-AA0F-2FD6B68A2822}"/>
+                <a16:creationId xmlns:a16="http://schemas.microsoft.com/office/drawing/2014/main" id="{137D882A-3D14-41DB-BF9F-182F94987A4F}"/>
               </a:ext>
             </a:extLst>
           </p:cNvPr>
@@ -8617,7 +6885,7 @@
                 <a:latin typeface="Times New Roman" panose="02020603050405020304" pitchFamily="18" charset="0"/>
                 <a:cs typeface="Times New Roman" panose="02020603050405020304" pitchFamily="18" charset="0"/>
               </a:rPr>
-              <a:t>Time Test</a:t>
+              <a:t>Thanks</a:t>
             </a:r>
             <a:endParaRPr lang="zh-CN" altLang="en-US" dirty="0">
               <a:latin typeface="Times New Roman" panose="02020603050405020304" pitchFamily="18" charset="0"/>
@@ -8631,7 +6899,7 @@
           <p:cNvPr id="4" name="日期占位符 3">
             <a:extLst>
               <a:ext uri="{FF2B5EF4-FFF2-40B4-BE49-F238E27FC236}">
-                <a16:creationId xmlns:a16="http://schemas.microsoft.com/office/drawing/2014/main" id="{B27EC241-FFD2-4F49-A010-35CDC8FC378A}"/>
+                <a16:creationId xmlns:a16="http://schemas.microsoft.com/office/drawing/2014/main" id="{5E089F7A-8A6B-4E98-A615-9E535337F158}"/>
               </a:ext>
             </a:extLst>
           </p:cNvPr>
@@ -8648,77 +6916,46 @@
           <a:lstStyle/>
           <a:p>
             <a:pPr rtl="0"/>
-            <a:fld id="{5AB6FCE4-E3A4-4360-8BD7-9674FE4EED92}" type="datetime1">
+            <a:fld id="{73DC7586-D071-4E96-8A3C-DCED39D863C1}" type="datetime1">
               <a:rPr lang="zh-CN" altLang="en-US" smtClean="0"/>
-              <a:t>2022/6/7</a:t>
+              <a:t>2022/6/8</a:t>
             </a:fld>
             <a:endParaRPr lang="en-US" dirty="0"/>
           </a:p>
         </p:txBody>
       </p:sp>
-      <p:pic>
-        <p:nvPicPr>
-          <p:cNvPr id="16" name="内容占位符 15">
+      <p:sp>
+        <p:nvSpPr>
+          <p:cNvPr id="6" name="内容占位符 5">
             <a:extLst>
               <a:ext uri="{FF2B5EF4-FFF2-40B4-BE49-F238E27FC236}">
-                <a16:creationId xmlns:a16="http://schemas.microsoft.com/office/drawing/2014/main" id="{30035F48-8616-40A1-81AA-AC574DA9A5E4}"/>
+                <a16:creationId xmlns:a16="http://schemas.microsoft.com/office/drawing/2014/main" id="{9FE07B5B-F6E7-4C5F-9106-7ECEF2038CEC}"/>
               </a:ext>
             </a:extLst>
           </p:cNvPr>
-          <p:cNvPicPr>
-            <a:picLocks noGrp="1" noChangeAspect="1"/>
-          </p:cNvPicPr>
+          <p:cNvSpPr>
+            <a:spLocks noGrp="1"/>
+          </p:cNvSpPr>
           <p:nvPr>
             <p:ph idx="1"/>
           </p:nvPr>
-        </p:nvPicPr>
-        <p:blipFill>
-          <a:blip r:embed="rId2"/>
-          <a:stretch>
-            <a:fillRect/>
-          </a:stretch>
-        </p:blipFill>
-        <p:spPr>
-          <a:xfrm>
-            <a:off x="4516450" y="123778"/>
-            <a:ext cx="7592202" cy="1613582"/>
-          </a:xfrm>
-        </p:spPr>
-      </p:pic>
-      <p:graphicFrame>
-        <p:nvGraphicFramePr>
-          <p:cNvPr id="22" name="图表 21">
-            <a:extLst>
-              <a:ext uri="{FF2B5EF4-FFF2-40B4-BE49-F238E27FC236}">
-                <a16:creationId xmlns:a16="http://schemas.microsoft.com/office/drawing/2014/main" id="{E61CCCF8-EB91-4942-8E6C-A36750023757}"/>
-              </a:ext>
-            </a:extLst>
-          </p:cNvPr>
-          <p:cNvGraphicFramePr>
-            <a:graphicFrameLocks/>
-          </p:cNvGraphicFramePr>
-          <p:nvPr>
-            <p:extLst>
-              <p:ext uri="{D42A27DB-BD31-4B8C-83A1-F6EECF244321}">
-                <p14:modId xmlns:p14="http://schemas.microsoft.com/office/powerpoint/2010/main" val="3263056673"/>
-              </p:ext>
-            </p:extLst>
-          </p:nvPr>
-        </p:nvGraphicFramePr>
-        <p:xfrm>
-          <a:off x="1097280" y="1952565"/>
-          <a:ext cx="10058400" cy="4494273"/>
-        </p:xfrm>
-        <a:graphic>
-          <a:graphicData uri="http://schemas.openxmlformats.org/drawingml/2006/chart">
-            <c:chart xmlns:c="http://schemas.openxmlformats.org/drawingml/2006/chart" xmlns:r="http://schemas.openxmlformats.org/officeDocument/2006/relationships" r:id="rId3"/>
-          </a:graphicData>
-        </a:graphic>
-      </p:graphicFrame>
+        </p:nvSpPr>
+        <p:spPr/>
+        <p:txBody>
+          <a:bodyPr/>
+          <a:lstStyle/>
+          <a:p>
+            <a:endParaRPr lang="zh-CN" altLang="en-US" dirty="0">
+              <a:latin typeface="Times New Roman" panose="02020603050405020304" pitchFamily="18" charset="0"/>
+              <a:cs typeface="Times New Roman" panose="02020603050405020304" pitchFamily="18" charset="0"/>
+            </a:endParaRPr>
+          </a:p>
+        </p:txBody>
+      </p:sp>
     </p:spTree>
     <p:extLst>
       <p:ext uri="{BB962C8B-B14F-4D97-AF65-F5344CB8AC3E}">
-        <p14:creationId xmlns:p14="http://schemas.microsoft.com/office/powerpoint/2010/main" val="741145324"/>
+        <p14:creationId xmlns:p14="http://schemas.microsoft.com/office/powerpoint/2010/main" val="2234877024"/>
       </p:ext>
     </p:extLst>
   </p:cSld>

--- a/CompilerCM.pptx
+++ b/CompilerCM.pptx
@@ -1,31 +1,39 @@
 
 <file path=ppt/presentation.xml><?xml version="1.0" encoding="utf-8"?>
-<p:presentation xmlns:a="http://schemas.openxmlformats.org/drawingml/2006/main" xmlns:r="http://schemas.openxmlformats.org/officeDocument/2006/relationships" xmlns:p="http://schemas.openxmlformats.org/presentationml/2006/main" removePersonalInfoOnSave="1" saveSubsetFonts="1">
+<p:presentation xmlns:a="http://schemas.openxmlformats.org/drawingml/2006/main" xmlns:r="http://schemas.openxmlformats.org/officeDocument/2006/relationships" xmlns:p="http://schemas.openxmlformats.org/presentationml/2006/main" removePersonalInfoOnSave="1">
   <p:sldMasterIdLst>
-    <p:sldMasterId id="2147483746" r:id="rId1"/>
+    <p:sldMasterId id="2147483648" r:id="rId1"/>
   </p:sldMasterIdLst>
   <p:notesMasterIdLst>
-    <p:notesMasterId r:id="rId11"/>
+    <p:notesMasterId r:id="rId20"/>
   </p:notesMasterIdLst>
   <p:handoutMasterIdLst>
-    <p:handoutMasterId r:id="rId12"/>
+    <p:handoutMasterId r:id="rId21"/>
   </p:handoutMasterIdLst>
   <p:sldIdLst>
-    <p:sldId id="257" r:id="rId2"/>
-    <p:sldId id="260" r:id="rId3"/>
-    <p:sldId id="258" r:id="rId4"/>
-    <p:sldId id="263" r:id="rId5"/>
-    <p:sldId id="259" r:id="rId6"/>
-    <p:sldId id="266" r:id="rId7"/>
-    <p:sldId id="261" r:id="rId8"/>
-    <p:sldId id="262" r:id="rId9"/>
-    <p:sldId id="264" r:id="rId10"/>
+    <p:sldId id="257" r:id="rId3"/>
+    <p:sldId id="260" r:id="rId4"/>
+    <p:sldId id="270" r:id="rId5"/>
+    <p:sldId id="271" r:id="rId6"/>
+    <p:sldId id="272" r:id="rId7"/>
+    <p:sldId id="276" r:id="rId8"/>
+    <p:sldId id="277" r:id="rId9"/>
+    <p:sldId id="278" r:id="rId10"/>
+    <p:sldId id="258" r:id="rId11"/>
+    <p:sldId id="263" r:id="rId12"/>
+    <p:sldId id="259" r:id="rId13"/>
+    <p:sldId id="266" r:id="rId14"/>
+    <p:sldId id="261" r:id="rId15"/>
+    <p:sldId id="273" r:id="rId16"/>
+    <p:sldId id="274" r:id="rId17"/>
+    <p:sldId id="275" r:id="rId18"/>
+    <p:sldId id="264" r:id="rId19"/>
   </p:sldIdLst>
   <p:sldSz cx="12192000" cy="6858000"/>
   <p:notesSz cx="6858000" cy="9144000"/>
   <p:defaultTextStyle>
     <a:defPPr rtl="0">
-      <a:defRPr lang="zh-cn"/>
+      <a:defRPr lang="en-US"/>
     </a:defPPr>
     <a:lvl1pPr marL="0" algn="l" defTabSz="914400" rtl="0" eaLnBrk="1" latinLnBrk="0" hangingPunct="1">
       <a:defRPr sz="1800" kern="1200">
@@ -118,14 +126,6 @@
       </a:defRPr>
     </a:lvl9pPr>
   </p:defaultTextStyle>
-  <p:extLst>
-    <p:ext uri="{EFAFB233-063F-42B5-8137-9DF3F51BA10A}">
-      <p15:sldGuideLst xmlns:p15="http://schemas.microsoft.com/office/powerpoint/2012/main"/>
-    </p:ext>
-    <p:ext uri="{2D200454-40CA-4A62-9FC3-DE9A4176ACB9}">
-      <p15:notesGuideLst xmlns:p15="http://schemas.microsoft.com/office/powerpoint/2012/main"/>
-    </p:ext>
-  </p:extLst>
 </p:presentation>
 </file>
 
@@ -219,7 +219,6 @@
             <a:pPr rtl="0"/>
             <a:fld id="{ED0FB4D3-6128-4A32-99CB-3D641AA2C1C7}" type="datetime1">
               <a:rPr lang="zh-CN" altLang="en-US" smtClean="0"/>
-              <a:t>2022/6/8</a:t>
             </a:fld>
             <a:endParaRPr lang="en-US"/>
           </a:p>
@@ -287,18 +286,12 @@
             <a:pPr rtl="0"/>
             <a:fld id="{ED92CB86-0DB9-4A70-B1CF-B23508471F6B}" type="slidenum">
               <a:rPr lang="en-US" smtClean="0"/>
-              <a:t>‹#›</a:t>
             </a:fld>
             <a:endParaRPr lang="en-US"/>
           </a:p>
         </p:txBody>
       </p:sp>
     </p:spTree>
-    <p:extLst>
-      <p:ext uri="{BB962C8B-B14F-4D97-AF65-F5344CB8AC3E}">
-        <p14:creationId xmlns:p14="http://schemas.microsoft.com/office/powerpoint/2010/main" val="663557642"/>
-      </p:ext>
-    </p:extLst>
   </p:cSld>
   <p:clrMap bg1="lt1" tx1="dk1" bg2="lt2" tx2="dk2" accent1="accent1" accent2="accent2" accent3="accent3" accent4="accent4" accent5="accent5" accent6="accent6" hlink="hlink" folHlink="folHlink"/>
   <p:hf hdr="0" ftr="0"/>
@@ -389,7 +382,6 @@
             <a:pPr rtl="0"/>
             <a:fld id="{BA5D8F05-9A30-4406-B806-2F3173E8BD00}" type="datetime1">
               <a:rPr lang="zh-CN" altLang="en-US" smtClean="0"/>
-              <a:t>2022/6/8</a:t>
             </a:fld>
             <a:endParaRPr lang="en-US"/>
           </a:p>
@@ -454,7 +446,7 @@
           <a:p>
             <a:pPr lvl="0" rtl="0"/>
             <a:r>
-              <a:rPr lang="zh-cn"/>
+              <a:rPr lang="en-US"/>
               <a:t>单击此处编辑母版文本样式</a:t>
             </a:r>
             <a:endParaRPr lang="en-US"/>
@@ -462,28 +454,31 @@
           <a:p>
             <a:pPr lvl="1" rtl="0"/>
             <a:r>
-              <a:rPr lang="zh-cn"/>
+              <a:rPr lang="en-US"/>
               <a:t>第二级</a:t>
             </a:r>
+            <a:endParaRPr lang="en-US"/>
           </a:p>
           <a:p>
             <a:pPr lvl="2" rtl="0"/>
             <a:r>
-              <a:rPr lang="zh-cn"/>
+              <a:rPr lang="en-US"/>
               <a:t>第三级</a:t>
             </a:r>
+            <a:endParaRPr lang="en-US"/>
           </a:p>
           <a:p>
             <a:pPr lvl="3" rtl="0"/>
             <a:r>
-              <a:rPr lang="zh-cn"/>
+              <a:rPr lang="en-US"/>
               <a:t>第四级</a:t>
             </a:r>
+            <a:endParaRPr lang="en-US"/>
           </a:p>
           <a:p>
             <a:pPr lvl="4" rtl="0"/>
             <a:r>
-              <a:rPr lang="zh-cn"/>
+              <a:rPr lang="en-US"/>
               <a:t>第五级</a:t>
             </a:r>
             <a:endParaRPr lang="en-US"/>
@@ -552,18 +547,12 @@
             <a:pPr rtl="0"/>
             <a:fld id="{9C2B151B-D7D1-48E5-8230-5AADBC794F88}" type="slidenum">
               <a:rPr lang="en-US" smtClean="0"/>
-              <a:t>‹#›</a:t>
             </a:fld>
             <a:endParaRPr lang="en-US"/>
           </a:p>
         </p:txBody>
       </p:sp>
     </p:spTree>
-    <p:extLst>
-      <p:ext uri="{BB962C8B-B14F-4D97-AF65-F5344CB8AC3E}">
-        <p14:creationId xmlns:p14="http://schemas.microsoft.com/office/powerpoint/2010/main" val="313859278"/>
-      </p:ext>
-    </p:extLst>
   </p:cSld>
   <p:clrMap bg1="lt1" tx1="dk1" bg2="lt2" tx2="dk2" accent1="accent1" accent2="accent2" accent3="accent3" accent4="accent4" accent5="accent5" accent6="accent6" hlink="hlink" folHlink="folHlink"/>
   <p:hf hdr="0" ftr="0"/>
@@ -663,7 +652,7 @@
 </file>
 
 <file path=ppt/slideLayouts/slideLayout1.xml><?xml version="1.0" encoding="utf-8"?>
-<p:sldLayout xmlns:a="http://schemas.openxmlformats.org/drawingml/2006/main" xmlns:r="http://schemas.openxmlformats.org/officeDocument/2006/relationships" xmlns:p="http://schemas.openxmlformats.org/presentationml/2006/main" showMasterSp="0" type="title" preserve="1">
+<p:sldLayout xmlns:a="http://schemas.openxmlformats.org/drawingml/2006/main" xmlns:r="http://schemas.openxmlformats.org/officeDocument/2006/relationships" xmlns:p="http://schemas.openxmlformats.org/presentationml/2006/main" type="title" preserve="1" showMasterSp="0">
   <p:cSld name="标题幻灯片">
     <p:spTree>
       <p:nvGrpSpPr>
@@ -681,13 +670,7 @@
       </p:grpSpPr>
       <p:sp>
         <p:nvSpPr>
-          <p:cNvPr id="10" name="长方形 9">
-            <a:extLst>
-              <a:ext uri="{FF2B5EF4-FFF2-40B4-BE49-F238E27FC236}">
-                <a16:creationId xmlns:a16="http://schemas.microsoft.com/office/drawing/2014/main" id="{39E3965E-AC41-4711-9D10-E25ABB132D86}"/>
-              </a:ext>
-            </a:extLst>
-          </p:cNvPr>
+          <p:cNvPr id="10" name="长方形 9"/>
           <p:cNvSpPr/>
           <p:nvPr/>
         </p:nvSpPr>
@@ -843,13 +826,7 @@
       </p:sp>
       <p:cxnSp>
         <p:nvCxnSpPr>
-          <p:cNvPr id="9" name="直接连接符​​(S) 8">
-            <a:extLst>
-              <a:ext uri="{FF2B5EF4-FFF2-40B4-BE49-F238E27FC236}">
-                <a16:creationId xmlns:a16="http://schemas.microsoft.com/office/drawing/2014/main" id="{1F5DC8C3-BA5F-4EED-BB9A-A14272BD82A1}"/>
-              </a:ext>
-            </a:extLst>
-          </p:cNvPr>
+          <p:cNvPr id="9" name="直接连接符​​(S) 8"/>
           <p:cNvCxnSpPr/>
           <p:nvPr/>
         </p:nvCxnSpPr>
@@ -887,13 +864,7 @@
       </p:cxnSp>
       <p:sp>
         <p:nvSpPr>
-          <p:cNvPr id="4" name="日期占位符 3">
-            <a:extLst>
-              <a:ext uri="{FF2B5EF4-FFF2-40B4-BE49-F238E27FC236}">
-                <a16:creationId xmlns:a16="http://schemas.microsoft.com/office/drawing/2014/main" id="{9925CCF1-92C0-4AF3-BFAF-4921631915AB}"/>
-              </a:ext>
-            </a:extLst>
-          </p:cNvPr>
+          <p:cNvPr id="4" name="日期占位符 3"/>
           <p:cNvSpPr>
             <a:spLocks noGrp="1"/>
           </p:cNvSpPr>
@@ -909,7 +880,6 @@
             <a:pPr rtl="0"/>
             <a:fld id="{CADA3F98-F3A6-4186-A9B7-7633E0EF6D0A}" type="datetime1">
               <a:rPr lang="zh-CN" altLang="en-US" smtClean="0"/>
-              <a:t>2022/6/8</a:t>
             </a:fld>
             <a:endParaRPr lang="en-US" dirty="0"/>
           </a:p>
@@ -917,13 +887,7 @@
       </p:sp>
       <p:sp>
         <p:nvSpPr>
-          <p:cNvPr id="5" name="页脚占位符 4">
-            <a:extLst>
-              <a:ext uri="{FF2B5EF4-FFF2-40B4-BE49-F238E27FC236}">
-                <a16:creationId xmlns:a16="http://schemas.microsoft.com/office/drawing/2014/main" id="{051A78A9-3DFF-4937-A9F2-5D8CF495F367}"/>
-              </a:ext>
-            </a:extLst>
-          </p:cNvPr>
+          <p:cNvPr id="5" name="页脚占位符 4"/>
           <p:cNvSpPr>
             <a:spLocks noGrp="1"/>
           </p:cNvSpPr>
@@ -943,13 +907,7 @@
       </p:sp>
       <p:sp>
         <p:nvSpPr>
-          <p:cNvPr id="6" name="灯片编号占位符 5">
-            <a:extLst>
-              <a:ext uri="{FF2B5EF4-FFF2-40B4-BE49-F238E27FC236}">
-                <a16:creationId xmlns:a16="http://schemas.microsoft.com/office/drawing/2014/main" id="{5FAEB271-5CC0-4759-BC6E-8BE53AB227C0}"/>
-              </a:ext>
-            </a:extLst>
-          </p:cNvPr>
+          <p:cNvPr id="6" name="灯片编号占位符 5"/>
           <p:cNvSpPr>
             <a:spLocks noGrp="1"/>
           </p:cNvSpPr>
@@ -965,18 +923,12 @@
             <a:pPr rtl="0"/>
             <a:fld id="{3A98EE3D-8CD1-4C3F-BD1C-C98C9596463C}" type="slidenum">
               <a:rPr lang="en-US" smtClean="0"/>
-              <a:t>‹#›</a:t>
             </a:fld>
             <a:endParaRPr lang="en-US" dirty="0"/>
           </a:p>
         </p:txBody>
       </p:sp>
     </p:spTree>
-    <p:extLst>
-      <p:ext uri="{BB962C8B-B14F-4D97-AF65-F5344CB8AC3E}">
-        <p14:creationId xmlns:p14="http://schemas.microsoft.com/office/powerpoint/2010/main" val="4258331492"/>
-      </p:ext>
-    </p:extLst>
   </p:cSld>
   <p:clrMapOvr>
     <a:masterClrMapping/>
@@ -1045,6 +997,7 @@
               <a:rPr lang="zh-CN" altLang="en-US"/>
               <a:t>单击此处编辑母版文本样式</a:t>
             </a:r>
+            <a:endParaRPr lang="zh-CN" altLang="en-US"/>
           </a:p>
           <a:p>
             <a:pPr lvl="1" rtl="0"/>
@@ -1052,6 +1005,7 @@
               <a:rPr lang="zh-CN" altLang="en-US"/>
               <a:t>二级</a:t>
             </a:r>
+            <a:endParaRPr lang="zh-CN" altLang="en-US"/>
           </a:p>
           <a:p>
             <a:pPr lvl="2" rtl="0"/>
@@ -1059,6 +1013,7 @@
               <a:rPr lang="zh-CN" altLang="en-US"/>
               <a:t>三级</a:t>
             </a:r>
+            <a:endParaRPr lang="zh-CN" altLang="en-US"/>
           </a:p>
           <a:p>
             <a:pPr lvl="3" rtl="0"/>
@@ -1066,6 +1021,7 @@
               <a:rPr lang="zh-CN" altLang="en-US"/>
               <a:t>四级</a:t>
             </a:r>
+            <a:endParaRPr lang="zh-CN" altLang="en-US"/>
           </a:p>
           <a:p>
             <a:pPr lvl="4" rtl="0"/>
@@ -1079,13 +1035,7 @@
       </p:sp>
       <p:sp>
         <p:nvSpPr>
-          <p:cNvPr id="7" name="日期占位符 6">
-            <a:extLst>
-              <a:ext uri="{FF2B5EF4-FFF2-40B4-BE49-F238E27FC236}">
-                <a16:creationId xmlns:a16="http://schemas.microsoft.com/office/drawing/2014/main" id="{7D5506EE-1026-4F35-9ACC-BD05BE0F9B36}"/>
-              </a:ext>
-            </a:extLst>
-          </p:cNvPr>
+          <p:cNvPr id="7" name="日期占位符 6"/>
           <p:cNvSpPr>
             <a:spLocks noGrp="1"/>
           </p:cNvSpPr>
@@ -1101,7 +1051,6 @@
             <a:pPr rtl="0"/>
             <a:fld id="{EC970623-7DFB-42A3-8CCE-B702D8A8CBA8}" type="datetime1">
               <a:rPr lang="zh-CN" altLang="en-US" smtClean="0"/>
-              <a:t>2022/6/8</a:t>
             </a:fld>
             <a:endParaRPr lang="en-US" dirty="0"/>
           </a:p>
@@ -1109,13 +1058,7 @@
       </p:sp>
       <p:sp>
         <p:nvSpPr>
-          <p:cNvPr id="8" name="页脚占位符 7">
-            <a:extLst>
-              <a:ext uri="{FF2B5EF4-FFF2-40B4-BE49-F238E27FC236}">
-                <a16:creationId xmlns:a16="http://schemas.microsoft.com/office/drawing/2014/main" id="{B7696E5F-8D95-4450-AE52-5438E6EDE2BF}"/>
-              </a:ext>
-            </a:extLst>
-          </p:cNvPr>
+          <p:cNvPr id="8" name="页脚占位符 7"/>
           <p:cNvSpPr>
             <a:spLocks noGrp="1"/>
           </p:cNvSpPr>
@@ -1135,13 +1078,7 @@
       </p:sp>
       <p:sp>
         <p:nvSpPr>
-          <p:cNvPr id="9" name="灯片编号占位符 8">
-            <a:extLst>
-              <a:ext uri="{FF2B5EF4-FFF2-40B4-BE49-F238E27FC236}">
-                <a16:creationId xmlns:a16="http://schemas.microsoft.com/office/drawing/2014/main" id="{999B2253-74CC-409E-BEB0-F8EFCFCB5629}"/>
-              </a:ext>
-            </a:extLst>
-          </p:cNvPr>
+          <p:cNvPr id="9" name="灯片编号占位符 8"/>
           <p:cNvSpPr>
             <a:spLocks noGrp="1"/>
           </p:cNvSpPr>
@@ -1157,18 +1094,12 @@
             <a:pPr rtl="0"/>
             <a:fld id="{3A98EE3D-8CD1-4C3F-BD1C-C98C9596463C}" type="slidenum">
               <a:rPr lang="en-US" smtClean="0"/>
-              <a:t>‹#›</a:t>
             </a:fld>
             <a:endParaRPr lang="en-US" dirty="0"/>
           </a:p>
         </p:txBody>
       </p:sp>
     </p:spTree>
-    <p:extLst>
-      <p:ext uri="{BB962C8B-B14F-4D97-AF65-F5344CB8AC3E}">
-        <p14:creationId xmlns:p14="http://schemas.microsoft.com/office/powerpoint/2010/main" val="1672269861"/>
-      </p:ext>
-    </p:extLst>
   </p:cSld>
   <p:clrMapOvr>
     <a:masterClrMapping/>
@@ -1177,7 +1108,7 @@
 </file>
 
 <file path=ppt/slideLayouts/slideLayout11.xml><?xml version="1.0" encoding="utf-8"?>
-<p:sldLayout xmlns:a="http://schemas.openxmlformats.org/drawingml/2006/main" xmlns:r="http://schemas.openxmlformats.org/officeDocument/2006/relationships" xmlns:p="http://schemas.openxmlformats.org/presentationml/2006/main" showMasterSp="0" type="vertTitleAndTx" preserve="1">
+<p:sldLayout xmlns:a="http://schemas.openxmlformats.org/drawingml/2006/main" xmlns:r="http://schemas.openxmlformats.org/officeDocument/2006/relationships" xmlns:p="http://schemas.openxmlformats.org/presentationml/2006/main" type="vertTitleAndTx" preserve="1" showMasterSp="0">
   <p:cSld name="垂直标题与文本">
     <p:spTree>
       <p:nvGrpSpPr>
@@ -1195,13 +1126,7 @@
       </p:grpSpPr>
       <p:sp>
         <p:nvSpPr>
-          <p:cNvPr id="9" name="长方形 8">
-            <a:extLst>
-              <a:ext uri="{FF2B5EF4-FFF2-40B4-BE49-F238E27FC236}">
-                <a16:creationId xmlns:a16="http://schemas.microsoft.com/office/drawing/2014/main" id="{E1B68A5B-D9FA-424B-A4EB-30E7223836B3}"/>
-              </a:ext>
-            </a:extLst>
-          </p:cNvPr>
+          <p:cNvPr id="9" name="长方形 8"/>
           <p:cNvSpPr/>
           <p:nvPr/>
         </p:nvSpPr>
@@ -1291,6 +1216,7 @@
               <a:rPr lang="zh-CN" altLang="en-US"/>
               <a:t>单击此处编辑母版文本样式</a:t>
             </a:r>
+            <a:endParaRPr lang="zh-CN" altLang="en-US"/>
           </a:p>
           <a:p>
             <a:pPr lvl="1" rtl="0"/>
@@ -1298,6 +1224,7 @@
               <a:rPr lang="zh-CN" altLang="en-US"/>
               <a:t>二级</a:t>
             </a:r>
+            <a:endParaRPr lang="zh-CN" altLang="en-US"/>
           </a:p>
           <a:p>
             <a:pPr lvl="2" rtl="0"/>
@@ -1305,6 +1232,7 @@
               <a:rPr lang="zh-CN" altLang="en-US"/>
               <a:t>三级</a:t>
             </a:r>
+            <a:endParaRPr lang="zh-CN" altLang="en-US"/>
           </a:p>
           <a:p>
             <a:pPr lvl="3" rtl="0"/>
@@ -1312,6 +1240,7 @@
               <a:rPr lang="zh-CN" altLang="en-US"/>
               <a:t>四级</a:t>
             </a:r>
+            <a:endParaRPr lang="zh-CN" altLang="en-US"/>
           </a:p>
           <a:p>
             <a:pPr lvl="4" rtl="0"/>
@@ -1325,13 +1254,7 @@
       </p:sp>
       <p:sp>
         <p:nvSpPr>
-          <p:cNvPr id="7" name="日期占位符 6">
-            <a:extLst>
-              <a:ext uri="{FF2B5EF4-FFF2-40B4-BE49-F238E27FC236}">
-                <a16:creationId xmlns:a16="http://schemas.microsoft.com/office/drawing/2014/main" id="{AF33D6B0-F070-45C4-A472-19F432BE3932}"/>
-              </a:ext>
-            </a:extLst>
-          </p:cNvPr>
+          <p:cNvPr id="7" name="日期占位符 6"/>
           <p:cNvSpPr>
             <a:spLocks noGrp="1"/>
           </p:cNvSpPr>
@@ -1347,7 +1270,6 @@
             <a:pPr rtl="0"/>
             <a:fld id="{B4E34121-4184-41C6-9EDA-96583076281D}" type="datetime1">
               <a:rPr lang="zh-CN" altLang="en-US" smtClean="0"/>
-              <a:t>2022/6/8</a:t>
             </a:fld>
             <a:endParaRPr lang="en-US" dirty="0"/>
           </a:p>
@@ -1355,13 +1277,7 @@
       </p:sp>
       <p:sp>
         <p:nvSpPr>
-          <p:cNvPr id="8" name="页脚占位符 7">
-            <a:extLst>
-              <a:ext uri="{FF2B5EF4-FFF2-40B4-BE49-F238E27FC236}">
-                <a16:creationId xmlns:a16="http://schemas.microsoft.com/office/drawing/2014/main" id="{9975399F-DAB2-410D-967F-ED17E6F796E7}"/>
-              </a:ext>
-            </a:extLst>
-          </p:cNvPr>
+          <p:cNvPr id="8" name="页脚占位符 7"/>
           <p:cNvSpPr>
             <a:spLocks noGrp="1"/>
           </p:cNvSpPr>
@@ -1381,13 +1297,7 @@
       </p:sp>
       <p:sp>
         <p:nvSpPr>
-          <p:cNvPr id="10" name="灯片编号占位符 9">
-            <a:extLst>
-              <a:ext uri="{FF2B5EF4-FFF2-40B4-BE49-F238E27FC236}">
-                <a16:creationId xmlns:a16="http://schemas.microsoft.com/office/drawing/2014/main" id="{F762A46F-6BE5-4D12-9412-5CA7672EA8EC}"/>
-              </a:ext>
-            </a:extLst>
-          </p:cNvPr>
+          <p:cNvPr id="10" name="灯片编号占位符 9"/>
           <p:cNvSpPr>
             <a:spLocks noGrp="1"/>
           </p:cNvSpPr>
@@ -1403,18 +1313,12 @@
             <a:pPr rtl="0"/>
             <a:fld id="{3A98EE3D-8CD1-4C3F-BD1C-C98C9596463C}" type="slidenum">
               <a:rPr lang="en-US" smtClean="0"/>
-              <a:t>‹#›</a:t>
             </a:fld>
             <a:endParaRPr lang="en-US" dirty="0"/>
           </a:p>
         </p:txBody>
       </p:sp>
     </p:spTree>
-    <p:extLst>
-      <p:ext uri="{BB962C8B-B14F-4D97-AF65-F5344CB8AC3E}">
-        <p14:creationId xmlns:p14="http://schemas.microsoft.com/office/powerpoint/2010/main" val="761827292"/>
-      </p:ext>
-    </p:extLst>
   </p:cSld>
   <p:clrMapOvr>
     <a:masterClrMapping/>
@@ -1483,6 +1387,7 @@
               <a:rPr lang="zh-CN" altLang="en-US"/>
               <a:t>单击此处编辑母版文本样式</a:t>
             </a:r>
+            <a:endParaRPr lang="zh-CN" altLang="en-US"/>
           </a:p>
           <a:p>
             <a:pPr lvl="1" rtl="0"/>
@@ -1490,6 +1395,7 @@
               <a:rPr lang="zh-CN" altLang="en-US"/>
               <a:t>二级</a:t>
             </a:r>
+            <a:endParaRPr lang="zh-CN" altLang="en-US"/>
           </a:p>
           <a:p>
             <a:pPr lvl="2" rtl="0"/>
@@ -1497,6 +1403,7 @@
               <a:rPr lang="zh-CN" altLang="en-US"/>
               <a:t>三级</a:t>
             </a:r>
+            <a:endParaRPr lang="zh-CN" altLang="en-US"/>
           </a:p>
           <a:p>
             <a:pPr lvl="3" rtl="0"/>
@@ -1504,6 +1411,7 @@
               <a:rPr lang="zh-CN" altLang="en-US"/>
               <a:t>四级</a:t>
             </a:r>
+            <a:endParaRPr lang="zh-CN" altLang="en-US"/>
           </a:p>
           <a:p>
             <a:pPr lvl="4" rtl="0"/>
@@ -1517,13 +1425,7 @@
       </p:sp>
       <p:sp>
         <p:nvSpPr>
-          <p:cNvPr id="7" name="日期占位符 6">
-            <a:extLst>
-              <a:ext uri="{FF2B5EF4-FFF2-40B4-BE49-F238E27FC236}">
-                <a16:creationId xmlns:a16="http://schemas.microsoft.com/office/drawing/2014/main" id="{354D8B55-9EA8-4B81-8E84-9B93B0A27559}"/>
-              </a:ext>
-            </a:extLst>
-          </p:cNvPr>
+          <p:cNvPr id="7" name="日期占位符 6"/>
           <p:cNvSpPr>
             <a:spLocks noGrp="1"/>
           </p:cNvSpPr>
@@ -1539,7 +1441,6 @@
             <a:pPr rtl="0"/>
             <a:fld id="{E61CDE99-011F-4AB3-8089-8BA026F96ECC}" type="datetime1">
               <a:rPr lang="zh-CN" altLang="en-US" smtClean="0"/>
-              <a:t>2022/6/8</a:t>
             </a:fld>
             <a:endParaRPr lang="en-US" dirty="0"/>
           </a:p>
@@ -1547,13 +1448,7 @@
       </p:sp>
       <p:sp>
         <p:nvSpPr>
-          <p:cNvPr id="8" name="页脚占位符 7">
-            <a:extLst>
-              <a:ext uri="{FF2B5EF4-FFF2-40B4-BE49-F238E27FC236}">
-                <a16:creationId xmlns:a16="http://schemas.microsoft.com/office/drawing/2014/main" id="{062CA021-2578-47CB-822C-BDDFF7223B28}"/>
-              </a:ext>
-            </a:extLst>
-          </p:cNvPr>
+          <p:cNvPr id="8" name="页脚占位符 7"/>
           <p:cNvSpPr>
             <a:spLocks noGrp="1"/>
           </p:cNvSpPr>
@@ -1573,13 +1468,7 @@
       </p:sp>
       <p:sp>
         <p:nvSpPr>
-          <p:cNvPr id="9" name="灯片编号占位符 8">
-            <a:extLst>
-              <a:ext uri="{FF2B5EF4-FFF2-40B4-BE49-F238E27FC236}">
-                <a16:creationId xmlns:a16="http://schemas.microsoft.com/office/drawing/2014/main" id="{C4AAB51D-4141-4682-9375-DAFD5FB9DD10}"/>
-              </a:ext>
-            </a:extLst>
-          </p:cNvPr>
+          <p:cNvPr id="9" name="灯片编号占位符 8"/>
           <p:cNvSpPr>
             <a:spLocks noGrp="1"/>
           </p:cNvSpPr>
@@ -1595,18 +1484,12 @@
             <a:pPr rtl="0"/>
             <a:fld id="{3A98EE3D-8CD1-4C3F-BD1C-C98C9596463C}" type="slidenum">
               <a:rPr lang="en-US" smtClean="0"/>
-              <a:t>‹#›</a:t>
             </a:fld>
             <a:endParaRPr lang="en-US" dirty="0"/>
           </a:p>
         </p:txBody>
       </p:sp>
     </p:spTree>
-    <p:extLst>
-      <p:ext uri="{BB962C8B-B14F-4D97-AF65-F5344CB8AC3E}">
-        <p14:creationId xmlns:p14="http://schemas.microsoft.com/office/powerpoint/2010/main" val="892670607"/>
-      </p:ext>
-    </p:extLst>
   </p:cSld>
   <p:clrMapOvr>
     <a:masterClrMapping/>
@@ -1615,7 +1498,7 @@
 </file>
 
 <file path=ppt/slideLayouts/slideLayout3.xml><?xml version="1.0" encoding="utf-8"?>
-<p:sldLayout xmlns:a="http://schemas.openxmlformats.org/drawingml/2006/main" xmlns:r="http://schemas.openxmlformats.org/officeDocument/2006/relationships" xmlns:p="http://schemas.openxmlformats.org/presentationml/2006/main" showMasterSp="0" type="secHead" preserve="1">
+<p:sldLayout xmlns:a="http://schemas.openxmlformats.org/drawingml/2006/main" xmlns:r="http://schemas.openxmlformats.org/officeDocument/2006/relationships" xmlns:p="http://schemas.openxmlformats.org/presentationml/2006/main" type="secHead" preserve="1" showMasterSp="0">
   <p:cSld name="节标题">
     <p:bg>
       <p:bgPr>
@@ -1641,13 +1524,7 @@
       </p:grpSpPr>
       <p:sp>
         <p:nvSpPr>
-          <p:cNvPr id="10" name="长方形 9">
-            <a:extLst>
-              <a:ext uri="{FF2B5EF4-FFF2-40B4-BE49-F238E27FC236}">
-                <a16:creationId xmlns:a16="http://schemas.microsoft.com/office/drawing/2014/main" id="{A585C21A-8B93-4657-B5DF-7EAEAD3BE127}"/>
-              </a:ext>
-            </a:extLst>
-          </p:cNvPr>
+          <p:cNvPr id="10" name="长方形 9"/>
           <p:cNvSpPr/>
           <p:nvPr/>
         </p:nvSpPr>
@@ -1845,18 +1722,13 @@
               <a:rPr lang="zh-CN" altLang="en-US"/>
               <a:t>单击此处编辑母版文本样式</a:t>
             </a:r>
+            <a:endParaRPr lang="zh-CN" altLang="en-US"/>
           </a:p>
         </p:txBody>
       </p:sp>
       <p:cxnSp>
         <p:nvCxnSpPr>
-          <p:cNvPr id="9" name="直接连接符​​(S) 8">
-            <a:extLst>
-              <a:ext uri="{FF2B5EF4-FFF2-40B4-BE49-F238E27FC236}">
-                <a16:creationId xmlns:a16="http://schemas.microsoft.com/office/drawing/2014/main" id="{459DE2C1-4C52-40A3-8959-27B2C1BEBFF6}"/>
-              </a:ext>
-            </a:extLst>
-          </p:cNvPr>
+          <p:cNvPr id="9" name="直接连接符​​(S) 8"/>
           <p:cNvCxnSpPr/>
           <p:nvPr/>
         </p:nvCxnSpPr>
@@ -1894,13 +1766,7 @@
       </p:cxnSp>
       <p:sp>
         <p:nvSpPr>
-          <p:cNvPr id="7" name="日期占位符 6">
-            <a:extLst>
-              <a:ext uri="{FF2B5EF4-FFF2-40B4-BE49-F238E27FC236}">
-                <a16:creationId xmlns:a16="http://schemas.microsoft.com/office/drawing/2014/main" id="{AAF2E137-EC28-48F8-9198-1F02539029B6}"/>
-              </a:ext>
-            </a:extLst>
-          </p:cNvPr>
+          <p:cNvPr id="7" name="日期占位符 6"/>
           <p:cNvSpPr>
             <a:spLocks noGrp="1"/>
           </p:cNvSpPr>
@@ -1916,7 +1782,6 @@
             <a:pPr rtl="0"/>
             <a:fld id="{0817410B-1C3C-466F-BA3D-F359386E7408}" type="datetime1">
               <a:rPr lang="zh-CN" altLang="en-US" smtClean="0"/>
-              <a:t>2022/6/8</a:t>
             </a:fld>
             <a:endParaRPr lang="en-US" dirty="0"/>
           </a:p>
@@ -1924,13 +1789,7 @@
       </p:sp>
       <p:sp>
         <p:nvSpPr>
-          <p:cNvPr id="8" name="页脚占位符 7">
-            <a:extLst>
-              <a:ext uri="{FF2B5EF4-FFF2-40B4-BE49-F238E27FC236}">
-                <a16:creationId xmlns:a16="http://schemas.microsoft.com/office/drawing/2014/main" id="{189422CD-6F62-4DD6-89EF-07A60B42D219}"/>
-              </a:ext>
-            </a:extLst>
-          </p:cNvPr>
+          <p:cNvPr id="8" name="页脚占位符 7"/>
           <p:cNvSpPr>
             <a:spLocks noGrp="1"/>
           </p:cNvSpPr>
@@ -1950,13 +1809,7 @@
       </p:sp>
       <p:sp>
         <p:nvSpPr>
-          <p:cNvPr id="11" name="灯片编号占位符 10">
-            <a:extLst>
-              <a:ext uri="{FF2B5EF4-FFF2-40B4-BE49-F238E27FC236}">
-                <a16:creationId xmlns:a16="http://schemas.microsoft.com/office/drawing/2014/main" id="{69C6AFF8-42B4-4D05-969B-9F5FB3355555}"/>
-              </a:ext>
-            </a:extLst>
-          </p:cNvPr>
+          <p:cNvPr id="11" name="灯片编号占位符 10"/>
           <p:cNvSpPr>
             <a:spLocks noGrp="1"/>
           </p:cNvSpPr>
@@ -1972,18 +1825,12 @@
             <a:pPr rtl="0"/>
             <a:fld id="{3A98EE3D-8CD1-4C3F-BD1C-C98C9596463C}" type="slidenum">
               <a:rPr lang="en-US" smtClean="0"/>
-              <a:t>‹#›</a:t>
             </a:fld>
             <a:endParaRPr lang="en-US" dirty="0"/>
           </a:p>
         </p:txBody>
       </p:sp>
     </p:spTree>
-    <p:extLst>
-      <p:ext uri="{BB962C8B-B14F-4D97-AF65-F5344CB8AC3E}">
-        <p14:creationId xmlns:p14="http://schemas.microsoft.com/office/powerpoint/2010/main" val="3304162564"/>
-      </p:ext>
-    </p:extLst>
   </p:cSld>
   <p:clrMapOvr>
     <a:masterClrMapping/>
@@ -2062,6 +1909,7 @@
               <a:rPr lang="zh-CN" altLang="en-US"/>
               <a:t>单击此处编辑母版文本样式</a:t>
             </a:r>
+            <a:endParaRPr lang="zh-CN" altLang="en-US"/>
           </a:p>
           <a:p>
             <a:pPr lvl="1" rtl="0"/>
@@ -2069,6 +1917,7 @@
               <a:rPr lang="zh-CN" altLang="en-US"/>
               <a:t>二级</a:t>
             </a:r>
+            <a:endParaRPr lang="zh-CN" altLang="en-US"/>
           </a:p>
           <a:p>
             <a:pPr lvl="2" rtl="0"/>
@@ -2076,6 +1925,7 @@
               <a:rPr lang="zh-CN" altLang="en-US"/>
               <a:t>三级</a:t>
             </a:r>
+            <a:endParaRPr lang="zh-CN" altLang="en-US"/>
           </a:p>
           <a:p>
             <a:pPr lvl="3" rtl="0"/>
@@ -2083,6 +1933,7 @@
               <a:rPr lang="zh-CN" altLang="en-US"/>
               <a:t>四级</a:t>
             </a:r>
+            <a:endParaRPr lang="zh-CN" altLang="en-US"/>
           </a:p>
           <a:p>
             <a:pPr lvl="4" rtl="0"/>
@@ -2119,6 +1970,7 @@
               <a:rPr lang="zh-CN" altLang="en-US"/>
               <a:t>单击此处编辑母版文本样式</a:t>
             </a:r>
+            <a:endParaRPr lang="zh-CN" altLang="en-US"/>
           </a:p>
           <a:p>
             <a:pPr lvl="1" rtl="0"/>
@@ -2126,6 +1978,7 @@
               <a:rPr lang="zh-CN" altLang="en-US"/>
               <a:t>二级</a:t>
             </a:r>
+            <a:endParaRPr lang="zh-CN" altLang="en-US"/>
           </a:p>
           <a:p>
             <a:pPr lvl="2" rtl="0"/>
@@ -2133,6 +1986,7 @@
               <a:rPr lang="zh-CN" altLang="en-US"/>
               <a:t>三级</a:t>
             </a:r>
+            <a:endParaRPr lang="zh-CN" altLang="en-US"/>
           </a:p>
           <a:p>
             <a:pPr lvl="3" rtl="0"/>
@@ -2140,6 +1994,7 @@
               <a:rPr lang="zh-CN" altLang="en-US"/>
               <a:t>四级</a:t>
             </a:r>
+            <a:endParaRPr lang="zh-CN" altLang="en-US"/>
           </a:p>
           <a:p>
             <a:pPr lvl="4" rtl="0"/>
@@ -2153,13 +2008,7 @@
       </p:sp>
       <p:sp>
         <p:nvSpPr>
-          <p:cNvPr id="2" name="日期占位符 1">
-            <a:extLst>
-              <a:ext uri="{FF2B5EF4-FFF2-40B4-BE49-F238E27FC236}">
-                <a16:creationId xmlns:a16="http://schemas.microsoft.com/office/drawing/2014/main" id="{5782D47D-B0DC-4C40-BCC6-BBBA32584A38}"/>
-              </a:ext>
-            </a:extLst>
-          </p:cNvPr>
+          <p:cNvPr id="2" name="日期占位符 1"/>
           <p:cNvSpPr>
             <a:spLocks noGrp="1"/>
           </p:cNvSpPr>
@@ -2175,7 +2024,6 @@
             <a:pPr rtl="0"/>
             <a:fld id="{30FE62F4-ED20-483D-8882-4E153F4AB1A9}" type="datetime1">
               <a:rPr lang="zh-CN" altLang="en-US" smtClean="0"/>
-              <a:t>2022/6/8</a:t>
             </a:fld>
             <a:endParaRPr lang="en-US" dirty="0"/>
           </a:p>
@@ -2183,13 +2031,7 @@
       </p:sp>
       <p:sp>
         <p:nvSpPr>
-          <p:cNvPr id="9" name="页脚占位符 8">
-            <a:extLst>
-              <a:ext uri="{FF2B5EF4-FFF2-40B4-BE49-F238E27FC236}">
-                <a16:creationId xmlns:a16="http://schemas.microsoft.com/office/drawing/2014/main" id="{4690D34E-7EBD-44B2-83CA-4C126A18D7EF}"/>
-              </a:ext>
-            </a:extLst>
-          </p:cNvPr>
+          <p:cNvPr id="9" name="页脚占位符 8"/>
           <p:cNvSpPr>
             <a:spLocks noGrp="1"/>
           </p:cNvSpPr>
@@ -2209,13 +2051,7 @@
       </p:sp>
       <p:sp>
         <p:nvSpPr>
-          <p:cNvPr id="10" name="幻灯片编号占位符 9">
-            <a:extLst>
-              <a:ext uri="{FF2B5EF4-FFF2-40B4-BE49-F238E27FC236}">
-                <a16:creationId xmlns:a16="http://schemas.microsoft.com/office/drawing/2014/main" id="{2AC511A1-9BBD-42DE-92FB-2AF44F8E97A9}"/>
-              </a:ext>
-            </a:extLst>
-          </p:cNvPr>
+          <p:cNvPr id="10" name="幻灯片编号占位符 9"/>
           <p:cNvSpPr>
             <a:spLocks noGrp="1"/>
           </p:cNvSpPr>
@@ -2231,18 +2067,12 @@
             <a:pPr rtl="0"/>
             <a:fld id="{3A98EE3D-8CD1-4C3F-BD1C-C98C9596463C}" type="slidenum">
               <a:rPr lang="en-US" smtClean="0"/>
-              <a:t>‹#›</a:t>
             </a:fld>
             <a:endParaRPr lang="en-US" dirty="0"/>
           </a:p>
         </p:txBody>
       </p:sp>
     </p:spTree>
-    <p:extLst>
-      <p:ext uri="{BB962C8B-B14F-4D97-AF65-F5344CB8AC3E}">
-        <p14:creationId xmlns:p14="http://schemas.microsoft.com/office/powerpoint/2010/main" val="4256663047"/>
-      </p:ext>
-    </p:extLst>
   </p:cSld>
   <p:clrMapOvr>
     <a:masterClrMapping/>
@@ -2364,6 +2194,7 @@
               <a:rPr lang="zh-CN" altLang="en-US"/>
               <a:t>单击此处编辑母版文本样式</a:t>
             </a:r>
+            <a:endParaRPr lang="zh-CN" altLang="en-US"/>
           </a:p>
         </p:txBody>
       </p:sp>
@@ -2392,6 +2223,7 @@
               <a:rPr lang="zh-CN" altLang="en-US"/>
               <a:t>单击此处编辑母版文本样式</a:t>
             </a:r>
+            <a:endParaRPr lang="zh-CN" altLang="en-US"/>
           </a:p>
           <a:p>
             <a:pPr lvl="1" rtl="0"/>
@@ -2399,6 +2231,7 @@
               <a:rPr lang="zh-CN" altLang="en-US"/>
               <a:t>二级</a:t>
             </a:r>
+            <a:endParaRPr lang="zh-CN" altLang="en-US"/>
           </a:p>
           <a:p>
             <a:pPr lvl="2" rtl="0"/>
@@ -2406,6 +2239,7 @@
               <a:rPr lang="zh-CN" altLang="en-US"/>
               <a:t>三级</a:t>
             </a:r>
+            <a:endParaRPr lang="zh-CN" altLang="en-US"/>
           </a:p>
           <a:p>
             <a:pPr lvl="3" rtl="0"/>
@@ -2413,6 +2247,7 @@
               <a:rPr lang="zh-CN" altLang="en-US"/>
               <a:t>四级</a:t>
             </a:r>
+            <a:endParaRPr lang="zh-CN" altLang="en-US"/>
           </a:p>
           <a:p>
             <a:pPr lvl="4" rtl="0"/>
@@ -2492,6 +2327,7 @@
               <a:rPr lang="zh-CN" altLang="en-US"/>
               <a:t>单击此处编辑母版文本样式</a:t>
             </a:r>
+            <a:endParaRPr lang="zh-CN" altLang="en-US"/>
           </a:p>
         </p:txBody>
       </p:sp>
@@ -2520,6 +2356,7 @@
               <a:rPr lang="zh-CN" altLang="en-US"/>
               <a:t>单击此处编辑母版文本样式</a:t>
             </a:r>
+            <a:endParaRPr lang="zh-CN" altLang="en-US"/>
           </a:p>
           <a:p>
             <a:pPr lvl="1" rtl="0"/>
@@ -2527,6 +2364,7 @@
               <a:rPr lang="zh-CN" altLang="en-US"/>
               <a:t>二级</a:t>
             </a:r>
+            <a:endParaRPr lang="zh-CN" altLang="en-US"/>
           </a:p>
           <a:p>
             <a:pPr lvl="2" rtl="0"/>
@@ -2534,6 +2372,7 @@
               <a:rPr lang="zh-CN" altLang="en-US"/>
               <a:t>三级</a:t>
             </a:r>
+            <a:endParaRPr lang="zh-CN" altLang="en-US"/>
           </a:p>
           <a:p>
             <a:pPr lvl="3" rtl="0"/>
@@ -2541,6 +2380,7 @@
               <a:rPr lang="zh-CN" altLang="en-US"/>
               <a:t>四级</a:t>
             </a:r>
+            <a:endParaRPr lang="zh-CN" altLang="en-US"/>
           </a:p>
           <a:p>
             <a:pPr lvl="4" rtl="0"/>
@@ -2554,13 +2394,7 @@
       </p:sp>
       <p:sp>
         <p:nvSpPr>
-          <p:cNvPr id="2" name="日期占位符 1">
-            <a:extLst>
-              <a:ext uri="{FF2B5EF4-FFF2-40B4-BE49-F238E27FC236}">
-                <a16:creationId xmlns:a16="http://schemas.microsoft.com/office/drawing/2014/main" id="{8AF8A515-AA94-45D1-9223-5C2272618D85}"/>
-              </a:ext>
-            </a:extLst>
-          </p:cNvPr>
+          <p:cNvPr id="2" name="日期占位符 1"/>
           <p:cNvSpPr>
             <a:spLocks noGrp="1"/>
           </p:cNvSpPr>
@@ -2576,7 +2410,6 @@
             <a:pPr rtl="0"/>
             <a:fld id="{536EC757-5EFA-4870-8AE0-CBC7F92E42C0}" type="datetime1">
               <a:rPr lang="zh-CN" altLang="en-US" smtClean="0"/>
-              <a:t>2022/6/8</a:t>
             </a:fld>
             <a:endParaRPr lang="en-US" dirty="0"/>
           </a:p>
@@ -2584,13 +2417,7 @@
       </p:sp>
       <p:sp>
         <p:nvSpPr>
-          <p:cNvPr id="11" name="页脚占位符 10">
-            <a:extLst>
-              <a:ext uri="{FF2B5EF4-FFF2-40B4-BE49-F238E27FC236}">
-                <a16:creationId xmlns:a16="http://schemas.microsoft.com/office/drawing/2014/main" id="{D052F5BC-98E0-4D60-AD67-9547738B7DD4}"/>
-              </a:ext>
-            </a:extLst>
-          </p:cNvPr>
+          <p:cNvPr id="11" name="页脚占位符 10"/>
           <p:cNvSpPr>
             <a:spLocks noGrp="1"/>
           </p:cNvSpPr>
@@ -2610,13 +2437,7 @@
       </p:sp>
       <p:sp>
         <p:nvSpPr>
-          <p:cNvPr id="12" name="灯片编号占位符 11">
-            <a:extLst>
-              <a:ext uri="{FF2B5EF4-FFF2-40B4-BE49-F238E27FC236}">
-                <a16:creationId xmlns:a16="http://schemas.microsoft.com/office/drawing/2014/main" id="{A38552DC-952E-41EA-AAAF-C2187523C0B0}"/>
-              </a:ext>
-            </a:extLst>
-          </p:cNvPr>
+          <p:cNvPr id="12" name="灯片编号占位符 11"/>
           <p:cNvSpPr>
             <a:spLocks noGrp="1"/>
           </p:cNvSpPr>
@@ -2632,18 +2453,12 @@
             <a:pPr rtl="0"/>
             <a:fld id="{3A98EE3D-8CD1-4C3F-BD1C-C98C9596463C}" type="slidenum">
               <a:rPr lang="en-US" smtClean="0"/>
-              <a:t>‹#›</a:t>
             </a:fld>
             <a:endParaRPr lang="en-US" dirty="0"/>
           </a:p>
         </p:txBody>
       </p:sp>
     </p:spTree>
-    <p:extLst>
-      <p:ext uri="{BB962C8B-B14F-4D97-AF65-F5344CB8AC3E}">
-        <p14:creationId xmlns:p14="http://schemas.microsoft.com/office/powerpoint/2010/main" val="3068194699"/>
-      </p:ext>
-    </p:extLst>
   </p:cSld>
   <p:clrMapOvr>
     <a:masterClrMapping/>
@@ -2694,13 +2509,7 @@
       </p:sp>
       <p:sp>
         <p:nvSpPr>
-          <p:cNvPr id="6" name="日期占位符 5">
-            <a:extLst>
-              <a:ext uri="{FF2B5EF4-FFF2-40B4-BE49-F238E27FC236}">
-                <a16:creationId xmlns:a16="http://schemas.microsoft.com/office/drawing/2014/main" id="{7392073F-158F-44A3-8913-917AFFC1BC20}"/>
-              </a:ext>
-            </a:extLst>
-          </p:cNvPr>
+          <p:cNvPr id="6" name="日期占位符 5"/>
           <p:cNvSpPr>
             <a:spLocks noGrp="1"/>
           </p:cNvSpPr>
@@ -2716,7 +2525,6 @@
             <a:pPr rtl="0"/>
             <a:fld id="{D103F23F-FFB3-4FD8-83B9-A81F36049536}" type="datetime1">
               <a:rPr lang="zh-CN" altLang="en-US" smtClean="0"/>
-              <a:t>2022/6/8</a:t>
             </a:fld>
             <a:endParaRPr lang="en-US" dirty="0"/>
           </a:p>
@@ -2724,13 +2532,7 @@
       </p:sp>
       <p:sp>
         <p:nvSpPr>
-          <p:cNvPr id="7" name="页脚占位符 6">
-            <a:extLst>
-              <a:ext uri="{FF2B5EF4-FFF2-40B4-BE49-F238E27FC236}">
-                <a16:creationId xmlns:a16="http://schemas.microsoft.com/office/drawing/2014/main" id="{EED72207-24CA-42B7-A975-2F8E41CBA904}"/>
-              </a:ext>
-            </a:extLst>
-          </p:cNvPr>
+          <p:cNvPr id="7" name="页脚占位符 6"/>
           <p:cNvSpPr>
             <a:spLocks noGrp="1"/>
           </p:cNvSpPr>
@@ -2750,13 +2552,7 @@
       </p:sp>
       <p:sp>
         <p:nvSpPr>
-          <p:cNvPr id="8" name="灯片编号占位符 7">
-            <a:extLst>
-              <a:ext uri="{FF2B5EF4-FFF2-40B4-BE49-F238E27FC236}">
-                <a16:creationId xmlns:a16="http://schemas.microsoft.com/office/drawing/2014/main" id="{D01080F2-251A-4B88-9A62-16F46D724F83}"/>
-              </a:ext>
-            </a:extLst>
-          </p:cNvPr>
+          <p:cNvPr id="8" name="灯片编号占位符 7"/>
           <p:cNvSpPr>
             <a:spLocks noGrp="1"/>
           </p:cNvSpPr>
@@ -2772,18 +2568,12 @@
             <a:pPr rtl="0"/>
             <a:fld id="{3A98EE3D-8CD1-4C3F-BD1C-C98C9596463C}" type="slidenum">
               <a:rPr lang="en-US" smtClean="0"/>
-              <a:t>‹#›</a:t>
             </a:fld>
             <a:endParaRPr lang="en-US" dirty="0"/>
           </a:p>
         </p:txBody>
       </p:sp>
     </p:spTree>
-    <p:extLst>
-      <p:ext uri="{BB962C8B-B14F-4D97-AF65-F5344CB8AC3E}">
-        <p14:creationId xmlns:p14="http://schemas.microsoft.com/office/powerpoint/2010/main" val="811860513"/>
-      </p:ext>
-    </p:extLst>
   </p:cSld>
   <p:clrMapOvr>
     <a:masterClrMapping/>
@@ -2792,7 +2582,7 @@
 </file>
 
 <file path=ppt/slideLayouts/slideLayout7.xml><?xml version="1.0" encoding="utf-8"?>
-<p:sldLayout xmlns:a="http://schemas.openxmlformats.org/drawingml/2006/main" xmlns:r="http://schemas.openxmlformats.org/officeDocument/2006/relationships" xmlns:p="http://schemas.openxmlformats.org/presentationml/2006/main" showMasterSp="0" type="blank" preserve="1">
+<p:sldLayout xmlns:a="http://schemas.openxmlformats.org/drawingml/2006/main" xmlns:r="http://schemas.openxmlformats.org/officeDocument/2006/relationships" xmlns:p="http://schemas.openxmlformats.org/presentationml/2006/main" type="blank" preserve="1" showMasterSp="0">
   <p:cSld name="空白">
     <p:spTree>
       <p:nvGrpSpPr>
@@ -2810,13 +2600,7 @@
       </p:grpSpPr>
       <p:sp>
         <p:nvSpPr>
-          <p:cNvPr id="10" name="长方形 9">
-            <a:extLst>
-              <a:ext uri="{FF2B5EF4-FFF2-40B4-BE49-F238E27FC236}">
-                <a16:creationId xmlns:a16="http://schemas.microsoft.com/office/drawing/2014/main" id="{A8E9C91B-7EAD-4562-AB0E-DFB9663AECE3}"/>
-              </a:ext>
-            </a:extLst>
-          </p:cNvPr>
+          <p:cNvPr id="10" name="长方形 9"/>
           <p:cNvSpPr/>
           <p:nvPr/>
         </p:nvSpPr>
@@ -2854,13 +2638,7 @@
       </p:sp>
       <p:sp>
         <p:nvSpPr>
-          <p:cNvPr id="2" name="日期占位符 1">
-            <a:extLst>
-              <a:ext uri="{FF2B5EF4-FFF2-40B4-BE49-F238E27FC236}">
-                <a16:creationId xmlns:a16="http://schemas.microsoft.com/office/drawing/2014/main" id="{94E9223F-721F-47BF-9FD5-0F8D12FF0DE1}"/>
-              </a:ext>
-            </a:extLst>
-          </p:cNvPr>
+          <p:cNvPr id="2" name="日期占位符 1"/>
           <p:cNvSpPr>
             <a:spLocks noGrp="1"/>
           </p:cNvSpPr>
@@ -2876,7 +2654,6 @@
             <a:pPr rtl="0"/>
             <a:fld id="{BC2E68CC-4D92-4E28-8F7F-261B223C8800}" type="datetime1">
               <a:rPr lang="zh-CN" altLang="en-US" smtClean="0"/>
-              <a:t>2022/6/8</a:t>
             </a:fld>
             <a:endParaRPr lang="en-US" dirty="0"/>
           </a:p>
@@ -2884,13 +2661,7 @@
       </p:sp>
       <p:sp>
         <p:nvSpPr>
-          <p:cNvPr id="3" name="页脚占位符 2">
-            <a:extLst>
-              <a:ext uri="{FF2B5EF4-FFF2-40B4-BE49-F238E27FC236}">
-                <a16:creationId xmlns:a16="http://schemas.microsoft.com/office/drawing/2014/main" id="{05915714-6BBA-4593-8591-4E26F7D58D9F}"/>
-              </a:ext>
-            </a:extLst>
-          </p:cNvPr>
+          <p:cNvPr id="3" name="页脚占位符 2"/>
           <p:cNvSpPr>
             <a:spLocks noGrp="1"/>
           </p:cNvSpPr>
@@ -2910,13 +2681,7 @@
       </p:sp>
       <p:sp>
         <p:nvSpPr>
-          <p:cNvPr id="4" name="灯片编号占位符 3">
-            <a:extLst>
-              <a:ext uri="{FF2B5EF4-FFF2-40B4-BE49-F238E27FC236}">
-                <a16:creationId xmlns:a16="http://schemas.microsoft.com/office/drawing/2014/main" id="{BE06F857-D2E1-44DD-ABDD-EBB739645B67}"/>
-              </a:ext>
-            </a:extLst>
-          </p:cNvPr>
+          <p:cNvPr id="4" name="灯片编号占位符 3"/>
           <p:cNvSpPr>
             <a:spLocks noGrp="1"/>
           </p:cNvSpPr>
@@ -2932,18 +2697,12 @@
             <a:pPr rtl="0"/>
             <a:fld id="{3A98EE3D-8CD1-4C3F-BD1C-C98C9596463C}" type="slidenum">
               <a:rPr lang="en-US" smtClean="0"/>
-              <a:t>‹#›</a:t>
             </a:fld>
             <a:endParaRPr lang="en-US" dirty="0"/>
           </a:p>
         </p:txBody>
       </p:sp>
     </p:spTree>
-    <p:extLst>
-      <p:ext uri="{BB962C8B-B14F-4D97-AF65-F5344CB8AC3E}">
-        <p14:creationId xmlns:p14="http://schemas.microsoft.com/office/powerpoint/2010/main" val="2001422672"/>
-      </p:ext>
-    </p:extLst>
   </p:cSld>
   <p:clrMapOvr>
     <a:masterClrMapping/>
@@ -2952,7 +2711,7 @@
 </file>
 
 <file path=ppt/slideLayouts/slideLayout8.xml><?xml version="1.0" encoding="utf-8"?>
-<p:sldLayout xmlns:a="http://schemas.openxmlformats.org/drawingml/2006/main" xmlns:r="http://schemas.openxmlformats.org/officeDocument/2006/relationships" xmlns:p="http://schemas.openxmlformats.org/presentationml/2006/main" showMasterSp="0" type="objTx" preserve="1">
+<p:sldLayout xmlns:a="http://schemas.openxmlformats.org/drawingml/2006/main" xmlns:r="http://schemas.openxmlformats.org/officeDocument/2006/relationships" xmlns:p="http://schemas.openxmlformats.org/presentationml/2006/main" type="objTx" preserve="1" showMasterSp="0">
   <p:cSld name="带标题的内容">
     <p:spTree>
       <p:nvGrpSpPr>
@@ -2970,13 +2729,7 @@
       </p:grpSpPr>
       <p:sp>
         <p:nvSpPr>
-          <p:cNvPr id="8" name="矩形 7">
-            <a:extLst>
-              <a:ext uri="{FF2B5EF4-FFF2-40B4-BE49-F238E27FC236}">
-                <a16:creationId xmlns:a16="http://schemas.microsoft.com/office/drawing/2014/main" id="{16D90D66-BCB9-4229-A829-628874352AC0}"/>
-              </a:ext>
-            </a:extLst>
-          </p:cNvPr>
+          <p:cNvPr id="8" name="矩形 7"/>
           <p:cNvSpPr/>
           <p:nvPr/>
         </p:nvSpPr>
@@ -3079,6 +2832,7 @@
               <a:rPr lang="zh-CN" altLang="en-US"/>
               <a:t>单击此处编辑母版文本样式</a:t>
             </a:r>
+            <a:endParaRPr lang="zh-CN" altLang="en-US"/>
           </a:p>
           <a:p>
             <a:pPr lvl="1" rtl="0"/>
@@ -3086,6 +2840,7 @@
               <a:rPr lang="zh-CN" altLang="en-US"/>
               <a:t>二级</a:t>
             </a:r>
+            <a:endParaRPr lang="zh-CN" altLang="en-US"/>
           </a:p>
           <a:p>
             <a:pPr lvl="2" rtl="0"/>
@@ -3093,6 +2848,7 @@
               <a:rPr lang="zh-CN" altLang="en-US"/>
               <a:t>三级</a:t>
             </a:r>
+            <a:endParaRPr lang="zh-CN" altLang="en-US"/>
           </a:p>
           <a:p>
             <a:pPr lvl="3" rtl="0"/>
@@ -3100,6 +2856,7 @@
               <a:rPr lang="zh-CN" altLang="en-US"/>
               <a:t>四级</a:t>
             </a:r>
+            <a:endParaRPr lang="zh-CN" altLang="en-US"/>
           </a:p>
           <a:p>
             <a:pPr lvl="4" rtl="0"/>
@@ -3179,6 +2936,7 @@
               <a:rPr lang="zh-CN" altLang="en-US"/>
               <a:t>单击此处编辑母版文本样式</a:t>
             </a:r>
+            <a:endParaRPr lang="zh-CN" altLang="en-US"/>
           </a:p>
         </p:txBody>
       </p:sp>
@@ -3209,7 +2967,6 @@
             <a:pPr rtl="0"/>
             <a:fld id="{4B028F21-D2E0-4913-BDE8-7EAF71B2B670}" type="datetime1">
               <a:rPr lang="zh-CN" altLang="en-US" smtClean="0"/>
-              <a:t>2022/6/8</a:t>
             </a:fld>
             <a:endParaRPr lang="en-US" dirty="0"/>
           </a:p>
@@ -3274,19 +3031,12 @@
             <a:pPr rtl="0"/>
             <a:fld id="{3A98EE3D-8CD1-4C3F-BD1C-C98C9596463C}" type="slidenum">
               <a:rPr lang="en-US" smtClean="0"/>
-              <a:pPr/>
-              <a:t>‹#›</a:t>
             </a:fld>
             <a:endParaRPr lang="en-US" dirty="0"/>
           </a:p>
         </p:txBody>
       </p:sp>
     </p:spTree>
-    <p:extLst>
-      <p:ext uri="{BB962C8B-B14F-4D97-AF65-F5344CB8AC3E}">
-        <p14:creationId xmlns:p14="http://schemas.microsoft.com/office/powerpoint/2010/main" val="1933282235"/>
-      </p:ext>
-    </p:extLst>
   </p:cSld>
   <p:clrMapOvr>
     <a:masterClrMapping/>
@@ -3295,7 +3045,7 @@
 </file>
 
 <file path=ppt/slideLayouts/slideLayout9.xml><?xml version="1.0" encoding="utf-8"?>
-<p:sldLayout xmlns:a="http://schemas.openxmlformats.org/drawingml/2006/main" xmlns:r="http://schemas.openxmlformats.org/officeDocument/2006/relationships" xmlns:p="http://schemas.openxmlformats.org/presentationml/2006/main" showMasterSp="0" type="picTx" preserve="1">
+<p:sldLayout xmlns:a="http://schemas.openxmlformats.org/drawingml/2006/main" xmlns:r="http://schemas.openxmlformats.org/officeDocument/2006/relationships" xmlns:p="http://schemas.openxmlformats.org/presentationml/2006/main" type="picTx" preserve="1" showMasterSp="0">
   <p:cSld name="带标题的图片">
     <p:spTree>
       <p:nvGrpSpPr>
@@ -3313,13 +3063,7 @@
       </p:grpSpPr>
       <p:sp>
         <p:nvSpPr>
-          <p:cNvPr id="8" name="矩形 7">
-            <a:extLst>
-              <a:ext uri="{FF2B5EF4-FFF2-40B4-BE49-F238E27FC236}">
-                <a16:creationId xmlns:a16="http://schemas.microsoft.com/office/drawing/2014/main" id="{DA134939-39C0-4522-A125-A13DFDA66490}"/>
-              </a:ext>
-            </a:extLst>
-          </p:cNvPr>
+          <p:cNvPr id="8" name="矩形 7"/>
           <p:cNvSpPr/>
           <p:nvPr/>
         </p:nvSpPr>
@@ -3539,6 +3283,7 @@
               <a:rPr lang="zh-CN" altLang="en-US"/>
               <a:t>单击此处编辑母版文本样式</a:t>
             </a:r>
+            <a:endParaRPr lang="zh-CN" altLang="en-US"/>
           </a:p>
         </p:txBody>
       </p:sp>
@@ -3564,7 +3309,6 @@
             <a:pPr rtl="0"/>
             <a:fld id="{20C43889-E80A-487F-AA95-12C7DE3EDE65}" type="datetime1">
               <a:rPr lang="zh-CN" altLang="en-US" smtClean="0"/>
-              <a:t>2022/6/8</a:t>
             </a:fld>
             <a:endParaRPr lang="en-US" dirty="0"/>
           </a:p>
@@ -3613,18 +3357,12 @@
             <a:pPr rtl="0"/>
             <a:fld id="{3A98EE3D-8CD1-4C3F-BD1C-C98C9596463C}" type="slidenum">
               <a:rPr lang="en-US" smtClean="0"/>
-              <a:t>‹#›</a:t>
             </a:fld>
             <a:endParaRPr lang="en-US" dirty="0"/>
           </a:p>
         </p:txBody>
       </p:sp>
     </p:spTree>
-    <p:extLst>
-      <p:ext uri="{BB962C8B-B14F-4D97-AF65-F5344CB8AC3E}">
-        <p14:creationId xmlns:p14="http://schemas.microsoft.com/office/powerpoint/2010/main" val="523267730"/>
-      </p:ext>
-    </p:extLst>
   </p:cSld>
   <p:clrMapOvr>
     <a:masterClrMapping/>
@@ -3656,13 +3394,7 @@
       </p:grpSpPr>
       <p:sp>
         <p:nvSpPr>
-          <p:cNvPr id="7" name="长方形 6">
-            <a:extLst>
-              <a:ext uri="{FF2B5EF4-FFF2-40B4-BE49-F238E27FC236}">
-                <a16:creationId xmlns:a16="http://schemas.microsoft.com/office/drawing/2014/main" id="{416A0E3C-60E6-4F39-BC55-5F7C224E1F7C}"/>
-              </a:ext>
-            </a:extLst>
-          </p:cNvPr>
+          <p:cNvPr id="7" name="长方形 6"/>
           <p:cNvSpPr/>
           <p:nvPr/>
         </p:nvSpPr>
@@ -3725,7 +3457,7 @@
           <a:p>
             <a:pPr rtl="0"/>
             <a:r>
-              <a:rPr lang="zh-cn" dirty="0"/>
+              <a:rPr lang="en-US" dirty="0"/>
               <a:t>单击此处编辑母版标题样式</a:t>
             </a:r>
             <a:endParaRPr lang="en-US" dirty="0"/>
@@ -3759,35 +3491,39 @@
           <a:p>
             <a:pPr lvl="0" rtl="0"/>
             <a:r>
-              <a:rPr lang="zh-cn" dirty="0"/>
+              <a:rPr lang="en-US" dirty="0"/>
               <a:t>单击此处编辑母版文本样式</a:t>
             </a:r>
+            <a:endParaRPr lang="en-US" dirty="0"/>
           </a:p>
           <a:p>
             <a:pPr lvl="1" rtl="0"/>
             <a:r>
-              <a:rPr lang="zh-cn" dirty="0"/>
+              <a:rPr lang="en-US" dirty="0"/>
               <a:t>第二级</a:t>
             </a:r>
+            <a:endParaRPr lang="en-US" dirty="0"/>
           </a:p>
           <a:p>
             <a:pPr lvl="2" rtl="0"/>
             <a:r>
-              <a:rPr lang="zh-cn" dirty="0"/>
+              <a:rPr lang="en-US" dirty="0"/>
               <a:t>第三级</a:t>
             </a:r>
+            <a:endParaRPr lang="en-US" dirty="0"/>
           </a:p>
           <a:p>
             <a:pPr lvl="3" rtl="0"/>
             <a:r>
-              <a:rPr lang="zh-cn" dirty="0"/>
+              <a:rPr lang="en-US" dirty="0"/>
               <a:t>第四级</a:t>
             </a:r>
+            <a:endParaRPr lang="en-US" dirty="0"/>
           </a:p>
           <a:p>
             <a:pPr lvl="4" rtl="0"/>
             <a:r>
-              <a:rPr lang="zh-cn" dirty="0"/>
+              <a:rPr lang="en-US" dirty="0"/>
               <a:t>第五级</a:t>
             </a:r>
             <a:endParaRPr lang="en-US" dirty="0"/>
@@ -3829,7 +3565,6 @@
           <a:p>
             <a:fld id="{F339E1E4-D2DD-4CAA-9BAA-90EEA32661C4}" type="datetime1">
               <a:rPr lang="zh-CN" altLang="en-US" smtClean="0"/>
-              <a:t>2022/6/8</a:t>
             </a:fld>
             <a:endParaRPr lang="en-US" dirty="0"/>
           </a:p>
@@ -3907,8 +3642,6 @@
           <a:p>
             <a:fld id="{3A98EE3D-8CD1-4C3F-BD1C-C98C9596463C}" type="slidenum">
               <a:rPr lang="en-US" smtClean="0"/>
-              <a:pPr/>
-              <a:t>‹#›</a:t>
             </a:fld>
             <a:endParaRPr lang="en-US" dirty="0"/>
           </a:p>
@@ -3916,13 +3649,7 @@
       </p:sp>
       <p:cxnSp>
         <p:nvCxnSpPr>
-          <p:cNvPr id="10" name="直接连接符​​(S) 9">
-            <a:extLst>
-              <a:ext uri="{FF2B5EF4-FFF2-40B4-BE49-F238E27FC236}">
-                <a16:creationId xmlns:a16="http://schemas.microsoft.com/office/drawing/2014/main" id="{C5025DAC-8B93-4160-B017-3A274A5828C0}"/>
-              </a:ext>
-            </a:extLst>
-          </p:cNvPr>
+          <p:cNvPr id="10" name="直接连接符​​(S) 9"/>
           <p:cNvCxnSpPr/>
           <p:nvPr/>
         </p:nvCxnSpPr>
@@ -3959,25 +3686,20 @@
         </p:style>
       </p:cxnSp>
     </p:spTree>
-    <p:extLst>
-      <p:ext uri="{BB962C8B-B14F-4D97-AF65-F5344CB8AC3E}">
-        <p14:creationId xmlns:p14="http://schemas.microsoft.com/office/powerpoint/2010/main" val="3034982234"/>
-      </p:ext>
-    </p:extLst>
   </p:cSld>
   <p:clrMap bg1="lt1" tx1="dk1" bg2="lt2" tx2="dk2" accent1="accent1" accent2="accent2" accent3="accent3" accent4="accent4" accent5="accent5" accent6="accent6" hlink="hlink" folHlink="folHlink"/>
   <p:sldLayoutIdLst>
-    <p:sldLayoutId id="2147483748" r:id="rId1"/>
-    <p:sldLayoutId id="2147483749" r:id="rId2"/>
-    <p:sldLayoutId id="2147483747" r:id="rId3"/>
-    <p:sldLayoutId id="2147483743" r:id="rId4"/>
-    <p:sldLayoutId id="2147483738" r:id="rId5"/>
-    <p:sldLayoutId id="2147483732" r:id="rId6"/>
-    <p:sldLayoutId id="2147483733" r:id="rId7"/>
-    <p:sldLayoutId id="2147483734" r:id="rId8"/>
-    <p:sldLayoutId id="2147483735" r:id="rId9"/>
-    <p:sldLayoutId id="2147483736" r:id="rId10"/>
-    <p:sldLayoutId id="2147483737" r:id="rId11"/>
+    <p:sldLayoutId id="2147483649" r:id="rId1"/>
+    <p:sldLayoutId id="2147483650" r:id="rId2"/>
+    <p:sldLayoutId id="2147483651" r:id="rId3"/>
+    <p:sldLayoutId id="2147483652" r:id="rId4"/>
+    <p:sldLayoutId id="2147483653" r:id="rId5"/>
+    <p:sldLayoutId id="2147483654" r:id="rId6"/>
+    <p:sldLayoutId id="2147483655" r:id="rId7"/>
+    <p:sldLayoutId id="2147483656" r:id="rId8"/>
+    <p:sldLayoutId id="2147483657" r:id="rId9"/>
+    <p:sldLayoutId id="2147483658" r:id="rId10"/>
+    <p:sldLayoutId id="2147483659" r:id="rId11"/>
   </p:sldLayoutIdLst>
   <p:hf sldNum="0" hdr="0" ftr="0"/>
   <p:txStyles>
@@ -4032,7 +3754,7 @@
           <a:cs typeface="+mn-cs"/>
         </a:defRPr>
       </a:lvl1pPr>
-      <a:lvl2pPr marL="384048" indent="-182880" algn="l" defTabSz="914400" rtl="0" eaLnBrk="1" latinLnBrk="0" hangingPunct="1">
+      <a:lvl2pPr marL="384175" indent="-182880" algn="l" defTabSz="914400" rtl="0" eaLnBrk="1" latinLnBrk="0" hangingPunct="1">
         <a:lnSpc>
           <a:spcPct val="100000"/>
         </a:lnSpc>
@@ -4043,7 +3765,7 @@
           <a:spcPts val="400"/>
         </a:spcAft>
         <a:buClrTx/>
-        <a:buFont typeface="Calibri" pitchFamily="34" charset="0"/>
+        <a:buFont typeface="Calibri" panose="020F0502020204030204" pitchFamily="34" charset="0"/>
         <a:buChar char="◦"/>
         <a:defRPr sz="1700" kern="1200">
           <a:solidFill>
@@ -4057,7 +3779,7 @@
           <a:cs typeface="+mn-cs"/>
         </a:defRPr>
       </a:lvl2pPr>
-      <a:lvl3pPr marL="566928" indent="-182880" algn="l" defTabSz="914400" rtl="0" eaLnBrk="1" latinLnBrk="0" hangingPunct="1">
+      <a:lvl3pPr marL="567055" indent="-182880" algn="l" defTabSz="914400" rtl="0" eaLnBrk="1" latinLnBrk="0" hangingPunct="1">
         <a:lnSpc>
           <a:spcPct val="100000"/>
         </a:lnSpc>
@@ -4068,7 +3790,7 @@
           <a:spcPts val="400"/>
         </a:spcAft>
         <a:buClrTx/>
-        <a:buFont typeface="Calibri" pitchFamily="34" charset="0"/>
+        <a:buFont typeface="Calibri" panose="020F0502020204030204" pitchFamily="34" charset="0"/>
         <a:buChar char="◦"/>
         <a:defRPr sz="1300" kern="1200">
           <a:solidFill>
@@ -4082,7 +3804,7 @@
           <a:cs typeface="+mn-cs"/>
         </a:defRPr>
       </a:lvl3pPr>
-      <a:lvl4pPr marL="749808" indent="-182880" algn="l" defTabSz="914400" rtl="0" eaLnBrk="1" latinLnBrk="0" hangingPunct="1">
+      <a:lvl4pPr marL="749935" indent="-182880" algn="l" defTabSz="914400" rtl="0" eaLnBrk="1" latinLnBrk="0" hangingPunct="1">
         <a:lnSpc>
           <a:spcPct val="100000"/>
         </a:lnSpc>
@@ -4093,7 +3815,7 @@
           <a:spcPts val="400"/>
         </a:spcAft>
         <a:buClrTx/>
-        <a:buFont typeface="Calibri" pitchFamily="34" charset="0"/>
+        <a:buFont typeface="Calibri" panose="020F0502020204030204" pitchFamily="34" charset="0"/>
         <a:buChar char="◦"/>
         <a:defRPr sz="1300" kern="1200">
           <a:solidFill>
@@ -4107,7 +3829,7 @@
           <a:cs typeface="+mn-cs"/>
         </a:defRPr>
       </a:lvl4pPr>
-      <a:lvl5pPr marL="932688" indent="-182880" algn="l" defTabSz="914400" rtl="0" eaLnBrk="1" latinLnBrk="0" hangingPunct="1">
+      <a:lvl5pPr marL="932815" indent="-182880" algn="l" defTabSz="914400" rtl="0" eaLnBrk="1" latinLnBrk="0" hangingPunct="1">
         <a:lnSpc>
           <a:spcPct val="100000"/>
         </a:lnSpc>
@@ -4118,7 +3840,7 @@
           <a:spcPts val="400"/>
         </a:spcAft>
         <a:buClrTx/>
-        <a:buFont typeface="Calibri" pitchFamily="34" charset="0"/>
+        <a:buFont typeface="Calibri" panose="020F0502020204030204" pitchFamily="34" charset="0"/>
         <a:buChar char="◦"/>
         <a:defRPr sz="1300" kern="1200">
           <a:solidFill>
@@ -4132,7 +3854,7 @@
           <a:cs typeface="+mn-cs"/>
         </a:defRPr>
       </a:lvl5pPr>
-      <a:lvl6pPr marL="1100000" indent="-228600" algn="l" defTabSz="914400" rtl="0" eaLnBrk="1" latinLnBrk="0" hangingPunct="1">
+      <a:lvl6pPr marL="1099820" indent="-228600" algn="l" defTabSz="914400" rtl="0" eaLnBrk="1" latinLnBrk="0" hangingPunct="1">
         <a:lnSpc>
           <a:spcPct val="90000"/>
         </a:lnSpc>
@@ -4145,7 +3867,7 @@
         <a:buClr>
           <a:schemeClr val="accent1"/>
         </a:buClr>
-        <a:buFont typeface="Calibri" pitchFamily="34" charset="0"/>
+        <a:buFont typeface="Calibri" panose="020F0502020204030204" pitchFamily="34" charset="0"/>
         <a:buChar char="◦"/>
         <a:defRPr sz="1400" kern="1200">
           <a:solidFill>
@@ -4159,7 +3881,7 @@
           <a:cs typeface="+mn-cs"/>
         </a:defRPr>
       </a:lvl6pPr>
-      <a:lvl7pPr marL="1300000" indent="-228600" algn="l" defTabSz="914400" rtl="0" eaLnBrk="1" latinLnBrk="0" hangingPunct="1">
+      <a:lvl7pPr marL="1299845" indent="-228600" algn="l" defTabSz="914400" rtl="0" eaLnBrk="1" latinLnBrk="0" hangingPunct="1">
         <a:lnSpc>
           <a:spcPct val="90000"/>
         </a:lnSpc>
@@ -4172,7 +3894,7 @@
         <a:buClr>
           <a:schemeClr val="accent1"/>
         </a:buClr>
-        <a:buFont typeface="Calibri" pitchFamily="34" charset="0"/>
+        <a:buFont typeface="Calibri" panose="020F0502020204030204" pitchFamily="34" charset="0"/>
         <a:buChar char="◦"/>
         <a:defRPr sz="1400" kern="1200">
           <a:solidFill>
@@ -4186,7 +3908,7 @@
           <a:cs typeface="+mn-cs"/>
         </a:defRPr>
       </a:lvl7pPr>
-      <a:lvl8pPr marL="1500000" indent="-228600" algn="l" defTabSz="914400" rtl="0" eaLnBrk="1" latinLnBrk="0" hangingPunct="1">
+      <a:lvl8pPr marL="1499870" indent="-228600" algn="l" defTabSz="914400" rtl="0" eaLnBrk="1" latinLnBrk="0" hangingPunct="1">
         <a:lnSpc>
           <a:spcPct val="90000"/>
         </a:lnSpc>
@@ -4199,7 +3921,7 @@
         <a:buClr>
           <a:schemeClr val="accent1"/>
         </a:buClr>
-        <a:buFont typeface="Calibri" pitchFamily="34" charset="0"/>
+        <a:buFont typeface="Calibri" panose="020F0502020204030204" pitchFamily="34" charset="0"/>
         <a:buChar char="◦"/>
         <a:defRPr sz="1400" kern="1200">
           <a:solidFill>
@@ -4213,7 +3935,7 @@
           <a:cs typeface="+mn-cs"/>
         </a:defRPr>
       </a:lvl8pPr>
-      <a:lvl9pPr marL="1700000" indent="-228600" algn="l" defTabSz="914400" rtl="0" eaLnBrk="1" latinLnBrk="0" hangingPunct="1">
+      <a:lvl9pPr marL="1699895" indent="-228600" algn="l" defTabSz="914400" rtl="0" eaLnBrk="1" latinLnBrk="0" hangingPunct="1">
         <a:lnSpc>
           <a:spcPct val="90000"/>
         </a:lnSpc>
@@ -4226,7 +3948,7 @@
         <a:buClr>
           <a:schemeClr val="accent1"/>
         </a:buClr>
-        <a:buFont typeface="Calibri" pitchFamily="34" charset="0"/>
+        <a:buFont typeface="Calibri" panose="020F0502020204030204" pitchFamily="34" charset="0"/>
         <a:buChar char="◦"/>
         <a:defRPr sz="1400" kern="1200">
           <a:solidFill>
@@ -4367,26 +4089,11 @@
       </p:grpSpPr>
       <p:sp useBgFill="1">
         <p:nvSpPr>
-          <p:cNvPr id="22" name="长方形 21">
-            <a:extLst>
-              <a:ext uri="{FF2B5EF4-FFF2-40B4-BE49-F238E27FC236}">
-                <a16:creationId xmlns:a16="http://schemas.microsoft.com/office/drawing/2014/main" id="{A9286AD2-18A9-4868-A4E3-7A2097A20810}"/>
-              </a:ext>
-              <a:ext uri="{C183D7F6-B498-43B3-948B-1728B52AA6E4}">
-                <adec:decorative xmlns:adec="http://schemas.microsoft.com/office/drawing/2017/decorative" val="1"/>
-              </a:ext>
-            </a:extLst>
-          </p:cNvPr>
+          <p:cNvPr id="22" name="长方形 21"/>
           <p:cNvSpPr>
             <a:spLocks noGrp="1" noRot="1" noChangeAspect="1" noMove="1" noResize="1" noEditPoints="1" noAdjustHandles="1" noChangeArrowheads="1" noChangeShapeType="1" noTextEdit="1"/>
           </p:cNvSpPr>
-          <p:nvPr>
-            <p:extLst>
-              <p:ext uri="{386F3935-93C4-4BCD-93E2-E3B085C9AB24}">
-                <p16:designElem xmlns:p16="http://schemas.microsoft.com/office/powerpoint/2015/main" val="1"/>
-              </p:ext>
-            </p:extLst>
-          </p:nvPr>
+          <p:nvPr/>
         </p:nvSpPr>
         <p:spPr>
           <a:xfrm>
@@ -4427,13 +4134,7 @@
       </p:sp>
       <p:sp>
         <p:nvSpPr>
-          <p:cNvPr id="2" name="标题 1">
-            <a:extLst>
-              <a:ext uri="{FF2B5EF4-FFF2-40B4-BE49-F238E27FC236}">
-                <a16:creationId xmlns:a16="http://schemas.microsoft.com/office/drawing/2014/main" id="{78FD68DA-43BA-4508-8DE2-BA9BB7B2FA5B}"/>
-              </a:ext>
-            </a:extLst>
-          </p:cNvPr>
+          <p:cNvPr id="2" name="标题 1"/>
           <p:cNvSpPr>
             <a:spLocks noGrp="1"/>
           </p:cNvSpPr>
@@ -4458,19 +4159,13 @@
               <a:rPr lang="en-US" altLang="zh-CN" sz="4400" dirty="0"/>
               <a:t>A Compiler of C-Minus</a:t>
             </a:r>
-            <a:endParaRPr lang="zh-cn" sz="4400" dirty="0"/>
-          </a:p>
-        </p:txBody>
-      </p:sp>
-      <p:sp>
-        <p:nvSpPr>
-          <p:cNvPr id="3" name="副标题 2">
-            <a:extLst>
-              <a:ext uri="{FF2B5EF4-FFF2-40B4-BE49-F238E27FC236}">
-                <a16:creationId xmlns:a16="http://schemas.microsoft.com/office/drawing/2014/main" id="{A8E9CFF2-3777-4FF4-A759-8491175B0B7C}"/>
-              </a:ext>
-            </a:extLst>
-          </p:cNvPr>
+            <a:endParaRPr lang="en-US" sz="4400" dirty="0"/>
+          </a:p>
+        </p:txBody>
+      </p:sp>
+      <p:sp>
+        <p:nvSpPr>
+          <p:cNvPr id="3" name="副标题 2"/>
           <p:cNvSpPr>
             <a:spLocks noGrp="1"/>
           </p:cNvSpPr>
@@ -4567,12 +4262,9 @@
                 <a:latin typeface="+mn-ea"/>
                 <a:ea typeface="+mn-ea"/>
               </a:rPr>
-              <a:t>2022/6/8</a:t>
-            </a:r>
-          </a:p>
-          <a:p>
-            <a:pPr algn="r" rtl="0"/>
-            <a:endParaRPr lang="zh-cn" sz="2400" dirty="0">
+              <a:t>2022/6/10</a:t>
+            </a:r>
+            <a:endParaRPr lang="en-US" altLang="zh-CN" sz="2400" dirty="0">
               <a:solidFill>
                 <a:schemeClr val="tx1">
                   <a:lumMod val="85000"/>
@@ -4583,24 +4275,31 @@
               <a:ea typeface="+mn-ea"/>
             </a:endParaRPr>
           </a:p>
+          <a:p>
+            <a:pPr algn="r" rtl="0"/>
+            <a:endParaRPr lang="en-US" sz="2400" dirty="0">
+              <a:solidFill>
+                <a:schemeClr val="tx1">
+                  <a:lumMod val="85000"/>
+                  <a:lumOff val="15000"/>
+                </a:schemeClr>
+              </a:solidFill>
+              <a:latin typeface="+mn-ea"/>
+              <a:ea typeface="+mn-ea"/>
+            </a:endParaRPr>
+          </a:p>
         </p:txBody>
       </p:sp>
       <p:pic>
         <p:nvPicPr>
-          <p:cNvPr id="5" name="图片 4" descr="一张显示了建筑物、坐姿、长凳和侧边的图片&#10;&#10;说明自动生成">
-            <a:extLst>
-              <a:ext uri="{FF2B5EF4-FFF2-40B4-BE49-F238E27FC236}">
-                <a16:creationId xmlns:a16="http://schemas.microsoft.com/office/drawing/2014/main" id="{282CF6DD-7FE8-4063-9551-1B7BBCE92ABE}"/>
-              </a:ext>
-            </a:extLst>
-          </p:cNvPr>
+          <p:cNvPr id="5" name="图片 4" descr="一张显示了建筑物、坐姿、长凳和侧边的图片&#10;&#10;说明自动生成"/>
           <p:cNvPicPr>
             <a:picLocks noChangeAspect="1"/>
           </p:cNvPicPr>
           <p:nvPr/>
         </p:nvPicPr>
         <p:blipFill rotWithShape="1">
-          <a:blip r:embed="rId2">
+          <a:blip r:embed="rId1">
             <a:extLst>
               <a:ext uri="{28A0092B-C50C-407E-A947-70E740481C1C}">
                 <a14:useLocalDpi xmlns:a14="http://schemas.microsoft.com/office/drawing/2010/main" val="0"/>
@@ -4608,7 +4307,9 @@
             </a:extLst>
           </a:blip>
           <a:srcRect/>
-          <a:stretch/>
+          <a:stretch>
+            <a:fillRect/>
+          </a:stretch>
         </p:blipFill>
         <p:spPr>
           <a:xfrm>
@@ -4622,26 +4323,11 @@
       </p:pic>
       <p:cxnSp>
         <p:nvCxnSpPr>
-          <p:cNvPr id="24" name="直接连接符​​(S) 23">
-            <a:extLst>
-              <a:ext uri="{FF2B5EF4-FFF2-40B4-BE49-F238E27FC236}">
-                <a16:creationId xmlns:a16="http://schemas.microsoft.com/office/drawing/2014/main" id="{E7A7CD63-7EC3-44F3-95D0-595C4019FF24}"/>
-              </a:ext>
-              <a:ext uri="{C183D7F6-B498-43B3-948B-1728B52AA6E4}">
-                <adec:decorative xmlns:adec="http://schemas.microsoft.com/office/drawing/2017/decorative" val="1"/>
-              </a:ext>
-            </a:extLst>
-          </p:cNvPr>
+          <p:cNvPr id="24" name="直接连接符​​(S) 23"/>
           <p:cNvCxnSpPr>
             <a:cxnSpLocks noGrp="1" noRot="1" noChangeAspect="1" noMove="1" noResize="1" noEditPoints="1" noAdjustHandles="1" noChangeArrowheads="1" noChangeShapeType="1"/>
           </p:cNvCxnSpPr>
-          <p:nvPr>
-            <p:extLst>
-              <p:ext uri="{386F3935-93C4-4BCD-93E2-E3B085C9AB24}">
-                <p16:designElem xmlns:p16="http://schemas.microsoft.com/office/powerpoint/2015/main" val="1"/>
-              </p:ext>
-            </p:extLst>
-          </p:nvPr>
+          <p:nvPr/>
         </p:nvCxnSpPr>
         <p:spPr>
           <a:xfrm>
@@ -4677,13 +4363,7 @@
       </p:cxnSp>
       <p:sp>
         <p:nvSpPr>
-          <p:cNvPr id="4" name="文本框 3">
-            <a:extLst>
-              <a:ext uri="{FF2B5EF4-FFF2-40B4-BE49-F238E27FC236}">
-                <a16:creationId xmlns:a16="http://schemas.microsoft.com/office/drawing/2014/main" id="{333D30B4-566B-42CB-96C7-1297B72E22BF}"/>
-              </a:ext>
-            </a:extLst>
-          </p:cNvPr>
+          <p:cNvPr id="4" name="文本框 3"/>
           <p:cNvSpPr txBox="1"/>
           <p:nvPr/>
         </p:nvSpPr>
@@ -4719,13 +4399,7 @@
       </p:sp>
       <p:sp>
         <p:nvSpPr>
-          <p:cNvPr id="6" name="日期占位符 5">
-            <a:extLst>
-              <a:ext uri="{FF2B5EF4-FFF2-40B4-BE49-F238E27FC236}">
-                <a16:creationId xmlns:a16="http://schemas.microsoft.com/office/drawing/2014/main" id="{E37B8F6D-3D57-4507-8270-2EBC964ED928}"/>
-              </a:ext>
-            </a:extLst>
-          </p:cNvPr>
+          <p:cNvPr id="6" name="日期占位符 5"/>
           <p:cNvSpPr>
             <a:spLocks noGrp="1"/>
           </p:cNvSpPr>
@@ -4741,18 +4415,1403 @@
             <a:pPr rtl="0"/>
             <a:fld id="{07FE4C25-9B3E-4C00-B87D-B7DC74B7F318}" type="datetime1">
               <a:rPr lang="zh-CN" altLang="en-US" smtClean="0"/>
-              <a:t>2022/6/8</a:t>
             </a:fld>
             <a:endParaRPr lang="en-US" dirty="0"/>
           </a:p>
         </p:txBody>
       </p:sp>
     </p:spTree>
-    <p:extLst>
-      <p:ext uri="{BB962C8B-B14F-4D97-AF65-F5344CB8AC3E}">
-        <p14:creationId xmlns:p14="http://schemas.microsoft.com/office/powerpoint/2010/main" val="4043737824"/>
-      </p:ext>
-    </p:extLst>
+  </p:cSld>
+  <p:clrMapOvr>
+    <a:masterClrMapping/>
+  </p:clrMapOvr>
+</p:sld>
+</file>
+
+<file path=ppt/slides/slide10.xml><?xml version="1.0" encoding="utf-8"?>
+<p:sld xmlns:a="http://schemas.openxmlformats.org/drawingml/2006/main" xmlns:r="http://schemas.openxmlformats.org/officeDocument/2006/relationships" xmlns:p="http://schemas.openxmlformats.org/presentationml/2006/main">
+  <p:cSld>
+    <p:spTree>
+      <p:nvGrpSpPr>
+        <p:cNvPr id="1" name=""/>
+        <p:cNvGrpSpPr/>
+        <p:nvPr/>
+      </p:nvGrpSpPr>
+      <p:grpSpPr>
+        <a:xfrm>
+          <a:off x="0" y="0"/>
+          <a:ext cx="0" cy="0"/>
+          <a:chOff x="0" y="0"/>
+          <a:chExt cx="0" cy="0"/>
+        </a:xfrm>
+      </p:grpSpPr>
+      <p:sp>
+        <p:nvSpPr>
+          <p:cNvPr id="2" name="标题 1"/>
+          <p:cNvSpPr>
+            <a:spLocks noGrp="1"/>
+          </p:cNvSpPr>
+          <p:nvPr>
+            <p:ph type="title"/>
+          </p:nvPr>
+        </p:nvSpPr>
+        <p:spPr/>
+        <p:txBody>
+          <a:bodyPr/>
+          <a:lstStyle/>
+          <a:p>
+            <a:r>
+              <a:rPr lang="en-US" altLang="zh-CN" dirty="0">
+                <a:latin typeface="Times New Roman" panose="02020603050405020304" pitchFamily="18" charset="0"/>
+                <a:cs typeface="Times New Roman" panose="02020603050405020304" pitchFamily="18" charset="0"/>
+              </a:rPr>
+              <a:t>Variable</a:t>
+            </a:r>
+            <a:endParaRPr lang="zh-CN" altLang="en-US" dirty="0">
+              <a:latin typeface="Times New Roman" panose="02020603050405020304" pitchFamily="18" charset="0"/>
+              <a:cs typeface="Times New Roman" panose="02020603050405020304" pitchFamily="18" charset="0"/>
+            </a:endParaRPr>
+          </a:p>
+        </p:txBody>
+      </p:sp>
+      <p:sp>
+        <p:nvSpPr>
+          <p:cNvPr id="4" name="日期占位符 3"/>
+          <p:cNvSpPr>
+            <a:spLocks noGrp="1"/>
+          </p:cNvSpPr>
+          <p:nvPr>
+            <p:ph type="dt" sz="half" idx="10"/>
+          </p:nvPr>
+        </p:nvSpPr>
+        <p:spPr/>
+        <p:txBody>
+          <a:bodyPr/>
+          <a:lstStyle/>
+          <a:p>
+            <a:pPr rtl="0"/>
+            <a:fld id="{A5177DA3-A8C7-4912-ADDF-438128E8904A}" type="datetime1">
+              <a:rPr lang="zh-CN" altLang="en-US" smtClean="0"/>
+            </a:fld>
+            <a:endParaRPr lang="en-US" dirty="0"/>
+          </a:p>
+        </p:txBody>
+      </p:sp>
+      <p:sp>
+        <p:nvSpPr>
+          <p:cNvPr id="3" name="文本框 2"/>
+          <p:cNvSpPr txBox="1"/>
+          <p:nvPr/>
+        </p:nvSpPr>
+        <p:spPr>
+          <a:xfrm>
+            <a:off x="1097280" y="2288540"/>
+            <a:ext cx="5060633" cy="369332"/>
+          </a:xfrm>
+          <a:prstGeom prst="rect">
+            <a:avLst/>
+          </a:prstGeom>
+          <a:noFill/>
+        </p:spPr>
+        <p:txBody>
+          <a:bodyPr wrap="square" rtlCol="0">
+            <a:spAutoFit/>
+          </a:bodyPr>
+          <a:lstStyle/>
+          <a:p>
+            <a:r>
+              <a:rPr lang="en-US" altLang="zh-CN" dirty="0">
+                <a:latin typeface="Times New Roman" panose="02020603050405020304" pitchFamily="18" charset="0"/>
+                <a:cs typeface="Times New Roman" panose="02020603050405020304" pitchFamily="18" charset="0"/>
+              </a:rPr>
+              <a:t>Declare before use.</a:t>
+            </a:r>
+            <a:endParaRPr lang="en-US" altLang="zh-CN" dirty="0">
+              <a:latin typeface="Times New Roman" panose="02020603050405020304" pitchFamily="18" charset="0"/>
+              <a:cs typeface="Times New Roman" panose="02020603050405020304" pitchFamily="18" charset="0"/>
+            </a:endParaRPr>
+          </a:p>
+        </p:txBody>
+      </p:sp>
+      <p:sp>
+        <p:nvSpPr>
+          <p:cNvPr id="5" name="文本框 4"/>
+          <p:cNvSpPr txBox="1"/>
+          <p:nvPr/>
+        </p:nvSpPr>
+        <p:spPr>
+          <a:xfrm>
+            <a:off x="1097280" y="3223340"/>
+            <a:ext cx="6672262" cy="2031325"/>
+          </a:xfrm>
+          <a:prstGeom prst="rect">
+            <a:avLst/>
+          </a:prstGeom>
+          <a:noFill/>
+        </p:spPr>
+        <p:txBody>
+          <a:bodyPr wrap="square" rtlCol="0">
+            <a:spAutoFit/>
+          </a:bodyPr>
+          <a:lstStyle/>
+          <a:p>
+            <a:r>
+              <a:rPr lang="en-US" altLang="zh-CN" dirty="0">
+                <a:latin typeface="Times New Roman" panose="02020603050405020304" pitchFamily="18" charset="0"/>
+                <a:cs typeface="Times New Roman" panose="02020603050405020304" pitchFamily="18" charset="0"/>
+              </a:rPr>
+              <a:t>Use</a:t>
+            </a:r>
+            <a:endParaRPr lang="en-US" altLang="zh-CN" dirty="0">
+              <a:latin typeface="Times New Roman" panose="02020603050405020304" pitchFamily="18" charset="0"/>
+              <a:cs typeface="Times New Roman" panose="02020603050405020304" pitchFamily="18" charset="0"/>
+            </a:endParaRPr>
+          </a:p>
+          <a:p>
+            <a:pPr marL="285750" indent="-285750">
+              <a:buFont typeface="Arial" panose="020B0604020202020204" pitchFamily="34" charset="0"/>
+              <a:buChar char="•"/>
+            </a:pPr>
+            <a:r>
+              <a:rPr lang="en-US" altLang="zh-CN" dirty="0">
+                <a:latin typeface="Times New Roman" panose="02020603050405020304" pitchFamily="18" charset="0"/>
+                <a:cs typeface="Times New Roman" panose="02020603050405020304" pitchFamily="18" charset="0"/>
+              </a:rPr>
+              <a:t>Left value</a:t>
+            </a:r>
+            <a:endParaRPr lang="en-US" altLang="zh-CN" dirty="0">
+              <a:latin typeface="Times New Roman" panose="02020603050405020304" pitchFamily="18" charset="0"/>
+              <a:cs typeface="Times New Roman" panose="02020603050405020304" pitchFamily="18" charset="0"/>
+            </a:endParaRPr>
+          </a:p>
+          <a:p>
+            <a:r>
+              <a:rPr lang="en-US" altLang="zh-CN" dirty="0">
+                <a:latin typeface="Times New Roman" panose="02020603050405020304" pitchFamily="18" charset="0"/>
+                <a:cs typeface="Times New Roman" panose="02020603050405020304" pitchFamily="18" charset="0"/>
+              </a:rPr>
+              <a:t>When variable is assigned </a:t>
+            </a:r>
+            <a:endParaRPr lang="en-US" altLang="zh-CN" dirty="0">
+              <a:latin typeface="Times New Roman" panose="02020603050405020304" pitchFamily="18" charset="0"/>
+              <a:cs typeface="Times New Roman" panose="02020603050405020304" pitchFamily="18" charset="0"/>
+            </a:endParaRPr>
+          </a:p>
+          <a:p>
+            <a:pPr marL="285750" indent="-285750">
+              <a:buFont typeface="Arial" panose="020B0604020202020204" pitchFamily="34" charset="0"/>
+              <a:buChar char="•"/>
+            </a:pPr>
+            <a:endParaRPr lang="en-US" altLang="zh-CN" dirty="0">
+              <a:latin typeface="Times New Roman" panose="02020603050405020304" pitchFamily="18" charset="0"/>
+              <a:cs typeface="Times New Roman" panose="02020603050405020304" pitchFamily="18" charset="0"/>
+            </a:endParaRPr>
+          </a:p>
+          <a:p>
+            <a:pPr marL="285750" indent="-285750">
+              <a:buFont typeface="Arial" panose="020B0604020202020204" pitchFamily="34" charset="0"/>
+              <a:buChar char="•"/>
+            </a:pPr>
+            <a:r>
+              <a:rPr lang="en-US" altLang="zh-CN" dirty="0">
+                <a:latin typeface="Times New Roman" panose="02020603050405020304" pitchFamily="18" charset="0"/>
+                <a:cs typeface="Times New Roman" panose="02020603050405020304" pitchFamily="18" charset="0"/>
+              </a:rPr>
+              <a:t>Right value</a:t>
+            </a:r>
+            <a:endParaRPr lang="en-US" altLang="zh-CN" dirty="0">
+              <a:latin typeface="Times New Roman" panose="02020603050405020304" pitchFamily="18" charset="0"/>
+              <a:cs typeface="Times New Roman" panose="02020603050405020304" pitchFamily="18" charset="0"/>
+            </a:endParaRPr>
+          </a:p>
+          <a:p>
+            <a:r>
+              <a:rPr lang="en-US" altLang="zh-CN" dirty="0">
+                <a:latin typeface="Times New Roman" panose="02020603050405020304" pitchFamily="18" charset="0"/>
+                <a:cs typeface="Times New Roman" panose="02020603050405020304" pitchFamily="18" charset="0"/>
+              </a:rPr>
+              <a:t>When variable is used in expression</a:t>
+            </a:r>
+            <a:endParaRPr lang="en-US" altLang="zh-CN" dirty="0">
+              <a:latin typeface="Times New Roman" panose="02020603050405020304" pitchFamily="18" charset="0"/>
+              <a:cs typeface="Times New Roman" panose="02020603050405020304" pitchFamily="18" charset="0"/>
+            </a:endParaRPr>
+          </a:p>
+          <a:p>
+            <a:pPr marL="285750" indent="-285750">
+              <a:buFont typeface="Arial" panose="020B0604020202020204" pitchFamily="34" charset="0"/>
+              <a:buChar char="•"/>
+            </a:pPr>
+            <a:endParaRPr lang="zh-CN" altLang="en-US" dirty="0">
+              <a:latin typeface="Times New Roman" panose="02020603050405020304" pitchFamily="18" charset="0"/>
+              <a:cs typeface="Times New Roman" panose="02020603050405020304" pitchFamily="18" charset="0"/>
+            </a:endParaRPr>
+          </a:p>
+        </p:txBody>
+      </p:sp>
+    </p:spTree>
+  </p:cSld>
+  <p:clrMapOvr>
+    <a:masterClrMapping/>
+  </p:clrMapOvr>
+</p:sld>
+</file>
+
+<file path=ppt/slides/slide11.xml><?xml version="1.0" encoding="utf-8"?>
+<p:sld xmlns:a="http://schemas.openxmlformats.org/drawingml/2006/main" xmlns:r="http://schemas.openxmlformats.org/officeDocument/2006/relationships" xmlns:p="http://schemas.openxmlformats.org/presentationml/2006/main">
+  <p:cSld>
+    <p:spTree>
+      <p:nvGrpSpPr>
+        <p:cNvPr id="1" name=""/>
+        <p:cNvGrpSpPr/>
+        <p:nvPr/>
+      </p:nvGrpSpPr>
+      <p:grpSpPr>
+        <a:xfrm>
+          <a:off x="0" y="0"/>
+          <a:ext cx="0" cy="0"/>
+          <a:chOff x="0" y="0"/>
+          <a:chExt cx="0" cy="0"/>
+        </a:xfrm>
+      </p:grpSpPr>
+      <p:sp>
+        <p:nvSpPr>
+          <p:cNvPr id="2" name="标题 1"/>
+          <p:cNvSpPr>
+            <a:spLocks noGrp="1"/>
+          </p:cNvSpPr>
+          <p:nvPr>
+            <p:ph type="title"/>
+          </p:nvPr>
+        </p:nvSpPr>
+        <p:spPr/>
+        <p:txBody>
+          <a:bodyPr/>
+          <a:lstStyle/>
+          <a:p>
+            <a:r>
+              <a:rPr lang="en-US" altLang="zh-CN" dirty="0">
+                <a:latin typeface="Times New Roman" panose="02020603050405020304" pitchFamily="18" charset="0"/>
+                <a:cs typeface="Times New Roman" panose="02020603050405020304" pitchFamily="18" charset="0"/>
+              </a:rPr>
+              <a:t>Expression</a:t>
+            </a:r>
+            <a:endParaRPr lang="zh-CN" altLang="en-US" dirty="0">
+              <a:latin typeface="Times New Roman" panose="02020603050405020304" pitchFamily="18" charset="0"/>
+              <a:cs typeface="Times New Roman" panose="02020603050405020304" pitchFamily="18" charset="0"/>
+            </a:endParaRPr>
+          </a:p>
+        </p:txBody>
+      </p:sp>
+      <p:sp>
+        <p:nvSpPr>
+          <p:cNvPr id="3" name="内容占位符 2"/>
+          <p:cNvSpPr>
+            <a:spLocks noGrp="1"/>
+          </p:cNvSpPr>
+          <p:nvPr>
+            <p:ph idx="1"/>
+          </p:nvPr>
+        </p:nvSpPr>
+        <p:spPr/>
+        <p:txBody>
+          <a:bodyPr>
+            <a:normAutofit/>
+          </a:bodyPr>
+          <a:lstStyle/>
+          <a:p>
+            <a:r>
+              <a:rPr lang="en-US" altLang="zh-CN" sz="2600" dirty="0">
+                <a:latin typeface="Times New Roman" panose="02020603050405020304" pitchFamily="18" charset="0"/>
+                <a:cs typeface="Times New Roman" panose="02020603050405020304" pitchFamily="18" charset="0"/>
+              </a:rPr>
+              <a:t>Constant</a:t>
+            </a:r>
+            <a:endParaRPr lang="en-US" altLang="zh-CN" sz="2600" dirty="0">
+              <a:latin typeface="Times New Roman" panose="02020603050405020304" pitchFamily="18" charset="0"/>
+              <a:cs typeface="Times New Roman" panose="02020603050405020304" pitchFamily="18" charset="0"/>
+            </a:endParaRPr>
+          </a:p>
+          <a:p>
+            <a:r>
+              <a:rPr lang="en-US" altLang="zh-CN" sz="2600" dirty="0">
+                <a:latin typeface="Times New Roman" panose="02020603050405020304" pitchFamily="18" charset="0"/>
+                <a:cs typeface="Times New Roman" panose="02020603050405020304" pitchFamily="18" charset="0"/>
+              </a:rPr>
+              <a:t>Unary Operation</a:t>
+            </a:r>
+            <a:endParaRPr lang="en-US" altLang="zh-CN" sz="2600" dirty="0">
+              <a:latin typeface="Times New Roman" panose="02020603050405020304" pitchFamily="18" charset="0"/>
+              <a:cs typeface="Times New Roman" panose="02020603050405020304" pitchFamily="18" charset="0"/>
+            </a:endParaRPr>
+          </a:p>
+          <a:p>
+            <a:r>
+              <a:rPr lang="en-US" altLang="zh-CN" sz="2600" dirty="0">
+                <a:latin typeface="Times New Roman" panose="02020603050405020304" pitchFamily="18" charset="0"/>
+                <a:cs typeface="Times New Roman" panose="02020603050405020304" pitchFamily="18" charset="0"/>
+              </a:rPr>
+              <a:t>Binary Operation</a:t>
+            </a:r>
+            <a:endParaRPr lang="en-US" altLang="zh-CN" sz="2600" dirty="0">
+              <a:latin typeface="Times New Roman" panose="02020603050405020304" pitchFamily="18" charset="0"/>
+              <a:cs typeface="Times New Roman" panose="02020603050405020304" pitchFamily="18" charset="0"/>
+            </a:endParaRPr>
+          </a:p>
+          <a:p>
+            <a:r>
+              <a:rPr lang="en-US" altLang="zh-CN" sz="2600" dirty="0">
+                <a:latin typeface="Times New Roman" panose="02020603050405020304" pitchFamily="18" charset="0"/>
+                <a:cs typeface="Times New Roman" panose="02020603050405020304" pitchFamily="18" charset="0"/>
+              </a:rPr>
+              <a:t>Function Call</a:t>
+            </a:r>
+            <a:endParaRPr lang="en-US" altLang="zh-CN" sz="2600" dirty="0">
+              <a:latin typeface="Times New Roman" panose="02020603050405020304" pitchFamily="18" charset="0"/>
+              <a:cs typeface="Times New Roman" panose="02020603050405020304" pitchFamily="18" charset="0"/>
+            </a:endParaRPr>
+          </a:p>
+        </p:txBody>
+      </p:sp>
+      <p:sp>
+        <p:nvSpPr>
+          <p:cNvPr id="4" name="日期占位符 3"/>
+          <p:cNvSpPr>
+            <a:spLocks noGrp="1"/>
+          </p:cNvSpPr>
+          <p:nvPr>
+            <p:ph type="dt" sz="half" idx="10"/>
+          </p:nvPr>
+        </p:nvSpPr>
+        <p:spPr/>
+        <p:txBody>
+          <a:bodyPr/>
+          <a:lstStyle/>
+          <a:p>
+            <a:pPr rtl="0"/>
+            <a:fld id="{EC8522D7-EFCA-4FFE-9E22-1E10BFEE0AEF}" type="datetime1">
+              <a:rPr lang="zh-CN" altLang="en-US" smtClean="0"/>
+            </a:fld>
+            <a:endParaRPr lang="en-US" dirty="0"/>
+          </a:p>
+        </p:txBody>
+      </p:sp>
+    </p:spTree>
+  </p:cSld>
+  <p:clrMapOvr>
+    <a:masterClrMapping/>
+  </p:clrMapOvr>
+</p:sld>
+</file>
+
+<file path=ppt/slides/slide12.xml><?xml version="1.0" encoding="utf-8"?>
+<p:sld xmlns:a="http://schemas.openxmlformats.org/drawingml/2006/main" xmlns:r="http://schemas.openxmlformats.org/officeDocument/2006/relationships" xmlns:p="http://schemas.openxmlformats.org/presentationml/2006/main">
+  <p:cSld>
+    <p:spTree>
+      <p:nvGrpSpPr>
+        <p:cNvPr id="1" name=""/>
+        <p:cNvGrpSpPr/>
+        <p:nvPr/>
+      </p:nvGrpSpPr>
+      <p:grpSpPr>
+        <a:xfrm>
+          <a:off x="0" y="0"/>
+          <a:ext cx="0" cy="0"/>
+          <a:chOff x="0" y="0"/>
+          <a:chExt cx="0" cy="0"/>
+        </a:xfrm>
+      </p:grpSpPr>
+      <p:sp>
+        <p:nvSpPr>
+          <p:cNvPr id="2" name="标题 1"/>
+          <p:cNvSpPr>
+            <a:spLocks noGrp="1"/>
+          </p:cNvSpPr>
+          <p:nvPr>
+            <p:ph type="title"/>
+          </p:nvPr>
+        </p:nvSpPr>
+        <p:spPr/>
+        <p:txBody>
+          <a:bodyPr/>
+          <a:lstStyle/>
+          <a:p>
+            <a:r>
+              <a:rPr lang="en-US" altLang="zh-CN" dirty="0">
+                <a:latin typeface="Times New Roman" panose="02020603050405020304" pitchFamily="18" charset="0"/>
+                <a:cs typeface="Times New Roman" panose="02020603050405020304" pitchFamily="18" charset="0"/>
+              </a:rPr>
+              <a:t>Branch</a:t>
+            </a:r>
+            <a:endParaRPr lang="zh-CN" altLang="en-US" dirty="0">
+              <a:latin typeface="Times New Roman" panose="02020603050405020304" pitchFamily="18" charset="0"/>
+              <a:cs typeface="Times New Roman" panose="02020603050405020304" pitchFamily="18" charset="0"/>
+            </a:endParaRPr>
+          </a:p>
+        </p:txBody>
+      </p:sp>
+      <p:sp>
+        <p:nvSpPr>
+          <p:cNvPr id="4" name="日期占位符 3"/>
+          <p:cNvSpPr>
+            <a:spLocks noGrp="1"/>
+          </p:cNvSpPr>
+          <p:nvPr>
+            <p:ph type="dt" sz="half" idx="10"/>
+          </p:nvPr>
+        </p:nvSpPr>
+        <p:spPr/>
+        <p:txBody>
+          <a:bodyPr/>
+          <a:lstStyle/>
+          <a:p>
+            <a:pPr rtl="0"/>
+            <a:fld id="{1BC6B719-D237-47DB-9548-FD2E80FEB817}" type="datetime1">
+              <a:rPr lang="zh-CN" altLang="en-US" smtClean="0"/>
+            </a:fld>
+            <a:endParaRPr lang="en-US" dirty="0"/>
+          </a:p>
+        </p:txBody>
+      </p:sp>
+      <p:sp>
+        <p:nvSpPr>
+          <p:cNvPr id="44" name="文本框 43"/>
+          <p:cNvSpPr txBox="1"/>
+          <p:nvPr/>
+        </p:nvSpPr>
+        <p:spPr>
+          <a:xfrm>
+            <a:off x="1097279" y="2206150"/>
+            <a:ext cx="7736681" cy="1200329"/>
+          </a:xfrm>
+          <a:prstGeom prst="rect">
+            <a:avLst/>
+          </a:prstGeom>
+          <a:noFill/>
+        </p:spPr>
+        <p:txBody>
+          <a:bodyPr wrap="square" rtlCol="0">
+            <a:spAutoFit/>
+          </a:bodyPr>
+          <a:lstStyle/>
+          <a:p>
+            <a:r>
+              <a:rPr lang="en-US" altLang="zh-CN" sz="2400" dirty="0">
+                <a:latin typeface="Times New Roman" panose="02020603050405020304" pitchFamily="18" charset="0"/>
+                <a:cs typeface="Times New Roman" panose="02020603050405020304" pitchFamily="18" charset="0"/>
+              </a:rPr>
+              <a:t>if(…){…}else{…}</a:t>
+            </a:r>
+            <a:endParaRPr lang="en-US" altLang="zh-CN" sz="2400" dirty="0">
+              <a:latin typeface="Times New Roman" panose="02020603050405020304" pitchFamily="18" charset="0"/>
+              <a:cs typeface="Times New Roman" panose="02020603050405020304" pitchFamily="18" charset="0"/>
+            </a:endParaRPr>
+          </a:p>
+          <a:p>
+            <a:r>
+              <a:rPr lang="en-US" altLang="zh-CN" sz="2400" dirty="0">
+                <a:latin typeface="Times New Roman" panose="02020603050405020304" pitchFamily="18" charset="0"/>
+                <a:cs typeface="Times New Roman" panose="02020603050405020304" pitchFamily="18" charset="0"/>
+              </a:rPr>
+              <a:t>while(…){…} </a:t>
+            </a:r>
+            <a:endParaRPr lang="en-US" altLang="zh-CN" sz="2400" dirty="0">
+              <a:latin typeface="Times New Roman" panose="02020603050405020304" pitchFamily="18" charset="0"/>
+              <a:cs typeface="Times New Roman" panose="02020603050405020304" pitchFamily="18" charset="0"/>
+            </a:endParaRPr>
+          </a:p>
+          <a:p>
+            <a:r>
+              <a:rPr lang="en-US" altLang="zh-CN" sz="2400" dirty="0">
+                <a:latin typeface="Times New Roman" panose="02020603050405020304" pitchFamily="18" charset="0"/>
+                <a:cs typeface="Times New Roman" panose="02020603050405020304" pitchFamily="18" charset="0"/>
+              </a:rPr>
+              <a:t>for(…;…;…){…}</a:t>
+            </a:r>
+            <a:endParaRPr lang="zh-CN" altLang="en-US" sz="2400" dirty="0">
+              <a:latin typeface="Times New Roman" panose="02020603050405020304" pitchFamily="18" charset="0"/>
+              <a:cs typeface="Times New Roman" panose="02020603050405020304" pitchFamily="18" charset="0"/>
+            </a:endParaRPr>
+          </a:p>
+        </p:txBody>
+      </p:sp>
+      <p:sp>
+        <p:nvSpPr>
+          <p:cNvPr id="45" name="文本框 44"/>
+          <p:cNvSpPr txBox="1"/>
+          <p:nvPr/>
+        </p:nvSpPr>
+        <p:spPr>
+          <a:xfrm>
+            <a:off x="1097279" y="3480751"/>
+            <a:ext cx="5107781" cy="1200329"/>
+          </a:xfrm>
+          <a:prstGeom prst="rect">
+            <a:avLst/>
+          </a:prstGeom>
+          <a:noFill/>
+        </p:spPr>
+        <p:txBody>
+          <a:bodyPr wrap="square" rtlCol="0">
+            <a:spAutoFit/>
+          </a:bodyPr>
+          <a:lstStyle/>
+          <a:p>
+            <a:r>
+              <a:rPr lang="en-US" altLang="zh-CN" sz="2400" dirty="0">
+                <a:latin typeface="Times New Roman" panose="02020603050405020304" pitchFamily="18" charset="0"/>
+                <a:cs typeface="Times New Roman" panose="02020603050405020304" pitchFamily="18" charset="0"/>
+              </a:rPr>
+              <a:t>return</a:t>
+            </a:r>
+            <a:endParaRPr lang="en-US" altLang="zh-CN" sz="2400" dirty="0">
+              <a:latin typeface="Times New Roman" panose="02020603050405020304" pitchFamily="18" charset="0"/>
+              <a:cs typeface="Times New Roman" panose="02020603050405020304" pitchFamily="18" charset="0"/>
+            </a:endParaRPr>
+          </a:p>
+          <a:p>
+            <a:r>
+              <a:rPr lang="en-US" altLang="zh-CN" sz="2400" dirty="0">
+                <a:latin typeface="Times New Roman" panose="02020603050405020304" pitchFamily="18" charset="0"/>
+                <a:cs typeface="Times New Roman" panose="02020603050405020304" pitchFamily="18" charset="0"/>
+              </a:rPr>
+              <a:t>break</a:t>
+            </a:r>
+            <a:endParaRPr lang="en-US" altLang="zh-CN" sz="2400" dirty="0">
+              <a:latin typeface="Times New Roman" panose="02020603050405020304" pitchFamily="18" charset="0"/>
+              <a:cs typeface="Times New Roman" panose="02020603050405020304" pitchFamily="18" charset="0"/>
+            </a:endParaRPr>
+          </a:p>
+          <a:p>
+            <a:r>
+              <a:rPr lang="en-US" altLang="zh-CN" sz="2400" dirty="0">
+                <a:latin typeface="Times New Roman" panose="02020603050405020304" pitchFamily="18" charset="0"/>
+                <a:cs typeface="Times New Roman" panose="02020603050405020304" pitchFamily="18" charset="0"/>
+              </a:rPr>
+              <a:t>continue</a:t>
+            </a:r>
+            <a:endParaRPr lang="zh-CN" altLang="en-US" sz="2400" dirty="0">
+              <a:latin typeface="Times New Roman" panose="02020603050405020304" pitchFamily="18" charset="0"/>
+              <a:cs typeface="Times New Roman" panose="02020603050405020304" pitchFamily="18" charset="0"/>
+            </a:endParaRPr>
+          </a:p>
+        </p:txBody>
+      </p:sp>
+    </p:spTree>
+  </p:cSld>
+  <p:clrMapOvr>
+    <a:masterClrMapping/>
+  </p:clrMapOvr>
+</p:sld>
+</file>
+
+<file path=ppt/slides/slide13.xml><?xml version="1.0" encoding="utf-8"?>
+<p:sld xmlns:a="http://schemas.openxmlformats.org/drawingml/2006/main" xmlns:r="http://schemas.openxmlformats.org/officeDocument/2006/relationships" xmlns:p="http://schemas.openxmlformats.org/presentationml/2006/main">
+  <p:cSld>
+    <p:spTree>
+      <p:nvGrpSpPr>
+        <p:cNvPr id="1" name=""/>
+        <p:cNvGrpSpPr/>
+        <p:nvPr/>
+      </p:nvGrpSpPr>
+      <p:grpSpPr>
+        <a:xfrm>
+          <a:off x="0" y="0"/>
+          <a:ext cx="0" cy="0"/>
+          <a:chOff x="0" y="0"/>
+          <a:chExt cx="0" cy="0"/>
+        </a:xfrm>
+      </p:grpSpPr>
+      <p:sp>
+        <p:nvSpPr>
+          <p:cNvPr id="2" name="标题 1"/>
+          <p:cNvSpPr>
+            <a:spLocks noGrp="1"/>
+          </p:cNvSpPr>
+          <p:nvPr>
+            <p:ph type="title"/>
+          </p:nvPr>
+        </p:nvSpPr>
+        <p:spPr/>
+        <p:txBody>
+          <a:bodyPr/>
+          <a:lstStyle/>
+          <a:p>
+            <a:r>
+              <a:rPr lang="en-US" altLang="zh-CN" dirty="0">
+                <a:latin typeface="Times New Roman" panose="02020603050405020304" pitchFamily="18" charset="0"/>
+                <a:cs typeface="Times New Roman" panose="02020603050405020304" pitchFamily="18" charset="0"/>
+              </a:rPr>
+              <a:t>Type casting</a:t>
+            </a:r>
+            <a:endParaRPr lang="zh-CN" altLang="en-US" dirty="0">
+              <a:latin typeface="Times New Roman" panose="02020603050405020304" pitchFamily="18" charset="0"/>
+              <a:cs typeface="Times New Roman" panose="02020603050405020304" pitchFamily="18" charset="0"/>
+            </a:endParaRPr>
+          </a:p>
+        </p:txBody>
+      </p:sp>
+      <p:sp>
+        <p:nvSpPr>
+          <p:cNvPr id="3" name="内容占位符 2"/>
+          <p:cNvSpPr>
+            <a:spLocks noGrp="1"/>
+          </p:cNvSpPr>
+          <p:nvPr>
+            <p:ph idx="1"/>
+          </p:nvPr>
+        </p:nvSpPr>
+        <p:spPr>
+          <a:xfrm>
+            <a:off x="1097279" y="2211654"/>
+            <a:ext cx="4167665" cy="2281766"/>
+          </a:xfrm>
+        </p:spPr>
+        <p:txBody>
+          <a:bodyPr>
+            <a:normAutofit/>
+          </a:bodyPr>
+          <a:lstStyle/>
+          <a:p>
+            <a:pPr marL="0"/>
+            <a:r>
+              <a:rPr lang="en-US" altLang="zh-CN" sz="2400" dirty="0">
+                <a:latin typeface="Times New Roman" panose="02020603050405020304" pitchFamily="18" charset="0"/>
+                <a:cs typeface="Times New Roman" panose="02020603050405020304" pitchFamily="18" charset="0"/>
+              </a:rPr>
+              <a:t>int </a:t>
+            </a:r>
+            <a:r>
+              <a:rPr lang="en-US" altLang="zh-CN" sz="2400" dirty="0">
+                <a:latin typeface="Times New Roman" panose="02020603050405020304" pitchFamily="18" charset="0"/>
+                <a:cs typeface="Times New Roman" panose="02020603050405020304" pitchFamily="18" charset="0"/>
+                <a:sym typeface="Wingdings" panose="05000000000000000000" pitchFamily="2" charset="2"/>
+              </a:rPr>
+              <a:t> float</a:t>
+            </a:r>
+            <a:endParaRPr lang="en-US" altLang="zh-CN" sz="2400" dirty="0">
+              <a:latin typeface="Times New Roman" panose="02020603050405020304" pitchFamily="18" charset="0"/>
+              <a:cs typeface="Times New Roman" panose="02020603050405020304" pitchFamily="18" charset="0"/>
+              <a:sym typeface="Wingdings" panose="05000000000000000000" pitchFamily="2" charset="2"/>
+            </a:endParaRPr>
+          </a:p>
+          <a:p>
+            <a:pPr marL="0"/>
+            <a:r>
+              <a:rPr lang="en-US" altLang="zh-CN" sz="2400" dirty="0">
+                <a:solidFill>
+                  <a:schemeClr val="tx1"/>
+                </a:solidFill>
+                <a:latin typeface="Times New Roman" panose="02020603050405020304" pitchFamily="18" charset="0"/>
+                <a:ea typeface="+mn-ea"/>
+                <a:cs typeface="Times New Roman" panose="02020603050405020304" pitchFamily="18" charset="0"/>
+              </a:rPr>
+              <a:t>float </a:t>
+            </a:r>
+            <a:r>
+              <a:rPr lang="en-US" altLang="zh-CN" sz="2400" dirty="0">
+                <a:solidFill>
+                  <a:schemeClr val="tx1"/>
+                </a:solidFill>
+                <a:latin typeface="Times New Roman" panose="02020603050405020304" pitchFamily="18" charset="0"/>
+                <a:ea typeface="+mn-ea"/>
+                <a:cs typeface="Times New Roman" panose="02020603050405020304" pitchFamily="18" charset="0"/>
+                <a:sym typeface="Wingdings" panose="05000000000000000000" pitchFamily="2" charset="2"/>
+              </a:rPr>
+              <a:t> int</a:t>
+            </a:r>
+            <a:endParaRPr lang="en-US" altLang="zh-CN" sz="2400" dirty="0">
+              <a:solidFill>
+                <a:schemeClr val="tx1"/>
+              </a:solidFill>
+              <a:latin typeface="Times New Roman" panose="02020603050405020304" pitchFamily="18" charset="0"/>
+              <a:ea typeface="+mn-ea"/>
+              <a:cs typeface="Times New Roman" panose="02020603050405020304" pitchFamily="18" charset="0"/>
+              <a:sym typeface="Wingdings" panose="05000000000000000000" pitchFamily="2" charset="2"/>
+            </a:endParaRPr>
+          </a:p>
+          <a:p>
+            <a:pPr marL="0"/>
+            <a:r>
+              <a:rPr lang="en-US" altLang="zh-CN" sz="2400" dirty="0">
+                <a:solidFill>
+                  <a:schemeClr val="tx1"/>
+                </a:solidFill>
+                <a:latin typeface="Times New Roman" panose="02020603050405020304" pitchFamily="18" charset="0"/>
+                <a:ea typeface="+mn-ea"/>
+                <a:cs typeface="Times New Roman" panose="02020603050405020304" pitchFamily="18" charset="0"/>
+              </a:rPr>
+              <a:t>char </a:t>
+            </a:r>
+            <a:r>
+              <a:rPr lang="en-US" altLang="zh-CN" sz="2400" dirty="0">
+                <a:solidFill>
+                  <a:schemeClr val="tx1"/>
+                </a:solidFill>
+                <a:latin typeface="Times New Roman" panose="02020603050405020304" pitchFamily="18" charset="0"/>
+                <a:ea typeface="+mn-ea"/>
+                <a:cs typeface="Times New Roman" panose="02020603050405020304" pitchFamily="18" charset="0"/>
+                <a:sym typeface="Wingdings" panose="05000000000000000000" pitchFamily="2" charset="2"/>
+              </a:rPr>
+              <a:t> int</a:t>
+            </a:r>
+            <a:endParaRPr lang="en-US" altLang="zh-CN" sz="2400" dirty="0">
+              <a:solidFill>
+                <a:schemeClr val="tx1"/>
+              </a:solidFill>
+              <a:latin typeface="Times New Roman" panose="02020603050405020304" pitchFamily="18" charset="0"/>
+              <a:ea typeface="+mn-ea"/>
+              <a:cs typeface="Times New Roman" panose="02020603050405020304" pitchFamily="18" charset="0"/>
+              <a:sym typeface="Wingdings" panose="05000000000000000000" pitchFamily="2" charset="2"/>
+            </a:endParaRPr>
+          </a:p>
+          <a:p>
+            <a:pPr marL="0"/>
+            <a:r>
+              <a:rPr lang="en-US" altLang="zh-CN" sz="2400" dirty="0">
+                <a:solidFill>
+                  <a:schemeClr val="tx1"/>
+                </a:solidFill>
+                <a:latin typeface="Times New Roman" panose="02020603050405020304" pitchFamily="18" charset="0"/>
+                <a:ea typeface="+mn-ea"/>
+                <a:cs typeface="Times New Roman" panose="02020603050405020304" pitchFamily="18" charset="0"/>
+              </a:rPr>
+              <a:t>int </a:t>
+            </a:r>
+            <a:r>
+              <a:rPr lang="en-US" altLang="zh-CN" sz="2400" dirty="0">
+                <a:solidFill>
+                  <a:schemeClr val="tx1"/>
+                </a:solidFill>
+                <a:latin typeface="Times New Roman" panose="02020603050405020304" pitchFamily="18" charset="0"/>
+                <a:ea typeface="+mn-ea"/>
+                <a:cs typeface="Times New Roman" panose="02020603050405020304" pitchFamily="18" charset="0"/>
+                <a:sym typeface="Wingdings" panose="05000000000000000000" pitchFamily="2" charset="2"/>
+              </a:rPr>
+              <a:t> char</a:t>
+            </a:r>
+            <a:endParaRPr lang="en-US" altLang="zh-CN" sz="2400" dirty="0">
+              <a:solidFill>
+                <a:schemeClr val="tx1"/>
+              </a:solidFill>
+              <a:latin typeface="Times New Roman" panose="02020603050405020304" pitchFamily="18" charset="0"/>
+              <a:ea typeface="+mn-ea"/>
+              <a:cs typeface="Times New Roman" panose="02020603050405020304" pitchFamily="18" charset="0"/>
+              <a:sym typeface="Wingdings" panose="05000000000000000000" pitchFamily="2" charset="2"/>
+            </a:endParaRPr>
+          </a:p>
+          <a:p>
+            <a:pPr marL="0"/>
+            <a:endParaRPr lang="en-US" altLang="zh-CN" sz="2400" dirty="0">
+              <a:solidFill>
+                <a:schemeClr val="tx1"/>
+              </a:solidFill>
+              <a:latin typeface="Times New Roman" panose="02020603050405020304" pitchFamily="18" charset="0"/>
+              <a:ea typeface="+mn-ea"/>
+              <a:cs typeface="Times New Roman" panose="02020603050405020304" pitchFamily="18" charset="0"/>
+            </a:endParaRPr>
+          </a:p>
+        </p:txBody>
+      </p:sp>
+      <p:sp>
+        <p:nvSpPr>
+          <p:cNvPr id="4" name="日期占位符 3"/>
+          <p:cNvSpPr>
+            <a:spLocks noGrp="1"/>
+          </p:cNvSpPr>
+          <p:nvPr>
+            <p:ph type="dt" sz="half" idx="10"/>
+          </p:nvPr>
+        </p:nvSpPr>
+        <p:spPr/>
+        <p:txBody>
+          <a:bodyPr/>
+          <a:lstStyle/>
+          <a:p>
+            <a:pPr rtl="0"/>
+            <a:fld id="{98E48062-3D2F-442F-8123-E9030484F7D0}" type="datetime1">
+              <a:rPr lang="zh-CN" altLang="en-US" smtClean="0"/>
+            </a:fld>
+            <a:endParaRPr lang="en-US" dirty="0"/>
+          </a:p>
+        </p:txBody>
+      </p:sp>
+      <p:sp>
+        <p:nvSpPr>
+          <p:cNvPr id="5" name="文本框 4"/>
+          <p:cNvSpPr txBox="1"/>
+          <p:nvPr/>
+        </p:nvSpPr>
+        <p:spPr>
+          <a:xfrm>
+            <a:off x="4607719" y="2371725"/>
+            <a:ext cx="6547961" cy="3200400"/>
+          </a:xfrm>
+          <a:prstGeom prst="rect">
+            <a:avLst/>
+          </a:prstGeom>
+          <a:noFill/>
+        </p:spPr>
+        <p:txBody>
+          <a:bodyPr wrap="square" rtlCol="0">
+            <a:spAutoFit/>
+          </a:bodyPr>
+          <a:lstStyle/>
+          <a:p>
+            <a:endParaRPr lang="zh-CN" altLang="en-US" dirty="0"/>
+          </a:p>
+        </p:txBody>
+      </p:sp>
+      <p:pic>
+        <p:nvPicPr>
+          <p:cNvPr id="6" name="图片 5"/>
+          <p:cNvPicPr>
+            <a:picLocks noChangeAspect="1"/>
+          </p:cNvPicPr>
+          <p:nvPr/>
+        </p:nvPicPr>
+        <p:blipFill>
+          <a:blip r:embed="rId1"/>
+          <a:stretch>
+            <a:fillRect/>
+          </a:stretch>
+        </p:blipFill>
+        <p:spPr>
+          <a:xfrm>
+            <a:off x="4324009" y="2100077"/>
+            <a:ext cx="4887007" cy="2657846"/>
+          </a:xfrm>
+          <a:prstGeom prst="rect">
+            <a:avLst/>
+          </a:prstGeom>
+        </p:spPr>
+      </p:pic>
+    </p:spTree>
+  </p:cSld>
+  <p:clrMapOvr>
+    <a:masterClrMapping/>
+  </p:clrMapOvr>
+</p:sld>
+</file>
+
+<file path=ppt/slides/slide14.xml><?xml version="1.0" encoding="utf-8"?>
+<p:sld xmlns:a="http://schemas.openxmlformats.org/drawingml/2006/main" xmlns:r="http://schemas.openxmlformats.org/officeDocument/2006/relationships" xmlns:p="http://schemas.openxmlformats.org/presentationml/2006/main">
+  <p:cSld>
+    <p:spTree>
+      <p:nvGrpSpPr>
+        <p:cNvPr id="1" name=""/>
+        <p:cNvGrpSpPr/>
+        <p:nvPr/>
+      </p:nvGrpSpPr>
+      <p:grpSpPr>
+        <a:xfrm>
+          <a:off x="0" y="0"/>
+          <a:ext cx="0" cy="0"/>
+          <a:chOff x="0" y="0"/>
+          <a:chExt cx="0" cy="0"/>
+        </a:xfrm>
+      </p:grpSpPr>
+      <p:sp>
+        <p:nvSpPr>
+          <p:cNvPr id="4" name="日期占位符 3"/>
+          <p:cNvSpPr>
+            <a:spLocks noGrp="1"/>
+          </p:cNvSpPr>
+          <p:nvPr>
+            <p:ph type="dt" sz="half" idx="10"/>
+          </p:nvPr>
+        </p:nvSpPr>
+        <p:spPr/>
+        <p:txBody>
+          <a:bodyPr/>
+          <a:lstStyle/>
+          <a:p>
+            <a:pPr rtl="0"/>
+            <a:fld id="{EBBBF7B6-0F4E-4D33-9DB6-855D68F6661F}" type="datetime1">
+              <a:rPr lang="zh-CN" altLang="en-US" smtClean="0"/>
+            </a:fld>
+            <a:endParaRPr lang="en-US" dirty="0"/>
+          </a:p>
+        </p:txBody>
+      </p:sp>
+      <p:pic>
+        <p:nvPicPr>
+          <p:cNvPr id="3" name="图片 2"/>
+          <p:cNvPicPr>
+            <a:picLocks noChangeAspect="1"/>
+          </p:cNvPicPr>
+          <p:nvPr>
+            <p:custDataLst>
+              <p:tags r:id="rId1"/>
+            </p:custDataLst>
+          </p:nvPr>
+        </p:nvPicPr>
+        <p:blipFill>
+          <a:blip r:embed="rId2"/>
+          <a:stretch>
+            <a:fillRect/>
+          </a:stretch>
+        </p:blipFill>
+        <p:spPr>
+          <a:xfrm>
+            <a:off x="1158875" y="2065655"/>
+            <a:ext cx="4327525" cy="3932555"/>
+          </a:xfrm>
+          <a:prstGeom prst="rect">
+            <a:avLst/>
+          </a:prstGeom>
+        </p:spPr>
+      </p:pic>
+      <p:pic>
+        <p:nvPicPr>
+          <p:cNvPr id="6" name="图片 5"/>
+          <p:cNvPicPr>
+            <a:picLocks noChangeAspect="1"/>
+          </p:cNvPicPr>
+          <p:nvPr/>
+        </p:nvPicPr>
+        <p:blipFill>
+          <a:blip r:embed="rId3"/>
+          <a:stretch>
+            <a:fillRect/>
+          </a:stretch>
+        </p:blipFill>
+        <p:spPr>
+          <a:xfrm>
+            <a:off x="5720715" y="2281555"/>
+            <a:ext cx="5434965" cy="3500755"/>
+          </a:xfrm>
+          <a:prstGeom prst="rect">
+            <a:avLst/>
+          </a:prstGeom>
+        </p:spPr>
+      </p:pic>
+      <p:sp>
+        <p:nvSpPr>
+          <p:cNvPr id="5" name="标题 1"/>
+          <p:cNvSpPr>
+            <a:spLocks noGrp="1"/>
+          </p:cNvSpPr>
+          <p:nvPr/>
+        </p:nvSpPr>
+        <p:spPr>
+          <a:xfrm>
+            <a:off x="1097280" y="286603"/>
+            <a:ext cx="10058400" cy="1450757"/>
+          </a:xfrm>
+          <a:prstGeom prst="rect">
+            <a:avLst/>
+          </a:prstGeom>
+        </p:spPr>
+        <p:txBody>
+          <a:bodyPr vert="horz" lIns="91440" tIns="45720" rIns="91440" bIns="45720" rtlCol="0" anchor="b">
+            <a:normAutofit/>
+          </a:bodyPr>
+          <a:lstStyle>
+            <a:lvl1pPr algn="l" defTabSz="914400" rtl="0" eaLnBrk="1" latinLnBrk="0" hangingPunct="1">
+              <a:lnSpc>
+                <a:spcPct val="90000"/>
+              </a:lnSpc>
+              <a:spcBef>
+                <a:spcPct val="0"/>
+              </a:spcBef>
+              <a:buNone/>
+              <a:defRPr sz="4700" i="0" kern="1200" spc="-50" baseline="0">
+                <a:solidFill>
+                  <a:schemeClr val="tx1">
+                    <a:lumMod val="75000"/>
+                    <a:lumOff val="25000"/>
+                  </a:schemeClr>
+                </a:solidFill>
+                <a:latin typeface="新宋体" panose="02010609030101010101" pitchFamily="49" charset="-122"/>
+                <a:ea typeface="新宋体" panose="02010609030101010101" pitchFamily="49" charset="-122"/>
+                <a:cs typeface="+mj-cs"/>
+              </a:defRPr>
+            </a:lvl1pPr>
+          </a:lstStyle>
+          <a:p>
+            <a:r>
+              <a:rPr lang="en-US" altLang="zh-CN" dirty="0">
+                <a:latin typeface="Times New Roman" panose="02020603050405020304" pitchFamily="18" charset="0"/>
+                <a:cs typeface="Times New Roman" panose="02020603050405020304" pitchFamily="18" charset="0"/>
+                <a:sym typeface="+mn-ea"/>
+              </a:rPr>
+              <a:t>Some Test Sample and Results</a:t>
+            </a:r>
+            <a:endParaRPr lang="zh-CN" altLang="en-US" dirty="0">
+              <a:latin typeface="Times New Roman" panose="02020603050405020304" pitchFamily="18" charset="0"/>
+              <a:cs typeface="Times New Roman" panose="02020603050405020304" pitchFamily="18" charset="0"/>
+            </a:endParaRPr>
+          </a:p>
+        </p:txBody>
+      </p:sp>
+    </p:spTree>
+  </p:cSld>
+  <p:clrMapOvr>
+    <a:masterClrMapping/>
+  </p:clrMapOvr>
+</p:sld>
+</file>
+
+<file path=ppt/slides/slide15.xml><?xml version="1.0" encoding="utf-8"?>
+<p:sld xmlns:a="http://schemas.openxmlformats.org/drawingml/2006/main" xmlns:r="http://schemas.openxmlformats.org/officeDocument/2006/relationships" xmlns:p="http://schemas.openxmlformats.org/presentationml/2006/main">
+  <p:cSld>
+    <p:spTree>
+      <p:nvGrpSpPr>
+        <p:cNvPr id="1" name=""/>
+        <p:cNvGrpSpPr/>
+        <p:nvPr/>
+      </p:nvGrpSpPr>
+      <p:grpSpPr>
+        <a:xfrm>
+          <a:off x="0" y="0"/>
+          <a:ext cx="0" cy="0"/>
+          <a:chOff x="0" y="0"/>
+          <a:chExt cx="0" cy="0"/>
+        </a:xfrm>
+      </p:grpSpPr>
+      <p:sp>
+        <p:nvSpPr>
+          <p:cNvPr id="4" name="日期占位符 3"/>
+          <p:cNvSpPr>
+            <a:spLocks noGrp="1"/>
+          </p:cNvSpPr>
+          <p:nvPr>
+            <p:ph type="dt" sz="half" idx="10"/>
+          </p:nvPr>
+        </p:nvSpPr>
+        <p:spPr/>
+        <p:txBody>
+          <a:bodyPr/>
+          <a:lstStyle/>
+          <a:p>
+            <a:pPr rtl="0"/>
+            <a:fld id="{EBBBF7B6-0F4E-4D33-9DB6-855D68F6661F}" type="datetime1">
+              <a:rPr lang="zh-CN" altLang="en-US" smtClean="0"/>
+            </a:fld>
+            <a:endParaRPr lang="en-US" dirty="0"/>
+          </a:p>
+        </p:txBody>
+      </p:sp>
+      <p:pic>
+        <p:nvPicPr>
+          <p:cNvPr id="5" name="图片 4"/>
+          <p:cNvPicPr>
+            <a:picLocks noChangeAspect="1"/>
+          </p:cNvPicPr>
+          <p:nvPr/>
+        </p:nvPicPr>
+        <p:blipFill>
+          <a:blip r:embed="rId1"/>
+          <a:stretch>
+            <a:fillRect/>
+          </a:stretch>
+        </p:blipFill>
+        <p:spPr>
+          <a:xfrm>
+            <a:off x="1198245" y="2021840"/>
+            <a:ext cx="6179820" cy="3783965"/>
+          </a:xfrm>
+          <a:prstGeom prst="rect">
+            <a:avLst/>
+          </a:prstGeom>
+        </p:spPr>
+      </p:pic>
+      <p:sp>
+        <p:nvSpPr>
+          <p:cNvPr id="3" name="Text Box 2"/>
+          <p:cNvSpPr txBox="1"/>
+          <p:nvPr/>
+        </p:nvSpPr>
+        <p:spPr>
+          <a:xfrm>
+            <a:off x="9693275" y="1892300"/>
+            <a:ext cx="309880" cy="368300"/>
+          </a:xfrm>
+          <a:prstGeom prst="rect">
+            <a:avLst/>
+          </a:prstGeom>
+          <a:noFill/>
+        </p:spPr>
+        <p:txBody>
+          <a:bodyPr wrap="none" rtlCol="0">
+            <a:spAutoFit/>
+          </a:bodyPr>
+          <a:p>
+            <a:endParaRPr lang="en-US"/>
+          </a:p>
+        </p:txBody>
+      </p:sp>
+      <p:sp>
+        <p:nvSpPr>
+          <p:cNvPr id="10" name="标题 1"/>
+          <p:cNvSpPr>
+            <a:spLocks noGrp="1"/>
+          </p:cNvSpPr>
+          <p:nvPr/>
+        </p:nvSpPr>
+        <p:spPr>
+          <a:xfrm>
+            <a:off x="1097280" y="286603"/>
+            <a:ext cx="10058400" cy="1450757"/>
+          </a:xfrm>
+          <a:prstGeom prst="rect">
+            <a:avLst/>
+          </a:prstGeom>
+        </p:spPr>
+        <p:txBody>
+          <a:bodyPr vert="horz" lIns="91440" tIns="45720" rIns="91440" bIns="45720" rtlCol="0" anchor="b">
+            <a:normAutofit/>
+          </a:bodyPr>
+          <a:lstStyle>
+            <a:lvl1pPr algn="l" defTabSz="914400" rtl="0" eaLnBrk="1" latinLnBrk="0" hangingPunct="1">
+              <a:lnSpc>
+                <a:spcPct val="90000"/>
+              </a:lnSpc>
+              <a:spcBef>
+                <a:spcPct val="0"/>
+              </a:spcBef>
+              <a:buNone/>
+              <a:defRPr sz="4700" i="0" kern="1200" spc="-50" baseline="0">
+                <a:solidFill>
+                  <a:schemeClr val="tx1">
+                    <a:lumMod val="75000"/>
+                    <a:lumOff val="25000"/>
+                  </a:schemeClr>
+                </a:solidFill>
+                <a:latin typeface="新宋体" panose="02010609030101010101" pitchFamily="49" charset="-122"/>
+                <a:ea typeface="新宋体" panose="02010609030101010101" pitchFamily="49" charset="-122"/>
+                <a:cs typeface="+mj-cs"/>
+              </a:defRPr>
+            </a:lvl1pPr>
+          </a:lstStyle>
+          <a:p>
+            <a:r>
+              <a:rPr lang="en-US" altLang="zh-CN" dirty="0">
+                <a:latin typeface="Times New Roman" panose="02020603050405020304" pitchFamily="18" charset="0"/>
+                <a:cs typeface="Times New Roman" panose="02020603050405020304" pitchFamily="18" charset="0"/>
+                <a:sym typeface="+mn-ea"/>
+              </a:rPr>
+              <a:t>Some Test Sample and Results</a:t>
+            </a:r>
+            <a:endParaRPr lang="zh-CN" altLang="en-US" dirty="0">
+              <a:latin typeface="Times New Roman" panose="02020603050405020304" pitchFamily="18" charset="0"/>
+              <a:cs typeface="Times New Roman" panose="02020603050405020304" pitchFamily="18" charset="0"/>
+            </a:endParaRPr>
+          </a:p>
+        </p:txBody>
+      </p:sp>
+    </p:spTree>
+  </p:cSld>
+  <p:clrMapOvr>
+    <a:masterClrMapping/>
+  </p:clrMapOvr>
+</p:sld>
+</file>
+
+<file path=ppt/slides/slide16.xml><?xml version="1.0" encoding="utf-8"?>
+<p:sld xmlns:a="http://schemas.openxmlformats.org/drawingml/2006/main" xmlns:r="http://schemas.openxmlformats.org/officeDocument/2006/relationships" xmlns:p="http://schemas.openxmlformats.org/presentationml/2006/main">
+  <p:cSld>
+    <p:spTree>
+      <p:nvGrpSpPr>
+        <p:cNvPr id="1" name=""/>
+        <p:cNvGrpSpPr/>
+        <p:nvPr/>
+      </p:nvGrpSpPr>
+      <p:grpSpPr>
+        <a:xfrm>
+          <a:off x="0" y="0"/>
+          <a:ext cx="0" cy="0"/>
+          <a:chOff x="0" y="0"/>
+          <a:chExt cx="0" cy="0"/>
+        </a:xfrm>
+      </p:grpSpPr>
+      <p:sp>
+        <p:nvSpPr>
+          <p:cNvPr id="4" name="日期占位符 3"/>
+          <p:cNvSpPr>
+            <a:spLocks noGrp="1"/>
+          </p:cNvSpPr>
+          <p:nvPr>
+            <p:ph type="dt" sz="half" idx="10"/>
+          </p:nvPr>
+        </p:nvSpPr>
+        <p:spPr/>
+        <p:txBody>
+          <a:bodyPr/>
+          <a:lstStyle/>
+          <a:p>
+            <a:pPr rtl="0"/>
+            <a:fld id="{EBBBF7B6-0F4E-4D33-9DB6-855D68F6661F}" type="datetime1">
+              <a:rPr lang="zh-CN" altLang="en-US" smtClean="0"/>
+            </a:fld>
+            <a:endParaRPr lang="en-US" dirty="0"/>
+          </a:p>
+        </p:txBody>
+      </p:sp>
+      <p:pic>
+        <p:nvPicPr>
+          <p:cNvPr id="7" name="图片 6">
+            <a:hlinkClick r:id="rId1" action="ppaction://hlinkfile"/>
+          </p:cNvPr>
+          <p:cNvPicPr>
+            <a:picLocks noChangeAspect="1"/>
+          </p:cNvPicPr>
+          <p:nvPr/>
+        </p:nvPicPr>
+        <p:blipFill>
+          <a:blip r:embed="rId2"/>
+          <a:stretch>
+            <a:fillRect/>
+          </a:stretch>
+        </p:blipFill>
+        <p:spPr>
+          <a:xfrm>
+            <a:off x="1299845" y="2130425"/>
+            <a:ext cx="3406140" cy="2708275"/>
+          </a:xfrm>
+          <a:prstGeom prst="rect">
+            <a:avLst/>
+          </a:prstGeom>
+        </p:spPr>
+      </p:pic>
+      <p:sp>
+        <p:nvSpPr>
+          <p:cNvPr id="5" name="标题 1"/>
+          <p:cNvSpPr>
+            <a:spLocks noGrp="1"/>
+          </p:cNvSpPr>
+          <p:nvPr/>
+        </p:nvSpPr>
+        <p:spPr>
+          <a:xfrm>
+            <a:off x="1097280" y="286603"/>
+            <a:ext cx="10058400" cy="1450757"/>
+          </a:xfrm>
+          <a:prstGeom prst="rect">
+            <a:avLst/>
+          </a:prstGeom>
+        </p:spPr>
+        <p:txBody>
+          <a:bodyPr vert="horz" lIns="91440" tIns="45720" rIns="91440" bIns="45720" rtlCol="0" anchor="b">
+            <a:normAutofit/>
+          </a:bodyPr>
+          <a:lstStyle>
+            <a:lvl1pPr algn="l" defTabSz="914400" rtl="0" eaLnBrk="1" latinLnBrk="0" hangingPunct="1">
+              <a:lnSpc>
+                <a:spcPct val="90000"/>
+              </a:lnSpc>
+              <a:spcBef>
+                <a:spcPct val="0"/>
+              </a:spcBef>
+              <a:buNone/>
+              <a:defRPr sz="4700" i="0" kern="1200" spc="-50" baseline="0">
+                <a:solidFill>
+                  <a:schemeClr val="tx1">
+                    <a:lumMod val="75000"/>
+                    <a:lumOff val="25000"/>
+                  </a:schemeClr>
+                </a:solidFill>
+                <a:latin typeface="新宋体" panose="02010609030101010101" pitchFamily="49" charset="-122"/>
+                <a:ea typeface="新宋体" panose="02010609030101010101" pitchFamily="49" charset="-122"/>
+                <a:cs typeface="+mj-cs"/>
+              </a:defRPr>
+            </a:lvl1pPr>
+          </a:lstStyle>
+          <a:p>
+            <a:r>
+              <a:rPr lang="en-US" altLang="zh-CN" dirty="0">
+                <a:latin typeface="Times New Roman" panose="02020603050405020304" pitchFamily="18" charset="0"/>
+                <a:cs typeface="Times New Roman" panose="02020603050405020304" pitchFamily="18" charset="0"/>
+                <a:sym typeface="+mn-ea"/>
+              </a:rPr>
+              <a:t>AST Visualization</a:t>
+            </a:r>
+            <a:endParaRPr lang="zh-CN" altLang="en-US" dirty="0">
+              <a:latin typeface="Times New Roman" panose="02020603050405020304" pitchFamily="18" charset="0"/>
+              <a:cs typeface="Times New Roman" panose="02020603050405020304" pitchFamily="18" charset="0"/>
+            </a:endParaRPr>
+          </a:p>
+        </p:txBody>
+      </p:sp>
+    </p:spTree>
+  </p:cSld>
+  <p:clrMapOvr>
+    <a:masterClrMapping/>
+  </p:clrMapOvr>
+</p:sld>
+</file>
+
+<file path=ppt/slides/slide17.xml><?xml version="1.0" encoding="utf-8"?>
+<p:sld xmlns:a="http://schemas.openxmlformats.org/drawingml/2006/main" xmlns:r="http://schemas.openxmlformats.org/officeDocument/2006/relationships" xmlns:p="http://schemas.openxmlformats.org/presentationml/2006/main">
+  <p:cSld>
+    <p:spTree>
+      <p:nvGrpSpPr>
+        <p:cNvPr id="1" name=""/>
+        <p:cNvGrpSpPr/>
+        <p:nvPr/>
+      </p:nvGrpSpPr>
+      <p:grpSpPr>
+        <a:xfrm>
+          <a:off x="0" y="0"/>
+          <a:ext cx="0" cy="0"/>
+          <a:chOff x="0" y="0"/>
+          <a:chExt cx="0" cy="0"/>
+        </a:xfrm>
+      </p:grpSpPr>
+      <p:sp>
+        <p:nvSpPr>
+          <p:cNvPr id="2" name="标题 1"/>
+          <p:cNvSpPr>
+            <a:spLocks noGrp="1"/>
+          </p:cNvSpPr>
+          <p:nvPr>
+            <p:ph type="title"/>
+          </p:nvPr>
+        </p:nvSpPr>
+        <p:spPr/>
+        <p:txBody>
+          <a:bodyPr/>
+          <a:lstStyle/>
+          <a:p>
+            <a:r>
+              <a:rPr lang="en-US" altLang="zh-CN" dirty="0">
+                <a:latin typeface="Times New Roman" panose="02020603050405020304" pitchFamily="18" charset="0"/>
+                <a:cs typeface="Times New Roman" panose="02020603050405020304" pitchFamily="18" charset="0"/>
+              </a:rPr>
+              <a:t>Thanks</a:t>
+            </a:r>
+            <a:endParaRPr lang="zh-CN" altLang="en-US" dirty="0">
+              <a:latin typeface="Times New Roman" panose="02020603050405020304" pitchFamily="18" charset="0"/>
+              <a:cs typeface="Times New Roman" panose="02020603050405020304" pitchFamily="18" charset="0"/>
+            </a:endParaRPr>
+          </a:p>
+        </p:txBody>
+      </p:sp>
+      <p:sp>
+        <p:nvSpPr>
+          <p:cNvPr id="4" name="日期占位符 3"/>
+          <p:cNvSpPr>
+            <a:spLocks noGrp="1"/>
+          </p:cNvSpPr>
+          <p:nvPr>
+            <p:ph type="dt" sz="half" idx="10"/>
+          </p:nvPr>
+        </p:nvSpPr>
+        <p:spPr/>
+        <p:txBody>
+          <a:bodyPr/>
+          <a:lstStyle/>
+          <a:p>
+            <a:pPr rtl="0"/>
+            <a:fld id="{73DC7586-D071-4E96-8A3C-DCED39D863C1}" type="datetime1">
+              <a:rPr lang="zh-CN" altLang="en-US" smtClean="0"/>
+            </a:fld>
+            <a:endParaRPr lang="en-US" dirty="0"/>
+          </a:p>
+        </p:txBody>
+      </p:sp>
+    </p:spTree>
   </p:cSld>
   <p:clrMapOvr>
     <a:masterClrMapping/>
@@ -4779,13 +5838,7 @@
       </p:grpSpPr>
       <p:sp>
         <p:nvSpPr>
-          <p:cNvPr id="2" name="标题 1">
-            <a:extLst>
-              <a:ext uri="{FF2B5EF4-FFF2-40B4-BE49-F238E27FC236}">
-                <a16:creationId xmlns:a16="http://schemas.microsoft.com/office/drawing/2014/main" id="{6771CDC4-6755-436C-9CFE-883A6F42285D}"/>
-              </a:ext>
-            </a:extLst>
-          </p:cNvPr>
+          <p:cNvPr id="2" name="标题 1"/>
           <p:cNvSpPr>
             <a:spLocks noGrp="1"/>
           </p:cNvSpPr>
@@ -4814,13 +5867,7 @@
       </p:sp>
       <p:sp>
         <p:nvSpPr>
-          <p:cNvPr id="3" name="内容占位符 2">
-            <a:extLst>
-              <a:ext uri="{FF2B5EF4-FFF2-40B4-BE49-F238E27FC236}">
-                <a16:creationId xmlns:a16="http://schemas.microsoft.com/office/drawing/2014/main" id="{9B90DC4F-6306-4246-A176-7AB00A3498F4}"/>
-              </a:ext>
-            </a:extLst>
-          </p:cNvPr>
+          <p:cNvPr id="3" name="内容占位符 2"/>
           <p:cNvSpPr>
             <a:spLocks noGrp="1"/>
           </p:cNvSpPr>
@@ -4888,6 +5935,10 @@
               </a:rPr>
               <a:t>Reserved words:</a:t>
             </a:r>
+            <a:endParaRPr lang="en-US" altLang="zh-CN" sz="1800" dirty="0">
+              <a:latin typeface="Times New Roman" panose="02020603050405020304" pitchFamily="18" charset="0"/>
+              <a:cs typeface="Times New Roman" panose="02020603050405020304" pitchFamily="18" charset="0"/>
+            </a:endParaRPr>
           </a:p>
           <a:p>
             <a:pPr lvl="1"/>
@@ -4898,6 +5949,10 @@
               </a:rPr>
               <a:t>char ,int ,float ,void ,</a:t>
             </a:r>
+            <a:endParaRPr lang="en-US" altLang="zh-CN" sz="1600" dirty="0">
+              <a:latin typeface="Times New Roman" panose="02020603050405020304" pitchFamily="18" charset="0"/>
+              <a:cs typeface="Times New Roman" panose="02020603050405020304" pitchFamily="18" charset="0"/>
+            </a:endParaRPr>
           </a:p>
           <a:p>
             <a:pPr lvl="1"/>
@@ -4908,6 +5963,10 @@
               </a:rPr>
               <a:t>if ,else ,for ,while ,</a:t>
             </a:r>
+            <a:endParaRPr lang="en-US" altLang="zh-CN" sz="1600" dirty="0">
+              <a:latin typeface="Times New Roman" panose="02020603050405020304" pitchFamily="18" charset="0"/>
+              <a:cs typeface="Times New Roman" panose="02020603050405020304" pitchFamily="18" charset="0"/>
+            </a:endParaRPr>
           </a:p>
           <a:p>
             <a:pPr lvl="1"/>
@@ -4931,24 +5990,22 @@
               </a:rPr>
               <a:t>Global declaration</a:t>
             </a:r>
-          </a:p>
-          <a:p>
             <a:endParaRPr lang="en-US" altLang="zh-CN" sz="1800" dirty="0">
               <a:latin typeface="Times New Roman" panose="02020603050405020304" pitchFamily="18" charset="0"/>
               <a:cs typeface="Times New Roman" panose="02020603050405020304" pitchFamily="18" charset="0"/>
             </a:endParaRPr>
           </a:p>
-        </p:txBody>
-      </p:sp>
-      <p:sp>
-        <p:nvSpPr>
-          <p:cNvPr id="4" name="日期占位符 3">
-            <a:extLst>
-              <a:ext uri="{FF2B5EF4-FFF2-40B4-BE49-F238E27FC236}">
-                <a16:creationId xmlns:a16="http://schemas.microsoft.com/office/drawing/2014/main" id="{BE21D691-19F9-4730-BEA7-AD16C560C59A}"/>
-              </a:ext>
-            </a:extLst>
-          </p:cNvPr>
+          <a:p>
+            <a:endParaRPr lang="en-US" altLang="zh-CN" sz="1800" dirty="0">
+              <a:latin typeface="Times New Roman" panose="02020603050405020304" pitchFamily="18" charset="0"/>
+              <a:cs typeface="Times New Roman" panose="02020603050405020304" pitchFamily="18" charset="0"/>
+            </a:endParaRPr>
+          </a:p>
+        </p:txBody>
+      </p:sp>
+      <p:sp>
+        <p:nvSpPr>
+          <p:cNvPr id="4" name="日期占位符 3"/>
           <p:cNvSpPr>
             <a:spLocks noGrp="1"/>
           </p:cNvSpPr>
@@ -4964,7 +6021,6 @@
             <a:pPr rtl="0"/>
             <a:fld id="{BB1CC466-CCAC-4194-BBF5-3F531B488EE8}" type="datetime1">
               <a:rPr lang="zh-CN" altLang="en-US" smtClean="0"/>
-              <a:t>2022/6/8</a:t>
             </a:fld>
             <a:endParaRPr lang="en-US" dirty="0"/>
           </a:p>
@@ -4972,13 +6028,7 @@
       </p:sp>
       <p:cxnSp>
         <p:nvCxnSpPr>
-          <p:cNvPr id="7" name="直接连接符 6">
-            <a:extLst>
-              <a:ext uri="{FF2B5EF4-FFF2-40B4-BE49-F238E27FC236}">
-                <a16:creationId xmlns:a16="http://schemas.microsoft.com/office/drawing/2014/main" id="{2883D919-5520-475B-ACC6-129E447C2B94}"/>
-              </a:ext>
-            </a:extLst>
-          </p:cNvPr>
+          <p:cNvPr id="7" name="直接连接符 6"/>
           <p:cNvCxnSpPr/>
           <p:nvPr/>
         </p:nvCxnSpPr>
@@ -5008,16 +6058,8 @@
       </p:cxnSp>
       <p:sp>
         <p:nvSpPr>
-          <p:cNvPr id="8" name="内容占位符 2">
-            <a:extLst>
-              <a:ext uri="{FF2B5EF4-FFF2-40B4-BE49-F238E27FC236}">
-                <a16:creationId xmlns:a16="http://schemas.microsoft.com/office/drawing/2014/main" id="{706B47BC-1D52-4DB2-89DC-06E697C90352}"/>
-              </a:ext>
-            </a:extLst>
-          </p:cNvPr>
-          <p:cNvSpPr txBox="1">
-            <a:spLocks/>
-          </p:cNvSpPr>
+          <p:cNvPr id="8" name="内容占位符 2"/>
+          <p:cNvSpPr txBox="1"/>
           <p:nvPr/>
         </p:nvSpPr>
         <p:spPr>
@@ -5062,7 +6104,7 @@
                 <a:cs typeface="+mn-cs"/>
               </a:defRPr>
             </a:lvl1pPr>
-            <a:lvl2pPr marL="384048" indent="-182880" algn="l" defTabSz="914400" rtl="0" eaLnBrk="1" latinLnBrk="0" hangingPunct="1">
+            <a:lvl2pPr marL="384175" indent="-182880" algn="l" defTabSz="914400" rtl="0" eaLnBrk="1" latinLnBrk="0" hangingPunct="1">
               <a:lnSpc>
                 <a:spcPct val="100000"/>
               </a:lnSpc>
@@ -5073,7 +6115,7 @@
                 <a:spcPts val="400"/>
               </a:spcAft>
               <a:buClrTx/>
-              <a:buFont typeface="Calibri" pitchFamily="34" charset="0"/>
+              <a:buFont typeface="Calibri" panose="020F0502020204030204" pitchFamily="34" charset="0"/>
               <a:buChar char="◦"/>
               <a:defRPr sz="1700" kern="1200">
                 <a:solidFill>
@@ -5087,7 +6129,7 @@
                 <a:cs typeface="+mn-cs"/>
               </a:defRPr>
             </a:lvl2pPr>
-            <a:lvl3pPr marL="566928" indent="-182880" algn="l" defTabSz="914400" rtl="0" eaLnBrk="1" latinLnBrk="0" hangingPunct="1">
+            <a:lvl3pPr marL="567055" indent="-182880" algn="l" defTabSz="914400" rtl="0" eaLnBrk="1" latinLnBrk="0" hangingPunct="1">
               <a:lnSpc>
                 <a:spcPct val="100000"/>
               </a:lnSpc>
@@ -5098,7 +6140,7 @@
                 <a:spcPts val="400"/>
               </a:spcAft>
               <a:buClrTx/>
-              <a:buFont typeface="Calibri" pitchFamily="34" charset="0"/>
+              <a:buFont typeface="Calibri" panose="020F0502020204030204" pitchFamily="34" charset="0"/>
               <a:buChar char="◦"/>
               <a:defRPr sz="1300" kern="1200">
                 <a:solidFill>
@@ -5112,7 +6154,7 @@
                 <a:cs typeface="+mn-cs"/>
               </a:defRPr>
             </a:lvl3pPr>
-            <a:lvl4pPr marL="749808" indent="-182880" algn="l" defTabSz="914400" rtl="0" eaLnBrk="1" latinLnBrk="0" hangingPunct="1">
+            <a:lvl4pPr marL="749935" indent="-182880" algn="l" defTabSz="914400" rtl="0" eaLnBrk="1" latinLnBrk="0" hangingPunct="1">
               <a:lnSpc>
                 <a:spcPct val="100000"/>
               </a:lnSpc>
@@ -5123,7 +6165,7 @@
                 <a:spcPts val="400"/>
               </a:spcAft>
               <a:buClrTx/>
-              <a:buFont typeface="Calibri" pitchFamily="34" charset="0"/>
+              <a:buFont typeface="Calibri" panose="020F0502020204030204" pitchFamily="34" charset="0"/>
               <a:buChar char="◦"/>
               <a:defRPr sz="1300" kern="1200">
                 <a:solidFill>
@@ -5137,7 +6179,7 @@
                 <a:cs typeface="+mn-cs"/>
               </a:defRPr>
             </a:lvl4pPr>
-            <a:lvl5pPr marL="932688" indent="-182880" algn="l" defTabSz="914400" rtl="0" eaLnBrk="1" latinLnBrk="0" hangingPunct="1">
+            <a:lvl5pPr marL="932815" indent="-182880" algn="l" defTabSz="914400" rtl="0" eaLnBrk="1" latinLnBrk="0" hangingPunct="1">
               <a:lnSpc>
                 <a:spcPct val="100000"/>
               </a:lnSpc>
@@ -5148,7 +6190,7 @@
                 <a:spcPts val="400"/>
               </a:spcAft>
               <a:buClrTx/>
-              <a:buFont typeface="Calibri" pitchFamily="34" charset="0"/>
+              <a:buFont typeface="Calibri" panose="020F0502020204030204" pitchFamily="34" charset="0"/>
               <a:buChar char="◦"/>
               <a:defRPr sz="1300" kern="1200">
                 <a:solidFill>
@@ -5162,7 +6204,7 @@
                 <a:cs typeface="+mn-cs"/>
               </a:defRPr>
             </a:lvl5pPr>
-            <a:lvl6pPr marL="1100000" indent="-228600" algn="l" defTabSz="914400" rtl="0" eaLnBrk="1" latinLnBrk="0" hangingPunct="1">
+            <a:lvl6pPr marL="1099820" indent="-228600" algn="l" defTabSz="914400" rtl="0" eaLnBrk="1" latinLnBrk="0" hangingPunct="1">
               <a:lnSpc>
                 <a:spcPct val="90000"/>
               </a:lnSpc>
@@ -5175,7 +6217,7 @@
               <a:buClr>
                 <a:schemeClr val="accent1"/>
               </a:buClr>
-              <a:buFont typeface="Calibri" pitchFamily="34" charset="0"/>
+              <a:buFont typeface="Calibri" panose="020F0502020204030204" pitchFamily="34" charset="0"/>
               <a:buChar char="◦"/>
               <a:defRPr sz="1400" kern="1200">
                 <a:solidFill>
@@ -5189,7 +6231,7 @@
                 <a:cs typeface="+mn-cs"/>
               </a:defRPr>
             </a:lvl6pPr>
-            <a:lvl7pPr marL="1300000" indent="-228600" algn="l" defTabSz="914400" rtl="0" eaLnBrk="1" latinLnBrk="0" hangingPunct="1">
+            <a:lvl7pPr marL="1299845" indent="-228600" algn="l" defTabSz="914400" rtl="0" eaLnBrk="1" latinLnBrk="0" hangingPunct="1">
               <a:lnSpc>
                 <a:spcPct val="90000"/>
               </a:lnSpc>
@@ -5202,7 +6244,7 @@
               <a:buClr>
                 <a:schemeClr val="accent1"/>
               </a:buClr>
-              <a:buFont typeface="Calibri" pitchFamily="34" charset="0"/>
+              <a:buFont typeface="Calibri" panose="020F0502020204030204" pitchFamily="34" charset="0"/>
               <a:buChar char="◦"/>
               <a:defRPr sz="1400" kern="1200">
                 <a:solidFill>
@@ -5216,7 +6258,7 @@
                 <a:cs typeface="+mn-cs"/>
               </a:defRPr>
             </a:lvl7pPr>
-            <a:lvl8pPr marL="1500000" indent="-228600" algn="l" defTabSz="914400" rtl="0" eaLnBrk="1" latinLnBrk="0" hangingPunct="1">
+            <a:lvl8pPr marL="1499870" indent="-228600" algn="l" defTabSz="914400" rtl="0" eaLnBrk="1" latinLnBrk="0" hangingPunct="1">
               <a:lnSpc>
                 <a:spcPct val="90000"/>
               </a:lnSpc>
@@ -5229,7 +6271,7 @@
               <a:buClr>
                 <a:schemeClr val="accent1"/>
               </a:buClr>
-              <a:buFont typeface="Calibri" pitchFamily="34" charset="0"/>
+              <a:buFont typeface="Calibri" panose="020F0502020204030204" pitchFamily="34" charset="0"/>
               <a:buChar char="◦"/>
               <a:defRPr sz="1400" kern="1200">
                 <a:solidFill>
@@ -5243,7 +6285,7 @@
                 <a:cs typeface="+mn-cs"/>
               </a:defRPr>
             </a:lvl8pPr>
-            <a:lvl9pPr marL="1700000" indent="-228600" algn="l" defTabSz="914400" rtl="0" eaLnBrk="1" latinLnBrk="0" hangingPunct="1">
+            <a:lvl9pPr marL="1699895" indent="-228600" algn="l" defTabSz="914400" rtl="0" eaLnBrk="1" latinLnBrk="0" hangingPunct="1">
               <a:lnSpc>
                 <a:spcPct val="90000"/>
               </a:lnSpc>
@@ -5256,7 +6298,7 @@
               <a:buClr>
                 <a:schemeClr val="accent1"/>
               </a:buClr>
-              <a:buFont typeface="Calibri" pitchFamily="34" charset="0"/>
+              <a:buFont typeface="Calibri" panose="020F0502020204030204" pitchFamily="34" charset="0"/>
               <a:buChar char="◦"/>
               <a:defRPr sz="1400" kern="1200">
                 <a:solidFill>
@@ -5320,6 +6362,10 @@
               </a:rPr>
               <a:t>Pointer</a:t>
             </a:r>
+            <a:endParaRPr lang="en-US" altLang="zh-CN" sz="1800" dirty="0">
+              <a:latin typeface="Times New Roman" panose="02020603050405020304" pitchFamily="18" charset="0"/>
+              <a:cs typeface="Times New Roman" panose="02020603050405020304" pitchFamily="18" charset="0"/>
+            </a:endParaRPr>
           </a:p>
           <a:p>
             <a:r>
@@ -5329,6 +6375,10 @@
               </a:rPr>
               <a:t>Array’s initialized declaration</a:t>
             </a:r>
+            <a:endParaRPr lang="en-US" altLang="zh-CN" sz="1800" dirty="0">
+              <a:latin typeface="Times New Roman" panose="02020603050405020304" pitchFamily="18" charset="0"/>
+              <a:cs typeface="Times New Roman" panose="02020603050405020304" pitchFamily="18" charset="0"/>
+            </a:endParaRPr>
           </a:p>
           <a:p>
             <a:r>
@@ -5338,6 +6388,10 @@
               </a:rPr>
               <a:t>Nested declaration</a:t>
             </a:r>
+            <a:endParaRPr lang="en-US" altLang="zh-CN" sz="1800" dirty="0">
+              <a:latin typeface="Times New Roman" panose="02020603050405020304" pitchFamily="18" charset="0"/>
+              <a:cs typeface="Times New Roman" panose="02020603050405020304" pitchFamily="18" charset="0"/>
+            </a:endParaRPr>
           </a:p>
           <a:p>
             <a:r>
@@ -5355,11 +6409,6 @@
         </p:txBody>
       </p:sp>
     </p:spTree>
-    <p:extLst>
-      <p:ext uri="{BB962C8B-B14F-4D97-AF65-F5344CB8AC3E}">
-        <p14:creationId xmlns:p14="http://schemas.microsoft.com/office/powerpoint/2010/main" val="803378087"/>
-      </p:ext>
-    </p:extLst>
   </p:cSld>
   <p:clrMapOvr>
     <a:masterClrMapping/>
@@ -5394,26 +6443,11 @@
       </p:grpSpPr>
       <p:sp>
         <p:nvSpPr>
-          <p:cNvPr id="47" name="长方形 46">
-            <a:extLst>
-              <a:ext uri="{FF2B5EF4-FFF2-40B4-BE49-F238E27FC236}">
-                <a16:creationId xmlns:a16="http://schemas.microsoft.com/office/drawing/2014/main" id="{FBDCECDC-EEE3-4128-AA5E-82A8C08796E8}"/>
-              </a:ext>
-              <a:ext uri="{C183D7F6-B498-43B3-948B-1728B52AA6E4}">
-                <adec:decorative xmlns:adec="http://schemas.microsoft.com/office/drawing/2017/decorative" val="1"/>
-              </a:ext>
-            </a:extLst>
-          </p:cNvPr>
+          <p:cNvPr id="47" name="长方形 46"/>
           <p:cNvSpPr>
             <a:spLocks noGrp="1" noRot="1" noChangeAspect="1" noMove="1" noResize="1" noEditPoints="1" noAdjustHandles="1" noChangeArrowheads="1" noChangeShapeType="1" noTextEdit="1"/>
           </p:cNvSpPr>
-          <p:nvPr>
-            <p:extLst>
-              <p:ext uri="{386F3935-93C4-4BCD-93E2-E3B085C9AB24}">
-                <p16:designElem xmlns:p16="http://schemas.microsoft.com/office/powerpoint/2015/main" val="1"/>
-              </p:ext>
-            </p:extLst>
-          </p:nvPr>
+          <p:nvPr/>
         </p:nvSpPr>
         <p:spPr>
           <a:xfrm>
@@ -5457,13 +6491,7 @@
       </p:sp>
       <p:sp>
         <p:nvSpPr>
-          <p:cNvPr id="2" name="标题 1">
-            <a:extLst>
-              <a:ext uri="{FF2B5EF4-FFF2-40B4-BE49-F238E27FC236}">
-                <a16:creationId xmlns:a16="http://schemas.microsoft.com/office/drawing/2014/main" id="{9AB2EA78-AEB3-469B-9025-3B17201A457B}"/>
-              </a:ext>
-            </a:extLst>
-          </p:cNvPr>
+          <p:cNvPr id="2" name="标题 1"/>
           <p:cNvSpPr>
             <a:spLocks noGrp="1"/>
           </p:cNvSpPr>
@@ -5492,18 +6520,7 @@
                 <a:latin typeface="Times New Roman" panose="02020603050405020304" pitchFamily="18" charset="0"/>
                 <a:cs typeface="Times New Roman" panose="02020603050405020304" pitchFamily="18" charset="0"/>
               </a:rPr>
-              <a:t>G</a:t>
-            </a:r>
-            <a:r>
-              <a:rPr lang="en-US" altLang="zh-CN" sz="2500" b="0" i="0" dirty="0">
-                <a:solidFill>
-                  <a:srgbClr val="404040"/>
-                </a:solidFill>
-                <a:effectLst/>
-                <a:latin typeface="Times New Roman" panose="02020603050405020304" pitchFamily="18" charset="0"/>
-                <a:cs typeface="Times New Roman" panose="02020603050405020304" pitchFamily="18" charset="0"/>
-              </a:rPr>
-              <a:t>iven an AST, build the LLVM-IR code.</a:t>
+              <a:t>Input a stream of characters, and output tokens</a:t>
             </a:r>
             <a:br>
               <a:rPr lang="en-US" altLang="zh-CN" sz="2500" b="0" i="0" dirty="0">
@@ -5534,45 +6551,7 @@
                 <a:latin typeface="Times New Roman" panose="02020603050405020304" pitchFamily="18" charset="0"/>
                 <a:cs typeface="Times New Roman" panose="02020603050405020304" pitchFamily="18" charset="0"/>
               </a:rPr>
-              <a:t>Implement the instructions including variable’s addressing and valuing, expression and branch.</a:t>
-            </a:r>
-            <a:r>
-              <a:rPr lang="en-US" altLang="zh-CN" sz="2500" dirty="0">
-                <a:solidFill>
-                  <a:srgbClr val="404040"/>
-                </a:solidFill>
-                <a:latin typeface="Times New Roman" panose="02020603050405020304" pitchFamily="18" charset="0"/>
-                <a:cs typeface="Times New Roman" panose="02020603050405020304" pitchFamily="18" charset="0"/>
-              </a:rPr>
-              <a:t> </a:t>
-            </a:r>
-            <a:br>
-              <a:rPr lang="en-US" altLang="zh-CN" sz="2500" dirty="0">
-                <a:solidFill>
-                  <a:srgbClr val="404040"/>
-                </a:solidFill>
-                <a:latin typeface="Times New Roman" panose="02020603050405020304" pitchFamily="18" charset="0"/>
-                <a:cs typeface="Times New Roman" panose="02020603050405020304" pitchFamily="18" charset="0"/>
-              </a:rPr>
-            </a:br>
-            <a:br>
-              <a:rPr lang="en-US" altLang="zh-CN" sz="2500" dirty="0">
-                <a:solidFill>
-                  <a:srgbClr val="404040"/>
-                </a:solidFill>
-                <a:latin typeface="Times New Roman" panose="02020603050405020304" pitchFamily="18" charset="0"/>
-                <a:cs typeface="Times New Roman" panose="02020603050405020304" pitchFamily="18" charset="0"/>
-              </a:rPr>
-            </a:br>
-            <a:r>
-              <a:rPr lang="en-US" altLang="zh-CN" sz="2500" dirty="0">
-                <a:solidFill>
-                  <a:srgbClr val="404040"/>
-                </a:solidFill>
-                <a:latin typeface="Times New Roman" panose="02020603050405020304" pitchFamily="18" charset="0"/>
-                <a:cs typeface="Times New Roman" panose="02020603050405020304" pitchFamily="18" charset="0"/>
-              </a:rPr>
-              <a:t>Implement type casting within the scope of valid types.</a:t>
+              <a:t>Identify most keywords and identifiers in C language</a:t>
             </a:r>
             <a:br>
               <a:rPr lang="en-US" altLang="zh-CN" sz="2500" b="0" i="0" dirty="0">
@@ -5595,104 +6574,48 @@
               </a:rPr>
             </a:br>
             <a:r>
-              <a:rPr lang="en-US" altLang="zh-CN" sz="2500" b="0" i="0" dirty="0">
+              <a:rPr lang="en-US" altLang="zh-CN" sz="2500" b="0" i="0">
                 <a:solidFill>
                   <a:srgbClr val="404040"/>
                 </a:solidFill>
-                <a:effectLst/>
-                <a:latin typeface="Times New Roman" panose="02020603050405020304" pitchFamily="18" charset="0"/>
-                <a:cs typeface="Times New Roman" panose="02020603050405020304" pitchFamily="18" charset="0"/>
-              </a:rPr>
-              <a:t>Implement IO functions </a:t>
-            </a:r>
-            <a:r>
-              <a:rPr lang="en-US" altLang="zh-CN" sz="2500" b="0" i="0" dirty="0" err="1">
+                <a:latin typeface="Times New Roman" panose="02020603050405020304" pitchFamily="18" charset="0"/>
+                <a:cs typeface="Times New Roman" panose="02020603050405020304" pitchFamily="18" charset="0"/>
+              </a:rPr>
+              <a:t>Implement data type identification</a:t>
+            </a:r>
+            <a:br>
+              <a:rPr lang="en-US" altLang="zh-CN" sz="2500" b="0" i="0">
                 <a:solidFill>
                   <a:srgbClr val="404040"/>
                 </a:solidFill>
-                <a:effectLst/>
-                <a:latin typeface="Times New Roman" panose="02020603050405020304" pitchFamily="18" charset="0"/>
-                <a:cs typeface="Times New Roman" panose="02020603050405020304" pitchFamily="18" charset="0"/>
-              </a:rPr>
-              <a:t>printf</a:t>
-            </a:r>
-            <a:r>
-              <a:rPr lang="en-US" altLang="zh-CN" sz="2500" b="0" i="0" dirty="0">
+                <a:latin typeface="Times New Roman" panose="02020603050405020304" pitchFamily="18" charset="0"/>
+                <a:cs typeface="Times New Roman" panose="02020603050405020304" pitchFamily="18" charset="0"/>
+              </a:rPr>
+            </a:br>
+            <a:br>
+              <a:rPr lang="en-US" altLang="zh-CN" sz="2500" b="0" i="0">
                 <a:solidFill>
                   <a:srgbClr val="404040"/>
                 </a:solidFill>
-                <a:effectLst/>
-                <a:latin typeface="Times New Roman" panose="02020603050405020304" pitchFamily="18" charset="0"/>
-                <a:cs typeface="Times New Roman" panose="02020603050405020304" pitchFamily="18" charset="0"/>
-              </a:rPr>
-              <a:t>()</a:t>
-            </a:r>
-            <a:r>
-              <a:rPr lang="en-US" altLang="zh-CN" sz="2500" dirty="0">
+                <a:latin typeface="Times New Roman" panose="02020603050405020304" pitchFamily="18" charset="0"/>
+                <a:cs typeface="Times New Roman" panose="02020603050405020304" pitchFamily="18" charset="0"/>
+              </a:rPr>
+            </a:br>
+            <a:r>
+              <a:rPr lang="en-US" altLang="zh-CN" sz="2500" b="0" i="0">
                 <a:solidFill>
                   <a:srgbClr val="404040"/>
                 </a:solidFill>
                 <a:latin typeface="Times New Roman" panose="02020603050405020304" pitchFamily="18" charset="0"/>
                 <a:cs typeface="Times New Roman" panose="02020603050405020304" pitchFamily="18" charset="0"/>
               </a:rPr>
-              <a:t> and </a:t>
-            </a:r>
-            <a:r>
-              <a:rPr lang="en-US" altLang="zh-CN" sz="2500" dirty="0" err="1">
-                <a:solidFill>
-                  <a:srgbClr val="404040"/>
-                </a:solidFill>
-                <a:latin typeface="Times New Roman" panose="02020603050405020304" pitchFamily="18" charset="0"/>
-                <a:cs typeface="Times New Roman" panose="02020603050405020304" pitchFamily="18" charset="0"/>
-              </a:rPr>
-              <a:t>scanf</a:t>
-            </a:r>
-            <a:r>
-              <a:rPr lang="en-US" altLang="zh-CN" sz="2500" dirty="0">
-                <a:solidFill>
-                  <a:srgbClr val="404040"/>
-                </a:solidFill>
-                <a:latin typeface="Times New Roman" panose="02020603050405020304" pitchFamily="18" charset="0"/>
-                <a:cs typeface="Times New Roman" panose="02020603050405020304" pitchFamily="18" charset="0"/>
-              </a:rPr>
-              <a:t>() by </a:t>
-            </a:r>
-            <a:r>
-              <a:rPr lang="en-US" altLang="zh-CN" sz="2500" dirty="0" err="1">
-                <a:solidFill>
-                  <a:srgbClr val="404040"/>
-                </a:solidFill>
-                <a:latin typeface="Times New Roman" panose="02020603050405020304" pitchFamily="18" charset="0"/>
-                <a:cs typeface="Times New Roman" panose="02020603050405020304" pitchFamily="18" charset="0"/>
-              </a:rPr>
-              <a:t>llvm</a:t>
-            </a:r>
-            <a:r>
-              <a:rPr lang="en-US" altLang="zh-CN" sz="2500" dirty="0">
-                <a:solidFill>
-                  <a:srgbClr val="404040"/>
-                </a:solidFill>
-                <a:latin typeface="Times New Roman" panose="02020603050405020304" pitchFamily="18" charset="0"/>
-                <a:cs typeface="Times New Roman" panose="02020603050405020304" pitchFamily="18" charset="0"/>
-              </a:rPr>
-              <a:t>::Function::</a:t>
-            </a:r>
-            <a:r>
-              <a:rPr lang="en-US" altLang="zh-CN" sz="2500" dirty="0" err="1">
-                <a:solidFill>
-                  <a:srgbClr val="404040"/>
-                </a:solidFill>
-                <a:latin typeface="Times New Roman" panose="02020603050405020304" pitchFamily="18" charset="0"/>
-                <a:cs typeface="Times New Roman" panose="02020603050405020304" pitchFamily="18" charset="0"/>
-              </a:rPr>
-              <a:t>ExternalLinkage</a:t>
-            </a:r>
-            <a:endParaRPr lang="zh-cn" sz="2500" i="1" dirty="0">
+              <a:t>Generate AST leaf nodes for each token</a:t>
+            </a:r>
+            <a:endParaRPr lang="en-US" altLang="zh-CN" sz="2500" b="0" i="0">
               <a:solidFill>
-                <a:srgbClr val="FFFFFF"/>
+                <a:srgbClr val="404040"/>
               </a:solidFill>
               <a:latin typeface="Times New Roman" panose="02020603050405020304" pitchFamily="18" charset="0"/>
-              <a:ea typeface="楷体" panose="02010609060101010101" pitchFamily="49" charset="-122"/>
               <a:cs typeface="Times New Roman" panose="02020603050405020304" pitchFamily="18" charset="0"/>
             </a:endParaRPr>
           </a:p>
@@ -5700,26 +6623,11 @@
       </p:sp>
       <p:sp>
         <p:nvSpPr>
-          <p:cNvPr id="49" name="长方形 48">
-            <a:extLst>
-              <a:ext uri="{FF2B5EF4-FFF2-40B4-BE49-F238E27FC236}">
-                <a16:creationId xmlns:a16="http://schemas.microsoft.com/office/drawing/2014/main" id="{4260EDE0-989C-4E16-AF94-F652294D828E}"/>
-              </a:ext>
-              <a:ext uri="{C183D7F6-B498-43B3-948B-1728B52AA6E4}">
-                <adec:decorative xmlns:adec="http://schemas.microsoft.com/office/drawing/2017/decorative" val="1"/>
-              </a:ext>
-            </a:extLst>
-          </p:cNvPr>
+          <p:cNvPr id="49" name="长方形 48"/>
           <p:cNvSpPr>
             <a:spLocks noGrp="1" noRot="1" noChangeAspect="1" noMove="1" noResize="1" noEditPoints="1" noAdjustHandles="1" noChangeArrowheads="1" noChangeShapeType="1" noTextEdit="1"/>
           </p:cNvSpPr>
-          <p:nvPr>
-            <p:extLst>
-              <p:ext uri="{386F3935-93C4-4BCD-93E2-E3B085C9AB24}">
-                <p16:designElem xmlns:p16="http://schemas.microsoft.com/office/powerpoint/2015/main" val="1"/>
-              </p:ext>
-            </p:extLst>
-          </p:nvPr>
+          <p:nvPr/>
         </p:nvSpPr>
         <p:spPr bwMode="white">
           <a:xfrm>
@@ -5755,13 +6663,7 @@
       </p:sp>
       <p:sp>
         <p:nvSpPr>
-          <p:cNvPr id="3" name="副标题 2">
-            <a:extLst>
-              <a:ext uri="{FF2B5EF4-FFF2-40B4-BE49-F238E27FC236}">
-                <a16:creationId xmlns:a16="http://schemas.microsoft.com/office/drawing/2014/main" id="{255E1F2F-E259-4EA8-9FFD-3A10AF541859}"/>
-              </a:ext>
-            </a:extLst>
-          </p:cNvPr>
+          <p:cNvPr id="3" name="副标题 2"/>
           <p:cNvSpPr>
             <a:spLocks noGrp="1"/>
           </p:cNvSpPr>
@@ -5783,7 +6685,7 @@
           <a:p>
             <a:pPr rtl="0"/>
             <a:r>
-              <a:rPr lang="zh-cn" dirty="0">
+              <a:rPr lang="en-US" dirty="0">
                 <a:solidFill>
                   <a:srgbClr val="FFFFFF"/>
                 </a:solidFill>
@@ -5796,9 +6698,9 @@
                   <a:srgbClr val="FFFFFF"/>
                 </a:solidFill>
               </a:rPr>
-              <a:t>What to do in Sematic analysis</a:t>
-            </a:r>
-            <a:endParaRPr lang="zh-cn" dirty="0">
+              <a:t>What to do in Lexical analysis</a:t>
+            </a:r>
+            <a:endParaRPr lang="en-US" altLang="zh-CN" dirty="0">
               <a:solidFill>
                 <a:srgbClr val="FFFFFF"/>
               </a:solidFill>
@@ -5808,13 +6710,7 @@
       </p:sp>
       <p:sp>
         <p:nvSpPr>
-          <p:cNvPr id="4" name="日期占位符 3">
-            <a:extLst>
-              <a:ext uri="{FF2B5EF4-FFF2-40B4-BE49-F238E27FC236}">
-                <a16:creationId xmlns:a16="http://schemas.microsoft.com/office/drawing/2014/main" id="{0AFEB5E5-7447-40D9-B50F-6DBBD7919CA4}"/>
-              </a:ext>
-            </a:extLst>
-          </p:cNvPr>
+          <p:cNvPr id="4" name="日期占位符 3"/>
           <p:cNvSpPr>
             <a:spLocks noGrp="1"/>
           </p:cNvSpPr>
@@ -5830,18 +6726,12 @@
             <a:pPr rtl="0"/>
             <a:fld id="{313A56E2-689C-4C5A-A2F3-177CE92C4E29}" type="datetime1">
               <a:rPr lang="zh-CN" altLang="en-US" smtClean="0"/>
-              <a:t>2022/6/8</a:t>
             </a:fld>
             <a:endParaRPr lang="en-US" dirty="0"/>
           </a:p>
         </p:txBody>
       </p:sp>
     </p:spTree>
-    <p:extLst>
-      <p:ext uri="{BB962C8B-B14F-4D97-AF65-F5344CB8AC3E}">
-        <p14:creationId xmlns:p14="http://schemas.microsoft.com/office/powerpoint/2010/main" val="191714609"/>
-      </p:ext>
-    </p:extLst>
   </p:cSld>
   <p:clrMapOvr>
     <a:masterClrMapping/>
@@ -5868,13 +6758,7 @@
       </p:grpSpPr>
       <p:sp>
         <p:nvSpPr>
-          <p:cNvPr id="2" name="标题 1">
-            <a:extLst>
-              <a:ext uri="{FF2B5EF4-FFF2-40B4-BE49-F238E27FC236}">
-                <a16:creationId xmlns:a16="http://schemas.microsoft.com/office/drawing/2014/main" id="{8DF84C43-5914-48CA-9171-F99A786B24EE}"/>
-              </a:ext>
-            </a:extLst>
-          </p:cNvPr>
+          <p:cNvPr id="2" name="标题 1"/>
           <p:cNvSpPr>
             <a:spLocks noGrp="1"/>
           </p:cNvSpPr>
@@ -5889,10 +6773,15 @@
           <a:p>
             <a:r>
               <a:rPr lang="en-US" altLang="zh-CN" dirty="0">
-                <a:latin typeface="Times New Roman" panose="02020603050405020304" pitchFamily="18" charset="0"/>
-                <a:cs typeface="Times New Roman" panose="02020603050405020304" pitchFamily="18" charset="0"/>
-              </a:rPr>
-              <a:t>Variable</a:t>
+                <a:solidFill>
+                  <a:srgbClr val="404040"/>
+                </a:solidFill>
+                <a:effectLst/>
+                <a:latin typeface="Times New Roman" panose="02020603050405020304" pitchFamily="18" charset="0"/>
+                <a:cs typeface="Times New Roman" panose="02020603050405020304" pitchFamily="18" charset="0"/>
+                <a:sym typeface="+mn-ea"/>
+              </a:rPr>
+              <a:t>Keywords &amp; Identifiers</a:t>
             </a:r>
             <a:endParaRPr lang="zh-CN" altLang="en-US" dirty="0">
               <a:latin typeface="Times New Roman" panose="02020603050405020304" pitchFamily="18" charset="0"/>
@@ -5903,13 +6792,7 @@
       </p:sp>
       <p:sp>
         <p:nvSpPr>
-          <p:cNvPr id="4" name="日期占位符 3">
-            <a:extLst>
-              <a:ext uri="{FF2B5EF4-FFF2-40B4-BE49-F238E27FC236}">
-                <a16:creationId xmlns:a16="http://schemas.microsoft.com/office/drawing/2014/main" id="{722AA721-6663-4EC3-B4EA-70D19B324BF3}"/>
-              </a:ext>
-            </a:extLst>
-          </p:cNvPr>
+          <p:cNvPr id="4" name="日期占位符 3"/>
           <p:cNvSpPr>
             <a:spLocks noGrp="1"/>
           </p:cNvSpPr>
@@ -5925,158 +6808,64 @@
             <a:pPr rtl="0"/>
             <a:fld id="{A5177DA3-A8C7-4912-ADDF-438128E8904A}" type="datetime1">
               <a:rPr lang="zh-CN" altLang="en-US" smtClean="0"/>
-              <a:t>2022/6/8</a:t>
             </a:fld>
             <a:endParaRPr lang="en-US" dirty="0"/>
           </a:p>
         </p:txBody>
       </p:sp>
-      <p:sp>
-        <p:nvSpPr>
-          <p:cNvPr id="3" name="文本框 2">
-            <a:extLst>
-              <a:ext uri="{FF2B5EF4-FFF2-40B4-BE49-F238E27FC236}">
-                <a16:creationId xmlns:a16="http://schemas.microsoft.com/office/drawing/2014/main" id="{E2CC7EF9-4397-41FA-B5D3-D1C7D861F646}"/>
-              </a:ext>
-            </a:extLst>
-          </p:cNvPr>
-          <p:cNvSpPr txBox="1"/>
-          <p:nvPr/>
-        </p:nvSpPr>
+      <p:pic>
+        <p:nvPicPr>
+          <p:cNvPr id="9" name="Content Placeholder 8"/>
+          <p:cNvPicPr>
+            <a:picLocks noChangeAspect="1"/>
+          </p:cNvPicPr>
+          <p:nvPr>
+            <p:ph sz="half" idx="1"/>
+          </p:nvPr>
+        </p:nvPicPr>
+        <p:blipFill>
+          <a:blip r:embed="rId1"/>
+          <a:stretch>
+            <a:fillRect/>
+          </a:stretch>
+        </p:blipFill>
         <p:spPr>
           <a:xfrm>
-            <a:off x="1097280" y="2288540"/>
-            <a:ext cx="5060633" cy="369332"/>
+            <a:off x="1166495" y="3094355"/>
+            <a:ext cx="7150735" cy="2692400"/>
           </a:xfrm>
           <a:prstGeom prst="rect">
             <a:avLst/>
           </a:prstGeom>
-          <a:noFill/>
-        </p:spPr>
-        <p:txBody>
-          <a:bodyPr wrap="square" rtlCol="0">
-            <a:spAutoFit/>
-          </a:bodyPr>
-          <a:lstStyle/>
-          <a:p>
-            <a:r>
-              <a:rPr lang="en-US" altLang="zh-CN" dirty="0">
-                <a:latin typeface="Times New Roman" panose="02020603050405020304" pitchFamily="18" charset="0"/>
-                <a:cs typeface="Times New Roman" panose="02020603050405020304" pitchFamily="18" charset="0"/>
-              </a:rPr>
-              <a:t>Declare before use.</a:t>
-            </a:r>
-          </a:p>
-        </p:txBody>
-      </p:sp>
-      <p:sp>
-        <p:nvSpPr>
-          <p:cNvPr id="5" name="文本框 4">
-            <a:extLst>
-              <a:ext uri="{FF2B5EF4-FFF2-40B4-BE49-F238E27FC236}">
-                <a16:creationId xmlns:a16="http://schemas.microsoft.com/office/drawing/2014/main" id="{BDF9BE4B-35A2-4758-BB10-ED524054B9DB}"/>
-              </a:ext>
-            </a:extLst>
-          </p:cNvPr>
-          <p:cNvSpPr txBox="1"/>
-          <p:nvPr/>
-        </p:nvSpPr>
+        </p:spPr>
+      </p:pic>
+      <p:pic>
+        <p:nvPicPr>
+          <p:cNvPr id="10" name="Content Placeholder 9"/>
+          <p:cNvPicPr>
+            <a:picLocks noChangeAspect="1"/>
+          </p:cNvPicPr>
+          <p:nvPr>
+            <p:ph sz="half" idx="2"/>
+          </p:nvPr>
+        </p:nvPicPr>
+        <p:blipFill>
+          <a:blip r:embed="rId2"/>
+          <a:stretch>
+            <a:fillRect/>
+          </a:stretch>
+        </p:blipFill>
         <p:spPr>
           <a:xfrm>
-            <a:off x="1097280" y="3223340"/>
-            <a:ext cx="6672262" cy="2031325"/>
+            <a:off x="1166495" y="2033270"/>
+            <a:ext cx="4216400" cy="817880"/>
           </a:xfrm>
           <a:prstGeom prst="rect">
             <a:avLst/>
           </a:prstGeom>
-          <a:noFill/>
-        </p:spPr>
-        <p:txBody>
-          <a:bodyPr wrap="square" rtlCol="0">
-            <a:spAutoFit/>
-          </a:bodyPr>
-          <a:lstStyle/>
-          <a:p>
-            <a:r>
-              <a:rPr lang="en-US" altLang="zh-CN" dirty="0">
-                <a:latin typeface="Times New Roman" panose="02020603050405020304" pitchFamily="18" charset="0"/>
-                <a:cs typeface="Times New Roman" panose="02020603050405020304" pitchFamily="18" charset="0"/>
-              </a:rPr>
-              <a:t>Use</a:t>
-            </a:r>
-          </a:p>
-          <a:p>
-            <a:pPr marL="285750" indent="-285750">
-              <a:buFont typeface="Arial" panose="020B0604020202020204" pitchFamily="34" charset="0"/>
-              <a:buChar char="•"/>
-            </a:pPr>
-            <a:r>
-              <a:rPr lang="en-US" altLang="zh-CN" dirty="0">
-                <a:latin typeface="Times New Roman" panose="02020603050405020304" pitchFamily="18" charset="0"/>
-                <a:cs typeface="Times New Roman" panose="02020603050405020304" pitchFamily="18" charset="0"/>
-              </a:rPr>
-              <a:t>Left value</a:t>
-            </a:r>
-          </a:p>
-          <a:p>
-            <a:r>
-              <a:rPr lang="en-US" altLang="zh-CN" dirty="0">
-                <a:latin typeface="Times New Roman" panose="02020603050405020304" pitchFamily="18" charset="0"/>
-                <a:cs typeface="Times New Roman" panose="02020603050405020304" pitchFamily="18" charset="0"/>
-              </a:rPr>
-              <a:t>When variable is assigned </a:t>
-            </a:r>
-          </a:p>
-          <a:p>
-            <a:pPr marL="285750" indent="-285750">
-              <a:buFont typeface="Arial" panose="020B0604020202020204" pitchFamily="34" charset="0"/>
-              <a:buChar char="•"/>
-            </a:pPr>
-            <a:endParaRPr lang="en-US" altLang="zh-CN" dirty="0">
-              <a:latin typeface="Times New Roman" panose="02020603050405020304" pitchFamily="18" charset="0"/>
-              <a:cs typeface="Times New Roman" panose="02020603050405020304" pitchFamily="18" charset="0"/>
-            </a:endParaRPr>
-          </a:p>
-          <a:p>
-            <a:pPr marL="285750" indent="-285750">
-              <a:buFont typeface="Arial" panose="020B0604020202020204" pitchFamily="34" charset="0"/>
-              <a:buChar char="•"/>
-            </a:pPr>
-            <a:r>
-              <a:rPr lang="en-US" altLang="zh-CN" dirty="0">
-                <a:latin typeface="Times New Roman" panose="02020603050405020304" pitchFamily="18" charset="0"/>
-                <a:cs typeface="Times New Roman" panose="02020603050405020304" pitchFamily="18" charset="0"/>
-              </a:rPr>
-              <a:t>Right value</a:t>
-            </a:r>
-          </a:p>
-          <a:p>
-            <a:r>
-              <a:rPr lang="en-US" altLang="zh-CN" dirty="0">
-                <a:latin typeface="Times New Roman" panose="02020603050405020304" pitchFamily="18" charset="0"/>
-                <a:cs typeface="Times New Roman" panose="02020603050405020304" pitchFamily="18" charset="0"/>
-              </a:rPr>
-              <a:t>When variable is used in expression</a:t>
-            </a:r>
-          </a:p>
-          <a:p>
-            <a:pPr marL="285750" indent="-285750">
-              <a:buFont typeface="Arial" panose="020B0604020202020204" pitchFamily="34" charset="0"/>
-              <a:buChar char="•"/>
-            </a:pPr>
-            <a:endParaRPr lang="zh-CN" altLang="en-US" dirty="0">
-              <a:latin typeface="Times New Roman" panose="02020603050405020304" pitchFamily="18" charset="0"/>
-              <a:cs typeface="Times New Roman" panose="02020603050405020304" pitchFamily="18" charset="0"/>
-            </a:endParaRPr>
-          </a:p>
-        </p:txBody>
-      </p:sp>
+        </p:spPr>
+      </p:pic>
     </p:spTree>
-    <p:extLst>
-      <p:ext uri="{BB962C8B-B14F-4D97-AF65-F5344CB8AC3E}">
-        <p14:creationId xmlns:p14="http://schemas.microsoft.com/office/powerpoint/2010/main" val="245803739"/>
-      </p:ext>
-    </p:extLst>
   </p:cSld>
   <p:clrMapOvr>
     <a:masterClrMapping/>
@@ -6103,13 +6892,7 @@
       </p:grpSpPr>
       <p:sp>
         <p:nvSpPr>
-          <p:cNvPr id="2" name="标题 1">
-            <a:extLst>
-              <a:ext uri="{FF2B5EF4-FFF2-40B4-BE49-F238E27FC236}">
-                <a16:creationId xmlns:a16="http://schemas.microsoft.com/office/drawing/2014/main" id="{AB359F89-A1DF-4969-8E5C-D2ED6B476E21}"/>
-              </a:ext>
-            </a:extLst>
-          </p:cNvPr>
+          <p:cNvPr id="2" name="标题 1"/>
           <p:cNvSpPr>
             <a:spLocks noGrp="1"/>
           </p:cNvSpPr>
@@ -6124,10 +6907,15 @@
           <a:p>
             <a:r>
               <a:rPr lang="en-US" altLang="zh-CN" dirty="0">
-                <a:latin typeface="Times New Roman" panose="02020603050405020304" pitchFamily="18" charset="0"/>
-                <a:cs typeface="Times New Roman" panose="02020603050405020304" pitchFamily="18" charset="0"/>
-              </a:rPr>
-              <a:t>Expression</a:t>
+                <a:solidFill>
+                  <a:srgbClr val="404040"/>
+                </a:solidFill>
+                <a:effectLst/>
+                <a:latin typeface="Times New Roman" panose="02020603050405020304" pitchFamily="18" charset="0"/>
+                <a:cs typeface="Times New Roman" panose="02020603050405020304" pitchFamily="18" charset="0"/>
+                <a:sym typeface="+mn-ea"/>
+              </a:rPr>
+              <a:t>Data type</a:t>
             </a:r>
             <a:endParaRPr lang="zh-CN" altLang="en-US" dirty="0">
               <a:latin typeface="Times New Roman" panose="02020603050405020304" pitchFamily="18" charset="0"/>
@@ -6138,100 +6926,80 @@
       </p:sp>
       <p:sp>
         <p:nvSpPr>
-          <p:cNvPr id="3" name="内容占位符 2">
-            <a:extLst>
-              <a:ext uri="{FF2B5EF4-FFF2-40B4-BE49-F238E27FC236}">
-                <a16:creationId xmlns:a16="http://schemas.microsoft.com/office/drawing/2014/main" id="{1F9B86BE-B8BC-4E27-B403-9FBD12396427}"/>
-              </a:ext>
-            </a:extLst>
-          </p:cNvPr>
-          <p:cNvSpPr>
-            <a:spLocks noGrp="1"/>
-          </p:cNvSpPr>
-          <p:nvPr>
-            <p:ph idx="1"/>
+          <p:cNvPr id="4" name="日期占位符 3"/>
+          <p:cNvSpPr>
+            <a:spLocks noGrp="1"/>
+          </p:cNvSpPr>
+          <p:nvPr>
+            <p:ph type="dt" sz="half" idx="10"/>
           </p:nvPr>
         </p:nvSpPr>
         <p:spPr/>
         <p:txBody>
-          <a:bodyPr>
-            <a:normAutofit/>
-          </a:bodyPr>
-          <a:lstStyle/>
-          <a:p>
-            <a:r>
-              <a:rPr lang="en-US" altLang="zh-CN" sz="2600" dirty="0">
-                <a:latin typeface="Times New Roman" panose="02020603050405020304" pitchFamily="18" charset="0"/>
-                <a:cs typeface="Times New Roman" panose="02020603050405020304" pitchFamily="18" charset="0"/>
-              </a:rPr>
-              <a:t>Constant</a:t>
-            </a:r>
-          </a:p>
-          <a:p>
-            <a:r>
-              <a:rPr lang="en-US" altLang="zh-CN" sz="2600" dirty="0">
-                <a:latin typeface="Times New Roman" panose="02020603050405020304" pitchFamily="18" charset="0"/>
-                <a:cs typeface="Times New Roman" panose="02020603050405020304" pitchFamily="18" charset="0"/>
-              </a:rPr>
-              <a:t>Unary Operation</a:t>
-            </a:r>
-          </a:p>
-          <a:p>
-            <a:r>
-              <a:rPr lang="en-US" altLang="zh-CN" sz="2600" dirty="0">
-                <a:latin typeface="Times New Roman" panose="02020603050405020304" pitchFamily="18" charset="0"/>
-                <a:cs typeface="Times New Roman" panose="02020603050405020304" pitchFamily="18" charset="0"/>
-              </a:rPr>
-              <a:t>Binary Operation</a:t>
-            </a:r>
-          </a:p>
-          <a:p>
-            <a:r>
-              <a:rPr lang="en-US" altLang="zh-CN" sz="2600" dirty="0">
-                <a:latin typeface="Times New Roman" panose="02020603050405020304" pitchFamily="18" charset="0"/>
-                <a:cs typeface="Times New Roman" panose="02020603050405020304" pitchFamily="18" charset="0"/>
-              </a:rPr>
-              <a:t>Function Call</a:t>
-            </a:r>
-          </a:p>
-        </p:txBody>
-      </p:sp>
-      <p:sp>
-        <p:nvSpPr>
-          <p:cNvPr id="4" name="日期占位符 3">
-            <a:extLst>
-              <a:ext uri="{FF2B5EF4-FFF2-40B4-BE49-F238E27FC236}">
-                <a16:creationId xmlns:a16="http://schemas.microsoft.com/office/drawing/2014/main" id="{D2441796-227B-49F6-9275-8DAA4C4261D1}"/>
-              </a:ext>
-            </a:extLst>
-          </p:cNvPr>
-          <p:cNvSpPr>
-            <a:spLocks noGrp="1"/>
-          </p:cNvSpPr>
-          <p:nvPr>
-            <p:ph type="dt" sz="half" idx="10"/>
-          </p:nvPr>
-        </p:nvSpPr>
-        <p:spPr/>
-        <p:txBody>
           <a:bodyPr/>
           <a:lstStyle/>
           <a:p>
             <a:pPr rtl="0"/>
-            <a:fld id="{EC8522D7-EFCA-4FFE-9E22-1E10BFEE0AEF}" type="datetime1">
+            <a:fld id="{A5177DA3-A8C7-4912-ADDF-438128E8904A}" type="datetime1">
               <a:rPr lang="zh-CN" altLang="en-US" smtClean="0"/>
-              <a:t>2022/6/8</a:t>
             </a:fld>
             <a:endParaRPr lang="en-US" dirty="0"/>
           </a:p>
         </p:txBody>
       </p:sp>
+      <p:pic>
+        <p:nvPicPr>
+          <p:cNvPr id="8" name="Content Placeholder 7"/>
+          <p:cNvPicPr>
+            <a:picLocks noChangeAspect="1"/>
+          </p:cNvPicPr>
+          <p:nvPr>
+            <p:ph sz="half" idx="2"/>
+          </p:nvPr>
+        </p:nvPicPr>
+        <p:blipFill>
+          <a:blip r:embed="rId1"/>
+          <a:stretch>
+            <a:fillRect/>
+          </a:stretch>
+        </p:blipFill>
+        <p:spPr>
+          <a:xfrm>
+            <a:off x="1097280" y="2141220"/>
+            <a:ext cx="3135630" cy="923290"/>
+          </a:xfrm>
+          <a:prstGeom prst="rect">
+            <a:avLst/>
+          </a:prstGeom>
+        </p:spPr>
+      </p:pic>
+      <p:pic>
+        <p:nvPicPr>
+          <p:cNvPr id="10" name="Content Placeholder 9"/>
+          <p:cNvPicPr>
+            <a:picLocks noChangeAspect="1"/>
+          </p:cNvPicPr>
+          <p:nvPr>
+            <p:ph sz="half" idx="1"/>
+          </p:nvPr>
+        </p:nvPicPr>
+        <p:blipFill>
+          <a:blip r:embed="rId2"/>
+          <a:stretch>
+            <a:fillRect/>
+          </a:stretch>
+        </p:blipFill>
+        <p:spPr>
+          <a:xfrm>
+            <a:off x="1097280" y="3468370"/>
+            <a:ext cx="9357995" cy="1089660"/>
+          </a:xfrm>
+          <a:prstGeom prst="rect">
+            <a:avLst/>
+          </a:prstGeom>
+        </p:spPr>
+      </p:pic>
     </p:spTree>
-    <p:extLst>
-      <p:ext uri="{BB962C8B-B14F-4D97-AF65-F5344CB8AC3E}">
-        <p14:creationId xmlns:p14="http://schemas.microsoft.com/office/powerpoint/2010/main" val="3246276741"/>
-      </p:ext>
-    </p:extLst>
   </p:cSld>
   <p:clrMapOvr>
     <a:masterClrMapping/>
@@ -6242,6 +7010,14 @@
 <file path=ppt/slides/slide6.xml><?xml version="1.0" encoding="utf-8"?>
 <p:sld xmlns:a="http://schemas.openxmlformats.org/drawingml/2006/main" xmlns:r="http://schemas.openxmlformats.org/officeDocument/2006/relationships" xmlns:p="http://schemas.openxmlformats.org/presentationml/2006/main">
   <p:cSld>
+    <p:bg>
+      <p:bgPr>
+        <a:solidFill>
+          <a:schemeClr val="bg1"/>
+        </a:solidFill>
+        <a:effectLst/>
+      </p:bgPr>
+    </p:bg>
     <p:spTree>
       <p:nvGrpSpPr>
         <p:cNvPr id="1" name=""/>
@@ -6258,33 +7034,150 @@
       </p:grpSpPr>
       <p:sp>
         <p:nvSpPr>
-          <p:cNvPr id="2" name="标题 1">
-            <a:extLst>
-              <a:ext uri="{FF2B5EF4-FFF2-40B4-BE49-F238E27FC236}">
-                <a16:creationId xmlns:a16="http://schemas.microsoft.com/office/drawing/2014/main" id="{5FF575EE-CEF2-4EF0-83DE-AE623ECBD5E2}"/>
-              </a:ext>
-            </a:extLst>
-          </p:cNvPr>
-          <p:cNvSpPr>
-            <a:spLocks noGrp="1"/>
-          </p:cNvSpPr>
-          <p:nvPr>
-            <p:ph type="title"/>
-          </p:nvPr>
-        </p:nvSpPr>
-        <p:spPr/>
-        <p:txBody>
-          <a:bodyPr/>
-          <a:lstStyle/>
-          <a:p>
-            <a:r>
-              <a:rPr lang="en-US" altLang="zh-CN" dirty="0">
-                <a:latin typeface="Times New Roman" panose="02020603050405020304" pitchFamily="18" charset="0"/>
-                <a:cs typeface="Times New Roman" panose="02020603050405020304" pitchFamily="18" charset="0"/>
-              </a:rPr>
-              <a:t>Branch</a:t>
-            </a:r>
-            <a:endParaRPr lang="zh-CN" altLang="en-US" dirty="0">
+          <p:cNvPr id="47" name="长方形 46"/>
+          <p:cNvSpPr>
+            <a:spLocks noGrp="1" noRot="1" noChangeAspect="1" noMove="1" noResize="1" noEditPoints="1" noAdjustHandles="1" noChangeArrowheads="1" noChangeShapeType="1" noTextEdit="1"/>
+          </p:cNvSpPr>
+          <p:nvPr/>
+        </p:nvSpPr>
+        <p:spPr>
+          <a:xfrm>
+            <a:off x="1507" y="0"/>
+            <a:ext cx="12192000" cy="6858000"/>
+          </a:xfrm>
+          <a:prstGeom prst="rect">
+            <a:avLst/>
+          </a:prstGeom>
+          <a:solidFill>
+            <a:schemeClr val="accent1"/>
+          </a:solidFill>
+          <a:ln>
+            <a:noFill/>
+          </a:ln>
+        </p:spPr>
+        <p:style>
+          <a:lnRef idx="2">
+            <a:schemeClr val="accent1">
+              <a:shade val="50000"/>
+            </a:schemeClr>
+          </a:lnRef>
+          <a:fillRef idx="1">
+            <a:schemeClr val="accent1"/>
+          </a:fillRef>
+          <a:effectRef idx="0">
+            <a:schemeClr val="accent1"/>
+          </a:effectRef>
+          <a:fontRef idx="minor">
+            <a:schemeClr val="lt1"/>
+          </a:fontRef>
+        </p:style>
+        <p:txBody>
+          <a:bodyPr rtlCol="0" anchor="ctr"/>
+          <a:lstStyle/>
+          <a:p>
+            <a:pPr algn="ctr" rtl="0"/>
+            <a:endParaRPr lang="en-US"/>
+          </a:p>
+        </p:txBody>
+      </p:sp>
+      <p:sp>
+        <p:nvSpPr>
+          <p:cNvPr id="2" name="标题 1"/>
+          <p:cNvSpPr>
+            <a:spLocks noGrp="1"/>
+          </p:cNvSpPr>
+          <p:nvPr>
+            <p:ph type="ctrTitle"/>
+          </p:nvPr>
+        </p:nvSpPr>
+        <p:spPr>
+          <a:xfrm>
+            <a:off x="1097280" y="758952"/>
+            <a:ext cx="10058400" cy="3892168"/>
+          </a:xfrm>
+        </p:spPr>
+        <p:txBody>
+          <a:bodyPr rtlCol="0" anchor="ctr">
+            <a:normAutofit/>
+          </a:bodyPr>
+          <a:lstStyle/>
+          <a:p>
+            <a:pPr lvl="0"/>
+            <a:r>
+              <a:rPr lang="en-US" altLang="zh-CN" sz="2500" dirty="0">
+                <a:solidFill>
+                  <a:srgbClr val="404040"/>
+                </a:solidFill>
+                <a:latin typeface="Times New Roman" panose="02020603050405020304" pitchFamily="18" charset="0"/>
+                <a:cs typeface="Times New Roman" panose="02020603050405020304" pitchFamily="18" charset="0"/>
+              </a:rPr>
+              <a:t>Input the forms of tokens, and output a parse tree</a:t>
+            </a:r>
+            <a:br>
+              <a:rPr lang="en-US" altLang="zh-CN" sz="2500" b="0" i="0" dirty="0">
+                <a:solidFill>
+                  <a:srgbClr val="404040"/>
+                </a:solidFill>
+                <a:effectLst/>
+                <a:latin typeface="Times New Roman" panose="02020603050405020304" pitchFamily="18" charset="0"/>
+                <a:cs typeface="Times New Roman" panose="02020603050405020304" pitchFamily="18" charset="0"/>
+              </a:rPr>
+            </a:br>
+            <a:br>
+              <a:rPr lang="en-US" altLang="zh-CN" sz="2500" b="0" i="0" dirty="0">
+                <a:solidFill>
+                  <a:srgbClr val="404040"/>
+                </a:solidFill>
+                <a:effectLst/>
+                <a:latin typeface="Times New Roman" panose="02020603050405020304" pitchFamily="18" charset="0"/>
+                <a:cs typeface="Times New Roman" panose="02020603050405020304" pitchFamily="18" charset="0"/>
+              </a:rPr>
+            </a:br>
+            <a:r>
+              <a:rPr lang="en-US" altLang="zh-CN" sz="2500" b="0" i="0" dirty="0">
+                <a:solidFill>
+                  <a:srgbClr val="404040"/>
+                </a:solidFill>
+                <a:effectLst/>
+                <a:latin typeface="Times New Roman" panose="02020603050405020304" pitchFamily="18" charset="0"/>
+                <a:cs typeface="Times New Roman" panose="02020603050405020304" pitchFamily="18" charset="0"/>
+              </a:rPr>
+              <a:t>Implemented the generation of AST</a:t>
+            </a:r>
+            <a:br>
+              <a:rPr lang="en-US" altLang="zh-CN" sz="2500" b="0" i="0" dirty="0">
+                <a:solidFill>
+                  <a:srgbClr val="404040"/>
+                </a:solidFill>
+                <a:effectLst/>
+                <a:latin typeface="Times New Roman" panose="02020603050405020304" pitchFamily="18" charset="0"/>
+                <a:cs typeface="Times New Roman" panose="02020603050405020304" pitchFamily="18" charset="0"/>
+              </a:rPr>
+            </a:br>
+            <a:br>
+              <a:rPr lang="en-US" altLang="zh-CN" sz="2500" b="0" i="0" dirty="0">
+                <a:solidFill>
+                  <a:srgbClr val="404040"/>
+                </a:solidFill>
+                <a:effectLst/>
+                <a:latin typeface="Times New Roman" panose="02020603050405020304" pitchFamily="18" charset="0"/>
+                <a:cs typeface="Times New Roman" panose="02020603050405020304" pitchFamily="18" charset="0"/>
+              </a:rPr>
+            </a:br>
+            <a:r>
+              <a:rPr lang="en-US" altLang="zh-CN" sz="2500" b="0" i="0">
+                <a:solidFill>
+                  <a:srgbClr val="404040"/>
+                </a:solidFill>
+                <a:latin typeface="Times New Roman" panose="02020603050405020304" pitchFamily="18" charset="0"/>
+                <a:cs typeface="Times New Roman" panose="02020603050405020304" pitchFamily="18" charset="0"/>
+              </a:rPr>
+              <a:t>Implemented optimization of constant expressions</a:t>
+            </a:r>
+            <a:endParaRPr lang="en-US" altLang="zh-CN" sz="2500" b="0" i="0">
+              <a:solidFill>
+                <a:srgbClr val="404040"/>
+              </a:solidFill>
               <a:latin typeface="Times New Roman" panose="02020603050405020304" pitchFamily="18" charset="0"/>
               <a:cs typeface="Times New Roman" panose="02020603050405020304" pitchFamily="18" charset="0"/>
             </a:endParaRPr>
@@ -6293,160 +7186,115 @@
       </p:sp>
       <p:sp>
         <p:nvSpPr>
-          <p:cNvPr id="4" name="日期占位符 3">
-            <a:extLst>
-              <a:ext uri="{FF2B5EF4-FFF2-40B4-BE49-F238E27FC236}">
-                <a16:creationId xmlns:a16="http://schemas.microsoft.com/office/drawing/2014/main" id="{4DA0FD33-011A-4445-876D-58FC6DBB91E8}"/>
-              </a:ext>
-            </a:extLst>
-          </p:cNvPr>
-          <p:cNvSpPr>
-            <a:spLocks noGrp="1"/>
-          </p:cNvSpPr>
-          <p:nvPr>
-            <p:ph type="dt" sz="half" idx="10"/>
-          </p:nvPr>
-        </p:nvSpPr>
-        <p:spPr/>
-        <p:txBody>
-          <a:bodyPr/>
-          <a:lstStyle/>
-          <a:p>
-            <a:pPr rtl="0"/>
-            <a:fld id="{1BC6B719-D237-47DB-9548-FD2E80FEB817}" type="datetime1">
-              <a:rPr lang="zh-CN" altLang="en-US" smtClean="0"/>
-              <a:t>2022/6/8</a:t>
-            </a:fld>
-            <a:endParaRPr lang="en-US" dirty="0"/>
-          </a:p>
-        </p:txBody>
-      </p:sp>
-      <p:sp>
-        <p:nvSpPr>
-          <p:cNvPr id="44" name="文本框 43">
-            <a:extLst>
-              <a:ext uri="{FF2B5EF4-FFF2-40B4-BE49-F238E27FC236}">
-                <a16:creationId xmlns:a16="http://schemas.microsoft.com/office/drawing/2014/main" id="{340482C3-1827-4364-870F-25868BFFF341}"/>
-              </a:ext>
-            </a:extLst>
-          </p:cNvPr>
-          <p:cNvSpPr txBox="1"/>
+          <p:cNvPr id="49" name="长方形 48"/>
+          <p:cNvSpPr>
+            <a:spLocks noGrp="1" noRot="1" noChangeAspect="1" noMove="1" noResize="1" noEditPoints="1" noAdjustHandles="1" noChangeArrowheads="1" noChangeShapeType="1" noTextEdit="1"/>
+          </p:cNvSpPr>
           <p:nvPr/>
         </p:nvSpPr>
-        <p:spPr>
-          <a:xfrm>
-            <a:off x="1097279" y="2206150"/>
-            <a:ext cx="7736681" cy="1200329"/>
+        <p:spPr bwMode="white">
+          <a:xfrm>
+            <a:off x="1507" y="4953000"/>
+            <a:ext cx="12188952" cy="1905000"/>
           </a:xfrm>
           <a:prstGeom prst="rect">
             <a:avLst/>
           </a:prstGeom>
-          <a:noFill/>
-        </p:spPr>
-        <p:txBody>
-          <a:bodyPr wrap="square" rtlCol="0">
-            <a:spAutoFit/>
+          <a:solidFill>
+            <a:srgbClr val="262626"/>
+          </a:solidFill>
+          <a:ln>
+            <a:noFill/>
+          </a:ln>
+        </p:spPr>
+        <p:style>
+          <a:lnRef idx="2">
+            <a:schemeClr val="accent1">
+              <a:shade val="50000"/>
+            </a:schemeClr>
+          </a:lnRef>
+          <a:fillRef idx="1">
+            <a:schemeClr val="accent1"/>
+          </a:fillRef>
+          <a:effectRef idx="0">
+            <a:schemeClr val="accent1"/>
+          </a:effectRef>
+          <a:fontRef idx="minor">
+            <a:schemeClr val="lt1"/>
+          </a:fontRef>
+        </p:style>
+      </p:sp>
+      <p:sp>
+        <p:nvSpPr>
+          <p:cNvPr id="3" name="副标题 2"/>
+          <p:cNvSpPr>
+            <a:spLocks noGrp="1"/>
+          </p:cNvSpPr>
+          <p:nvPr>
+            <p:ph type="subTitle" idx="1"/>
+          </p:nvPr>
+        </p:nvSpPr>
+        <p:spPr>
+          <a:xfrm>
+            <a:off x="1100051" y="5225240"/>
+            <a:ext cx="10058400" cy="1143000"/>
+          </a:xfrm>
+        </p:spPr>
+        <p:txBody>
+          <a:bodyPr rtlCol="0">
+            <a:normAutofit/>
           </a:bodyPr>
           <a:lstStyle/>
           <a:p>
-            <a:r>
-              <a:rPr lang="en-US" altLang="zh-CN" sz="2400" dirty="0">
-                <a:latin typeface="Times New Roman" panose="02020603050405020304" pitchFamily="18" charset="0"/>
-                <a:cs typeface="Times New Roman" panose="02020603050405020304" pitchFamily="18" charset="0"/>
-              </a:rPr>
-              <a:t>if(…){…}else{…}</a:t>
-            </a:r>
-          </a:p>
-          <a:p>
-            <a:r>
-              <a:rPr lang="en-US" altLang="zh-CN" sz="2400" dirty="0">
-                <a:latin typeface="Times New Roman" panose="02020603050405020304" pitchFamily="18" charset="0"/>
-                <a:cs typeface="Times New Roman" panose="02020603050405020304" pitchFamily="18" charset="0"/>
-              </a:rPr>
-              <a:t>while(…){…} </a:t>
-            </a:r>
-          </a:p>
-          <a:p>
-            <a:r>
-              <a:rPr lang="en-US" altLang="zh-CN" sz="2400" dirty="0">
-                <a:latin typeface="Times New Roman" panose="02020603050405020304" pitchFamily="18" charset="0"/>
-                <a:cs typeface="Times New Roman" panose="02020603050405020304" pitchFamily="18" charset="0"/>
-              </a:rPr>
-              <a:t>for(…;…;…){…}</a:t>
-            </a:r>
-            <a:endParaRPr lang="zh-CN" altLang="en-US" sz="2400" dirty="0">
-              <a:latin typeface="Times New Roman" panose="02020603050405020304" pitchFamily="18" charset="0"/>
-              <a:cs typeface="Times New Roman" panose="02020603050405020304" pitchFamily="18" charset="0"/>
+            <a:pPr rtl="0"/>
+            <a:r>
+              <a:rPr lang="en-US" dirty="0">
+                <a:solidFill>
+                  <a:srgbClr val="FFFFFF"/>
+                </a:solidFill>
+              </a:rPr>
+              <a:t>- </a:t>
+            </a:r>
+            <a:r>
+              <a:rPr lang="en-US" altLang="zh-CN" dirty="0">
+                <a:solidFill>
+                  <a:srgbClr val="FFFFFF"/>
+                </a:solidFill>
+              </a:rPr>
+              <a:t>What to do in Syntax analysis</a:t>
+            </a:r>
+            <a:endParaRPr lang="en-US" altLang="zh-CN" dirty="0">
+              <a:solidFill>
+                <a:srgbClr val="FFFFFF"/>
+              </a:solidFill>
             </a:endParaRPr>
           </a:p>
         </p:txBody>
       </p:sp>
       <p:sp>
         <p:nvSpPr>
-          <p:cNvPr id="45" name="文本框 44">
-            <a:extLst>
-              <a:ext uri="{FF2B5EF4-FFF2-40B4-BE49-F238E27FC236}">
-                <a16:creationId xmlns:a16="http://schemas.microsoft.com/office/drawing/2014/main" id="{4BA44E58-3C56-4C25-BDA4-41D9384DE89E}"/>
-              </a:ext>
-            </a:extLst>
-          </p:cNvPr>
-          <p:cNvSpPr txBox="1"/>
-          <p:nvPr/>
-        </p:nvSpPr>
-        <p:spPr>
-          <a:xfrm>
-            <a:off x="1097279" y="3480751"/>
-            <a:ext cx="5107781" cy="1200329"/>
-          </a:xfrm>
-          <a:prstGeom prst="rect">
-            <a:avLst/>
-          </a:prstGeom>
-          <a:noFill/>
-        </p:spPr>
-        <p:txBody>
-          <a:bodyPr wrap="square" rtlCol="0">
-            <a:spAutoFit/>
-          </a:bodyPr>
-          <a:lstStyle/>
-          <a:p>
-            <a:r>
-              <a:rPr lang="en-US" altLang="zh-CN" sz="2400" dirty="0">
-                <a:latin typeface="Times New Roman" panose="02020603050405020304" pitchFamily="18" charset="0"/>
-                <a:cs typeface="Times New Roman" panose="02020603050405020304" pitchFamily="18" charset="0"/>
-              </a:rPr>
-              <a:t>return</a:t>
-            </a:r>
-          </a:p>
-          <a:p>
-            <a:r>
-              <a:rPr lang="en-US" altLang="zh-CN" sz="2400" dirty="0">
-                <a:latin typeface="Times New Roman" panose="02020603050405020304" pitchFamily="18" charset="0"/>
-                <a:cs typeface="Times New Roman" panose="02020603050405020304" pitchFamily="18" charset="0"/>
-              </a:rPr>
-              <a:t>break</a:t>
-            </a:r>
-          </a:p>
-          <a:p>
-            <a:r>
-              <a:rPr lang="en-US" altLang="zh-CN" sz="2400" dirty="0">
-                <a:latin typeface="Times New Roman" panose="02020603050405020304" pitchFamily="18" charset="0"/>
-                <a:cs typeface="Times New Roman" panose="02020603050405020304" pitchFamily="18" charset="0"/>
-              </a:rPr>
-              <a:t>continue</a:t>
-            </a:r>
-            <a:endParaRPr lang="zh-CN" altLang="en-US" sz="2400" dirty="0">
-              <a:latin typeface="Times New Roman" panose="02020603050405020304" pitchFamily="18" charset="0"/>
-              <a:cs typeface="Times New Roman" panose="02020603050405020304" pitchFamily="18" charset="0"/>
-            </a:endParaRPr>
+          <p:cNvPr id="4" name="日期占位符 3"/>
+          <p:cNvSpPr>
+            <a:spLocks noGrp="1"/>
+          </p:cNvSpPr>
+          <p:nvPr>
+            <p:ph type="dt" sz="half" idx="10"/>
+          </p:nvPr>
+        </p:nvSpPr>
+        <p:spPr/>
+        <p:txBody>
+          <a:bodyPr/>
+          <a:lstStyle/>
+          <a:p>
+            <a:pPr rtl="0"/>
+            <a:fld id="{313A56E2-689C-4C5A-A2F3-177CE92C4E29}" type="datetime1">
+              <a:rPr lang="zh-CN" altLang="en-US" smtClean="0"/>
+            </a:fld>
+            <a:endParaRPr lang="en-US" dirty="0"/>
           </a:p>
         </p:txBody>
       </p:sp>
     </p:spTree>
-    <p:extLst>
-      <p:ext uri="{BB962C8B-B14F-4D97-AF65-F5344CB8AC3E}">
-        <p14:creationId xmlns:p14="http://schemas.microsoft.com/office/powerpoint/2010/main" val="810502141"/>
-      </p:ext>
-    </p:extLst>
   </p:cSld>
   <p:clrMapOvr>
     <a:masterClrMapping/>
@@ -6473,13 +7321,7 @@
       </p:grpSpPr>
       <p:sp>
         <p:nvSpPr>
-          <p:cNvPr id="2" name="标题 1">
-            <a:extLst>
-              <a:ext uri="{FF2B5EF4-FFF2-40B4-BE49-F238E27FC236}">
-                <a16:creationId xmlns:a16="http://schemas.microsoft.com/office/drawing/2014/main" id="{F404A146-FBEA-4999-8C8B-A6B319A8B76B}"/>
-              </a:ext>
-            </a:extLst>
-          </p:cNvPr>
+          <p:cNvPr id="2" name="标题 1"/>
           <p:cNvSpPr>
             <a:spLocks noGrp="1"/>
           </p:cNvSpPr>
@@ -6497,9 +7339,9 @@
                 <a:latin typeface="Times New Roman" panose="02020603050405020304" pitchFamily="18" charset="0"/>
                 <a:cs typeface="Times New Roman" panose="02020603050405020304" pitchFamily="18" charset="0"/>
               </a:rPr>
-              <a:t>Type casting</a:t>
-            </a:r>
-            <a:endParaRPr lang="zh-CN" altLang="en-US" dirty="0">
+              <a:t>Syntax analysis</a:t>
+            </a:r>
+            <a:endParaRPr lang="en-US" altLang="zh-CN" dirty="0">
               <a:latin typeface="Times New Roman" panose="02020603050405020304" pitchFamily="18" charset="0"/>
               <a:cs typeface="Times New Roman" panose="02020603050405020304" pitchFamily="18" charset="0"/>
             </a:endParaRPr>
@@ -6508,149 +7350,7 @@
       </p:sp>
       <p:sp>
         <p:nvSpPr>
-          <p:cNvPr id="3" name="内容占位符 2">
-            <a:extLst>
-              <a:ext uri="{FF2B5EF4-FFF2-40B4-BE49-F238E27FC236}">
-                <a16:creationId xmlns:a16="http://schemas.microsoft.com/office/drawing/2014/main" id="{2BD6B4CE-1466-4CD3-A07D-564FC1A5401D}"/>
-              </a:ext>
-            </a:extLst>
-          </p:cNvPr>
-          <p:cNvSpPr>
-            <a:spLocks noGrp="1"/>
-          </p:cNvSpPr>
-          <p:nvPr>
-            <p:ph idx="1"/>
-          </p:nvPr>
-        </p:nvSpPr>
-        <p:spPr>
-          <a:xfrm>
-            <a:off x="1097279" y="2211654"/>
-            <a:ext cx="4167665" cy="2281766"/>
-          </a:xfrm>
-        </p:spPr>
-        <p:txBody>
-          <a:bodyPr>
-            <a:normAutofit/>
-          </a:bodyPr>
-          <a:lstStyle/>
-          <a:p>
-            <a:pPr marL="0"/>
-            <a:r>
-              <a:rPr lang="en-US" altLang="zh-CN" sz="2400" dirty="0">
-                <a:latin typeface="Times New Roman" panose="02020603050405020304" pitchFamily="18" charset="0"/>
-                <a:cs typeface="Times New Roman" panose="02020603050405020304" pitchFamily="18" charset="0"/>
-              </a:rPr>
-              <a:t>int </a:t>
-            </a:r>
-            <a:r>
-              <a:rPr lang="en-US" altLang="zh-CN" sz="2400" dirty="0">
-                <a:latin typeface="Times New Roman" panose="02020603050405020304" pitchFamily="18" charset="0"/>
-                <a:cs typeface="Times New Roman" panose="02020603050405020304" pitchFamily="18" charset="0"/>
-                <a:sym typeface="Wingdings" panose="05000000000000000000" pitchFamily="2" charset="2"/>
-              </a:rPr>
-              <a:t> float</a:t>
-            </a:r>
-          </a:p>
-          <a:p>
-            <a:pPr marL="0"/>
-            <a:r>
-              <a:rPr lang="en-US" altLang="zh-CN" sz="2400" dirty="0">
-                <a:solidFill>
-                  <a:schemeClr val="tx1"/>
-                </a:solidFill>
-                <a:latin typeface="Times New Roman" panose="02020603050405020304" pitchFamily="18" charset="0"/>
-                <a:ea typeface="+mn-ea"/>
-                <a:cs typeface="Times New Roman" panose="02020603050405020304" pitchFamily="18" charset="0"/>
-              </a:rPr>
-              <a:t>float </a:t>
-            </a:r>
-            <a:r>
-              <a:rPr lang="en-US" altLang="zh-CN" sz="2400" dirty="0">
-                <a:solidFill>
-                  <a:schemeClr val="tx1"/>
-                </a:solidFill>
-                <a:latin typeface="Times New Roman" panose="02020603050405020304" pitchFamily="18" charset="0"/>
-                <a:ea typeface="+mn-ea"/>
-                <a:cs typeface="Times New Roman" panose="02020603050405020304" pitchFamily="18" charset="0"/>
-                <a:sym typeface="Wingdings" panose="05000000000000000000" pitchFamily="2" charset="2"/>
-              </a:rPr>
-              <a:t> int</a:t>
-            </a:r>
-          </a:p>
-          <a:p>
-            <a:pPr marL="0"/>
-            <a:r>
-              <a:rPr lang="en-US" altLang="zh-CN" sz="2400" dirty="0">
-                <a:solidFill>
-                  <a:schemeClr val="tx1"/>
-                </a:solidFill>
-                <a:latin typeface="Times New Roman" panose="02020603050405020304" pitchFamily="18" charset="0"/>
-                <a:ea typeface="+mn-ea"/>
-                <a:cs typeface="Times New Roman" panose="02020603050405020304" pitchFamily="18" charset="0"/>
-              </a:rPr>
-              <a:t>char </a:t>
-            </a:r>
-            <a:r>
-              <a:rPr lang="en-US" altLang="zh-CN" sz="2400" dirty="0">
-                <a:solidFill>
-                  <a:schemeClr val="tx1"/>
-                </a:solidFill>
-                <a:latin typeface="Times New Roman" panose="02020603050405020304" pitchFamily="18" charset="0"/>
-                <a:ea typeface="+mn-ea"/>
-                <a:cs typeface="Times New Roman" panose="02020603050405020304" pitchFamily="18" charset="0"/>
-                <a:sym typeface="Wingdings" panose="05000000000000000000" pitchFamily="2" charset="2"/>
-              </a:rPr>
-              <a:t> int</a:t>
-            </a:r>
-          </a:p>
-          <a:p>
-            <a:pPr marL="0"/>
-            <a:r>
-              <a:rPr lang="en-US" altLang="zh-CN" sz="2400" dirty="0">
-                <a:solidFill>
-                  <a:schemeClr val="tx1"/>
-                </a:solidFill>
-                <a:latin typeface="Times New Roman" panose="02020603050405020304" pitchFamily="18" charset="0"/>
-                <a:ea typeface="+mn-ea"/>
-                <a:cs typeface="Times New Roman" panose="02020603050405020304" pitchFamily="18" charset="0"/>
-              </a:rPr>
-              <a:t>int </a:t>
-            </a:r>
-            <a:r>
-              <a:rPr lang="en-US" altLang="zh-CN" sz="2400" dirty="0">
-                <a:solidFill>
-                  <a:schemeClr val="tx1"/>
-                </a:solidFill>
-                <a:latin typeface="Times New Roman" panose="02020603050405020304" pitchFamily="18" charset="0"/>
-                <a:ea typeface="+mn-ea"/>
-                <a:cs typeface="Times New Roman" panose="02020603050405020304" pitchFamily="18" charset="0"/>
-                <a:sym typeface="Wingdings" panose="05000000000000000000" pitchFamily="2" charset="2"/>
-              </a:rPr>
-              <a:t> char</a:t>
-            </a:r>
-          </a:p>
-          <a:p>
-            <a:pPr marL="0"/>
-            <a:endParaRPr lang="en-US" altLang="zh-CN" sz="2400" dirty="0">
-              <a:solidFill>
-                <a:schemeClr val="tx1"/>
-              </a:solidFill>
-              <a:latin typeface="Times New Roman" panose="02020603050405020304" pitchFamily="18" charset="0"/>
-              <a:ea typeface="+mn-ea"/>
-              <a:cs typeface="Times New Roman" panose="02020603050405020304" pitchFamily="18" charset="0"/>
-            </a:endParaRPr>
-          </a:p>
-        </p:txBody>
-      </p:sp>
-      <p:sp>
-        <p:nvSpPr>
-          <p:cNvPr id="4" name="日期占位符 3">
-            <a:extLst>
-              <a:ext uri="{FF2B5EF4-FFF2-40B4-BE49-F238E27FC236}">
-                <a16:creationId xmlns:a16="http://schemas.microsoft.com/office/drawing/2014/main" id="{752B5B82-0F63-4FC8-B48C-3833D8A83E16}"/>
-              </a:ext>
-            </a:extLst>
-          </p:cNvPr>
+          <p:cNvPr id="4" name="日期占位符 3"/>
           <p:cNvSpPr>
             <a:spLocks noGrp="1"/>
           </p:cNvSpPr>
@@ -6664,82 +7364,75 @@
           <a:lstStyle/>
           <a:p>
             <a:pPr rtl="0"/>
-            <a:fld id="{98E48062-3D2F-442F-8123-E9030484F7D0}" type="datetime1">
+            <a:fld id="{A5177DA3-A8C7-4912-ADDF-438128E8904A}" type="datetime1">
               <a:rPr lang="zh-CN" altLang="en-US" smtClean="0"/>
-              <a:t>2022/6/8</a:t>
             </a:fld>
             <a:endParaRPr lang="en-US" dirty="0"/>
           </a:p>
         </p:txBody>
       </p:sp>
-      <p:sp>
-        <p:nvSpPr>
-          <p:cNvPr id="5" name="文本框 4">
-            <a:extLst>
-              <a:ext uri="{FF2B5EF4-FFF2-40B4-BE49-F238E27FC236}">
-                <a16:creationId xmlns:a16="http://schemas.microsoft.com/office/drawing/2014/main" id="{9F45A407-C38B-4C7C-9E20-0A60AEDF0BEA}"/>
-              </a:ext>
-            </a:extLst>
-          </p:cNvPr>
-          <p:cNvSpPr txBox="1"/>
-          <p:nvPr/>
-        </p:nvSpPr>
-        <p:spPr>
-          <a:xfrm>
-            <a:off x="4607719" y="2371725"/>
-            <a:ext cx="6547961" cy="3200400"/>
-          </a:xfrm>
-          <a:prstGeom prst="rect">
-            <a:avLst/>
-          </a:prstGeom>
-          <a:noFill/>
-        </p:spPr>
-        <p:txBody>
-          <a:bodyPr wrap="square" rtlCol="0">
-            <a:spAutoFit/>
-          </a:bodyPr>
-          <a:lstStyle/>
-          <a:p>
-            <a:endParaRPr lang="zh-CN" altLang="en-US" dirty="0"/>
-          </a:p>
-        </p:txBody>
-      </p:sp>
       <p:pic>
         <p:nvPicPr>
-          <p:cNvPr id="6" name="图片 5">
-            <a:extLst>
-              <a:ext uri="{FF2B5EF4-FFF2-40B4-BE49-F238E27FC236}">
-                <a16:creationId xmlns:a16="http://schemas.microsoft.com/office/drawing/2014/main" id="{F32DC9A8-1584-44CC-AEEC-368C8616B23B}"/>
-              </a:ext>
-            </a:extLst>
-          </p:cNvPr>
+          <p:cNvPr id="6" name="Content Placeholder 5"/>
           <p:cNvPicPr>
             <a:picLocks noChangeAspect="1"/>
           </p:cNvPicPr>
-          <p:nvPr/>
+          <p:nvPr>
+            <p:ph sz="half" idx="1"/>
+          </p:nvPr>
         </p:nvPicPr>
         <p:blipFill>
-          <a:blip r:embed="rId2"/>
+          <a:blip r:embed="rId1"/>
           <a:stretch>
             <a:fillRect/>
           </a:stretch>
         </p:blipFill>
         <p:spPr>
           <a:xfrm>
-            <a:off x="4324009" y="2100077"/>
-            <a:ext cx="4887007" cy="2657846"/>
+            <a:off x="4265295" y="2288540"/>
+            <a:ext cx="6151245" cy="3356610"/>
           </a:xfrm>
           <a:prstGeom prst="rect">
             <a:avLst/>
           </a:prstGeom>
         </p:spPr>
       </p:pic>
+      <p:sp>
+        <p:nvSpPr>
+          <p:cNvPr id="11" name="文本框 2"/>
+          <p:cNvSpPr txBox="1"/>
+          <p:nvPr/>
+        </p:nvSpPr>
+        <p:spPr>
+          <a:xfrm>
+            <a:off x="1097280" y="2288540"/>
+            <a:ext cx="5060633" cy="368300"/>
+          </a:xfrm>
+          <a:prstGeom prst="rect">
+            <a:avLst/>
+          </a:prstGeom>
+          <a:noFill/>
+        </p:spPr>
+        <p:txBody>
+          <a:bodyPr wrap="square" rtlCol="0">
+            <a:spAutoFit/>
+          </a:bodyPr>
+          <a:p>
+            <a:r>
+              <a:rPr lang="en-US" altLang="zh-CN" dirty="0">
+                <a:latin typeface="Times New Roman" panose="02020603050405020304" pitchFamily="18" charset="0"/>
+                <a:cs typeface="Times New Roman" panose="02020603050405020304" pitchFamily="18" charset="0"/>
+              </a:rPr>
+              <a:t>GlobalVariable for example</a:t>
+            </a:r>
+            <a:endParaRPr lang="en-US" altLang="zh-CN" dirty="0">
+              <a:latin typeface="Times New Roman" panose="02020603050405020304" pitchFamily="18" charset="0"/>
+              <a:cs typeface="Times New Roman" panose="02020603050405020304" pitchFamily="18" charset="0"/>
+            </a:endParaRPr>
+          </a:p>
+        </p:txBody>
+      </p:sp>
     </p:spTree>
-    <p:extLst>
-      <p:ext uri="{BB962C8B-B14F-4D97-AF65-F5344CB8AC3E}">
-        <p14:creationId xmlns:p14="http://schemas.microsoft.com/office/powerpoint/2010/main" val="1447670448"/>
-      </p:ext>
-    </p:extLst>
   </p:cSld>
   <p:clrMapOvr>
     <a:masterClrMapping/>
@@ -6766,13 +7459,7 @@
       </p:grpSpPr>
       <p:sp>
         <p:nvSpPr>
-          <p:cNvPr id="2" name="标题 1">
-            <a:extLst>
-              <a:ext uri="{FF2B5EF4-FFF2-40B4-BE49-F238E27FC236}">
-                <a16:creationId xmlns:a16="http://schemas.microsoft.com/office/drawing/2014/main" id="{3870CB07-0592-461D-B3B5-1187BE08DF7B}"/>
-              </a:ext>
-            </a:extLst>
-          </p:cNvPr>
+          <p:cNvPr id="2" name="标题 1"/>
           <p:cNvSpPr>
             <a:spLocks noGrp="1"/>
           </p:cNvSpPr>
@@ -6790,9 +7477,9 @@
                 <a:latin typeface="Times New Roman" panose="02020603050405020304" pitchFamily="18" charset="0"/>
                 <a:cs typeface="Times New Roman" panose="02020603050405020304" pitchFamily="18" charset="0"/>
               </a:rPr>
-              <a:t>Some Test Sample and Results</a:t>
-            </a:r>
-            <a:endParaRPr lang="zh-CN" altLang="en-US" dirty="0">
+              <a:t>Constant expression</a:t>
+            </a:r>
+            <a:endParaRPr lang="en-US" altLang="zh-CN" dirty="0">
               <a:latin typeface="Times New Roman" panose="02020603050405020304" pitchFamily="18" charset="0"/>
               <a:cs typeface="Times New Roman" panose="02020603050405020304" pitchFamily="18" charset="0"/>
             </a:endParaRPr>
@@ -6801,13 +7488,7 @@
       </p:sp>
       <p:sp>
         <p:nvSpPr>
-          <p:cNvPr id="4" name="日期占位符 3">
-            <a:extLst>
-              <a:ext uri="{FF2B5EF4-FFF2-40B4-BE49-F238E27FC236}">
-                <a16:creationId xmlns:a16="http://schemas.microsoft.com/office/drawing/2014/main" id="{CA90BE8D-D99A-45D3-BB18-BE830FBA6180}"/>
-              </a:ext>
-            </a:extLst>
-          </p:cNvPr>
+          <p:cNvPr id="4" name="日期占位符 3"/>
           <p:cNvSpPr>
             <a:spLocks noGrp="1"/>
           </p:cNvSpPr>
@@ -6821,20 +7502,40 @@
           <a:lstStyle/>
           <a:p>
             <a:pPr rtl="0"/>
-            <a:fld id="{EBBBF7B6-0F4E-4D33-9DB6-855D68F6661F}" type="datetime1">
+            <a:fld id="{A5177DA3-A8C7-4912-ADDF-438128E8904A}" type="datetime1">
               <a:rPr lang="zh-CN" altLang="en-US" smtClean="0"/>
-              <a:t>2022/6/8</a:t>
             </a:fld>
             <a:endParaRPr lang="en-US" dirty="0"/>
           </a:p>
         </p:txBody>
       </p:sp>
+      <p:pic>
+        <p:nvPicPr>
+          <p:cNvPr id="7" name="Content Placeholder 6"/>
+          <p:cNvPicPr>
+            <a:picLocks noChangeAspect="1"/>
+          </p:cNvPicPr>
+          <p:nvPr>
+            <p:ph sz="half" idx="2"/>
+          </p:nvPr>
+        </p:nvPicPr>
+        <p:blipFill>
+          <a:blip r:embed="rId1"/>
+          <a:stretch>
+            <a:fillRect/>
+          </a:stretch>
+        </p:blipFill>
+        <p:spPr>
+          <a:xfrm>
+            <a:off x="1097280" y="2021205"/>
+            <a:ext cx="6519545" cy="4032250"/>
+          </a:xfrm>
+          <a:prstGeom prst="rect">
+            <a:avLst/>
+          </a:prstGeom>
+        </p:spPr>
+      </p:pic>
     </p:spTree>
-    <p:extLst>
-      <p:ext uri="{BB962C8B-B14F-4D97-AF65-F5344CB8AC3E}">
-        <p14:creationId xmlns:p14="http://schemas.microsoft.com/office/powerpoint/2010/main" val="940792683"/>
-      </p:ext>
-    </p:extLst>
   </p:cSld>
   <p:clrMapOvr>
     <a:masterClrMapping/>
@@ -6845,6 +7546,14 @@
 <file path=ppt/slides/slide9.xml><?xml version="1.0" encoding="utf-8"?>
 <p:sld xmlns:a="http://schemas.openxmlformats.org/drawingml/2006/main" xmlns:r="http://schemas.openxmlformats.org/officeDocument/2006/relationships" xmlns:p="http://schemas.openxmlformats.org/presentationml/2006/main">
   <p:cSld>
+    <p:bg>
+      <p:bgPr>
+        <a:solidFill>
+          <a:schemeClr val="bg1"/>
+        </a:solidFill>
+        <a:effectLst/>
+      </p:bgPr>
+    </p:bg>
     <p:spTree>
       <p:nvGrpSpPr>
         <p:cNvPr id="1" name=""/>
@@ -6861,34 +7570,284 @@
       </p:grpSpPr>
       <p:sp>
         <p:nvSpPr>
-          <p:cNvPr id="2" name="标题 1">
-            <a:extLst>
-              <a:ext uri="{FF2B5EF4-FFF2-40B4-BE49-F238E27FC236}">
-                <a16:creationId xmlns:a16="http://schemas.microsoft.com/office/drawing/2014/main" id="{137D882A-3D14-41DB-BF9F-182F94987A4F}"/>
-              </a:ext>
-            </a:extLst>
-          </p:cNvPr>
-          <p:cNvSpPr>
-            <a:spLocks noGrp="1"/>
-          </p:cNvSpPr>
-          <p:nvPr>
-            <p:ph type="title"/>
-          </p:nvPr>
-        </p:nvSpPr>
-        <p:spPr/>
-        <p:txBody>
-          <a:bodyPr/>
-          <a:lstStyle/>
-          <a:p>
-            <a:r>
-              <a:rPr lang="en-US" altLang="zh-CN" dirty="0">
-                <a:latin typeface="Times New Roman" panose="02020603050405020304" pitchFamily="18" charset="0"/>
-                <a:cs typeface="Times New Roman" panose="02020603050405020304" pitchFamily="18" charset="0"/>
-              </a:rPr>
-              <a:t>Thanks</a:t>
-            </a:r>
-            <a:endParaRPr lang="zh-CN" altLang="en-US" dirty="0">
+          <p:cNvPr id="47" name="长方形 46"/>
+          <p:cNvSpPr>
+            <a:spLocks noGrp="1" noRot="1" noChangeAspect="1" noMove="1" noResize="1" noEditPoints="1" noAdjustHandles="1" noChangeArrowheads="1" noChangeShapeType="1" noTextEdit="1"/>
+          </p:cNvSpPr>
+          <p:nvPr/>
+        </p:nvSpPr>
+        <p:spPr>
+          <a:xfrm>
+            <a:off x="1507" y="0"/>
+            <a:ext cx="12192000" cy="6858000"/>
+          </a:xfrm>
+          <a:prstGeom prst="rect">
+            <a:avLst/>
+          </a:prstGeom>
+          <a:solidFill>
+            <a:schemeClr val="accent1"/>
+          </a:solidFill>
+          <a:ln>
+            <a:noFill/>
+          </a:ln>
+        </p:spPr>
+        <p:style>
+          <a:lnRef idx="2">
+            <a:schemeClr val="accent1">
+              <a:shade val="50000"/>
+            </a:schemeClr>
+          </a:lnRef>
+          <a:fillRef idx="1">
+            <a:schemeClr val="accent1"/>
+          </a:fillRef>
+          <a:effectRef idx="0">
+            <a:schemeClr val="accent1"/>
+          </a:effectRef>
+          <a:fontRef idx="minor">
+            <a:schemeClr val="lt1"/>
+          </a:fontRef>
+        </p:style>
+        <p:txBody>
+          <a:bodyPr rtlCol="0" anchor="ctr"/>
+          <a:lstStyle/>
+          <a:p>
+            <a:pPr algn="ctr" rtl="0"/>
+            <a:endParaRPr lang="en-US"/>
+          </a:p>
+        </p:txBody>
+      </p:sp>
+      <p:sp>
+        <p:nvSpPr>
+          <p:cNvPr id="2" name="标题 1"/>
+          <p:cNvSpPr>
+            <a:spLocks noGrp="1"/>
+          </p:cNvSpPr>
+          <p:nvPr>
+            <p:ph type="ctrTitle"/>
+          </p:nvPr>
+        </p:nvSpPr>
+        <p:spPr>
+          <a:xfrm>
+            <a:off x="1097280" y="758952"/>
+            <a:ext cx="10058400" cy="3892168"/>
+          </a:xfrm>
+        </p:spPr>
+        <p:txBody>
+          <a:bodyPr rtlCol="0" anchor="ctr">
+            <a:normAutofit/>
+          </a:bodyPr>
+          <a:lstStyle/>
+          <a:p>
+            <a:pPr lvl="0"/>
+            <a:r>
+              <a:rPr lang="en-US" altLang="zh-CN" sz="2500" dirty="0">
+                <a:solidFill>
+                  <a:srgbClr val="404040"/>
+                </a:solidFill>
+                <a:latin typeface="Times New Roman" panose="02020603050405020304" pitchFamily="18" charset="0"/>
+                <a:cs typeface="Times New Roman" panose="02020603050405020304" pitchFamily="18" charset="0"/>
+              </a:rPr>
+              <a:t>G</a:t>
+            </a:r>
+            <a:r>
+              <a:rPr lang="en-US" altLang="zh-CN" sz="2500" b="0" i="0" dirty="0">
+                <a:solidFill>
+                  <a:srgbClr val="404040"/>
+                </a:solidFill>
+                <a:effectLst/>
+                <a:latin typeface="Times New Roman" panose="02020603050405020304" pitchFamily="18" charset="0"/>
+                <a:cs typeface="Times New Roman" panose="02020603050405020304" pitchFamily="18" charset="0"/>
+              </a:rPr>
+              <a:t>iven an AST, build the LLVM-IR code.</a:t>
+            </a:r>
+            <a:br>
+              <a:rPr lang="en-US" altLang="zh-CN" sz="2500" b="0" i="0" dirty="0">
+                <a:solidFill>
+                  <a:srgbClr val="404040"/>
+                </a:solidFill>
+                <a:effectLst/>
+                <a:latin typeface="Times New Roman" panose="02020603050405020304" pitchFamily="18" charset="0"/>
+                <a:cs typeface="Times New Roman" panose="02020603050405020304" pitchFamily="18" charset="0"/>
+              </a:rPr>
+            </a:br>
+            <a:br>
+              <a:rPr lang="en-US" altLang="zh-CN" sz="2500" b="0" i="0" dirty="0">
+                <a:solidFill>
+                  <a:srgbClr val="404040"/>
+                </a:solidFill>
+                <a:effectLst/>
+                <a:latin typeface="Times New Roman" panose="02020603050405020304" pitchFamily="18" charset="0"/>
+                <a:cs typeface="Times New Roman" panose="02020603050405020304" pitchFamily="18" charset="0"/>
+              </a:rPr>
+            </a:br>
+            <a:r>
+              <a:rPr lang="en-US" altLang="zh-CN" sz="2500" b="0" i="0" dirty="0">
+                <a:solidFill>
+                  <a:srgbClr val="404040"/>
+                </a:solidFill>
+                <a:effectLst/>
+                <a:latin typeface="Times New Roman" panose="02020603050405020304" pitchFamily="18" charset="0"/>
+                <a:cs typeface="Times New Roman" panose="02020603050405020304" pitchFamily="18" charset="0"/>
+              </a:rPr>
+              <a:t>Implement the instructions including variable’s addressing and valuing, expression and branch.</a:t>
+            </a:r>
+            <a:r>
+              <a:rPr lang="en-US" altLang="zh-CN" sz="2500" dirty="0">
+                <a:solidFill>
+                  <a:srgbClr val="404040"/>
+                </a:solidFill>
+                <a:latin typeface="Times New Roman" panose="02020603050405020304" pitchFamily="18" charset="0"/>
+                <a:cs typeface="Times New Roman" panose="02020603050405020304" pitchFamily="18" charset="0"/>
+              </a:rPr>
+              <a:t> </a:t>
+            </a:r>
+            <a:br>
+              <a:rPr lang="en-US" altLang="zh-CN" sz="2500" dirty="0">
+                <a:solidFill>
+                  <a:srgbClr val="404040"/>
+                </a:solidFill>
+                <a:latin typeface="Times New Roman" panose="02020603050405020304" pitchFamily="18" charset="0"/>
+                <a:cs typeface="Times New Roman" panose="02020603050405020304" pitchFamily="18" charset="0"/>
+              </a:rPr>
+            </a:br>
+            <a:br>
+              <a:rPr lang="en-US" altLang="zh-CN" sz="2500" dirty="0">
+                <a:solidFill>
+                  <a:srgbClr val="404040"/>
+                </a:solidFill>
+                <a:latin typeface="Times New Roman" panose="02020603050405020304" pitchFamily="18" charset="0"/>
+                <a:cs typeface="Times New Roman" panose="02020603050405020304" pitchFamily="18" charset="0"/>
+              </a:rPr>
+            </a:br>
+            <a:r>
+              <a:rPr lang="en-US" altLang="zh-CN" sz="2500" dirty="0">
+                <a:solidFill>
+                  <a:srgbClr val="404040"/>
+                </a:solidFill>
+                <a:latin typeface="Times New Roman" panose="02020603050405020304" pitchFamily="18" charset="0"/>
+                <a:cs typeface="Times New Roman" panose="02020603050405020304" pitchFamily="18" charset="0"/>
+              </a:rPr>
+              <a:t>Implement type casting within the scope of valid types.</a:t>
+            </a:r>
+            <a:br>
+              <a:rPr lang="en-US" altLang="zh-CN" sz="2500" b="0" i="0" dirty="0">
+                <a:solidFill>
+                  <a:srgbClr val="404040"/>
+                </a:solidFill>
+                <a:effectLst/>
+                <a:latin typeface="Times New Roman" panose="02020603050405020304" pitchFamily="18" charset="0"/>
+                <a:cs typeface="Times New Roman" panose="02020603050405020304" pitchFamily="18" charset="0"/>
+              </a:rPr>
+            </a:br>
+            <a:br>
+              <a:rPr lang="en-US" altLang="zh-CN" sz="2500" b="0" i="0" dirty="0">
+                <a:solidFill>
+                  <a:srgbClr val="404040"/>
+                </a:solidFill>
+                <a:effectLst/>
+                <a:latin typeface="Times New Roman" panose="02020603050405020304" pitchFamily="18" charset="0"/>
+                <a:cs typeface="Times New Roman" panose="02020603050405020304" pitchFamily="18" charset="0"/>
+              </a:rPr>
+            </a:br>
+            <a:r>
+              <a:rPr lang="en-US" altLang="zh-CN" sz="2500" b="0" i="0" dirty="0">
+                <a:solidFill>
+                  <a:srgbClr val="404040"/>
+                </a:solidFill>
+                <a:effectLst/>
+                <a:latin typeface="Times New Roman" panose="02020603050405020304" pitchFamily="18" charset="0"/>
+                <a:cs typeface="Times New Roman" panose="02020603050405020304" pitchFamily="18" charset="0"/>
+              </a:rPr>
+              <a:t>Implement IO functions </a:t>
+            </a:r>
+            <a:r>
+              <a:rPr lang="en-US" altLang="zh-CN" sz="2500" b="0" i="0" dirty="0" err="1">
+                <a:solidFill>
+                  <a:srgbClr val="404040"/>
+                </a:solidFill>
+                <a:effectLst/>
+                <a:latin typeface="Times New Roman" panose="02020603050405020304" pitchFamily="18" charset="0"/>
+                <a:cs typeface="Times New Roman" panose="02020603050405020304" pitchFamily="18" charset="0"/>
+              </a:rPr>
+              <a:t>printf</a:t>
+            </a:r>
+            <a:r>
+              <a:rPr lang="en-US" altLang="zh-CN" sz="2500" b="0" i="0" dirty="0">
+                <a:solidFill>
+                  <a:srgbClr val="404040"/>
+                </a:solidFill>
+                <a:effectLst/>
+                <a:latin typeface="Times New Roman" panose="02020603050405020304" pitchFamily="18" charset="0"/>
+                <a:cs typeface="Times New Roman" panose="02020603050405020304" pitchFamily="18" charset="0"/>
+              </a:rPr>
+              <a:t>()</a:t>
+            </a:r>
+            <a:r>
+              <a:rPr lang="en-US" altLang="zh-CN" sz="2500" dirty="0">
+                <a:solidFill>
+                  <a:srgbClr val="404040"/>
+                </a:solidFill>
+                <a:latin typeface="Times New Roman" panose="02020603050405020304" pitchFamily="18" charset="0"/>
+                <a:cs typeface="Times New Roman" panose="02020603050405020304" pitchFamily="18" charset="0"/>
+              </a:rPr>
+              <a:t> and </a:t>
+            </a:r>
+            <a:r>
+              <a:rPr lang="en-US" altLang="zh-CN" sz="2500" dirty="0" err="1">
+                <a:solidFill>
+                  <a:srgbClr val="404040"/>
+                </a:solidFill>
+                <a:latin typeface="Times New Roman" panose="02020603050405020304" pitchFamily="18" charset="0"/>
+                <a:cs typeface="Times New Roman" panose="02020603050405020304" pitchFamily="18" charset="0"/>
+              </a:rPr>
+              <a:t>scanf</a:t>
+            </a:r>
+            <a:r>
+              <a:rPr lang="en-US" altLang="zh-CN" sz="2500" dirty="0">
+                <a:solidFill>
+                  <a:srgbClr val="404040"/>
+                </a:solidFill>
+                <a:latin typeface="Times New Roman" panose="02020603050405020304" pitchFamily="18" charset="0"/>
+                <a:cs typeface="Times New Roman" panose="02020603050405020304" pitchFamily="18" charset="0"/>
+              </a:rPr>
+              <a:t>() by </a:t>
+            </a:r>
+            <a:r>
+              <a:rPr lang="en-US" altLang="zh-CN" sz="2500" dirty="0" err="1">
+                <a:solidFill>
+                  <a:srgbClr val="404040"/>
+                </a:solidFill>
+                <a:latin typeface="Times New Roman" panose="02020603050405020304" pitchFamily="18" charset="0"/>
+                <a:cs typeface="Times New Roman" panose="02020603050405020304" pitchFamily="18" charset="0"/>
+              </a:rPr>
+              <a:t>llvm</a:t>
+            </a:r>
+            <a:r>
+              <a:rPr lang="en-US" altLang="zh-CN" sz="2500" dirty="0">
+                <a:solidFill>
+                  <a:srgbClr val="404040"/>
+                </a:solidFill>
+                <a:latin typeface="Times New Roman" panose="02020603050405020304" pitchFamily="18" charset="0"/>
+                <a:cs typeface="Times New Roman" panose="02020603050405020304" pitchFamily="18" charset="0"/>
+              </a:rPr>
+              <a:t>::Function::</a:t>
+            </a:r>
+            <a:r>
+              <a:rPr lang="en-US" altLang="zh-CN" sz="2500" dirty="0" err="1">
+                <a:solidFill>
+                  <a:srgbClr val="404040"/>
+                </a:solidFill>
+                <a:latin typeface="Times New Roman" panose="02020603050405020304" pitchFamily="18" charset="0"/>
+                <a:cs typeface="Times New Roman" panose="02020603050405020304" pitchFamily="18" charset="0"/>
+              </a:rPr>
+              <a:t>ExternalLinkage</a:t>
+            </a:r>
+            <a:endParaRPr lang="en-US" sz="2500" i="1" dirty="0">
+              <a:solidFill>
+                <a:srgbClr val="FFFFFF"/>
+              </a:solidFill>
               <a:latin typeface="Times New Roman" panose="02020603050405020304" pitchFamily="18" charset="0"/>
+              <a:ea typeface="楷体" panose="02010609060101010101" pitchFamily="49" charset="-122"/>
               <a:cs typeface="Times New Roman" panose="02020603050405020304" pitchFamily="18" charset="0"/>
             </a:endParaRPr>
           </a:p>
@@ -6896,13 +7855,94 @@
       </p:sp>
       <p:sp>
         <p:nvSpPr>
-          <p:cNvPr id="4" name="日期占位符 3">
-            <a:extLst>
-              <a:ext uri="{FF2B5EF4-FFF2-40B4-BE49-F238E27FC236}">
-                <a16:creationId xmlns:a16="http://schemas.microsoft.com/office/drawing/2014/main" id="{5E089F7A-8A6B-4E98-A615-9E535337F158}"/>
-              </a:ext>
-            </a:extLst>
-          </p:cNvPr>
+          <p:cNvPr id="49" name="长方形 48"/>
+          <p:cNvSpPr>
+            <a:spLocks noGrp="1" noRot="1" noChangeAspect="1" noMove="1" noResize="1" noEditPoints="1" noAdjustHandles="1" noChangeArrowheads="1" noChangeShapeType="1" noTextEdit="1"/>
+          </p:cNvSpPr>
+          <p:nvPr/>
+        </p:nvSpPr>
+        <p:spPr bwMode="white">
+          <a:xfrm>
+            <a:off x="1507" y="4953000"/>
+            <a:ext cx="12188952" cy="1905000"/>
+          </a:xfrm>
+          <a:prstGeom prst="rect">
+            <a:avLst/>
+          </a:prstGeom>
+          <a:solidFill>
+            <a:srgbClr val="262626"/>
+          </a:solidFill>
+          <a:ln>
+            <a:noFill/>
+          </a:ln>
+        </p:spPr>
+        <p:style>
+          <a:lnRef idx="2">
+            <a:schemeClr val="accent1">
+              <a:shade val="50000"/>
+            </a:schemeClr>
+          </a:lnRef>
+          <a:fillRef idx="1">
+            <a:schemeClr val="accent1"/>
+          </a:fillRef>
+          <a:effectRef idx="0">
+            <a:schemeClr val="accent1"/>
+          </a:effectRef>
+          <a:fontRef idx="minor">
+            <a:schemeClr val="lt1"/>
+          </a:fontRef>
+        </p:style>
+      </p:sp>
+      <p:sp>
+        <p:nvSpPr>
+          <p:cNvPr id="3" name="副标题 2"/>
+          <p:cNvSpPr>
+            <a:spLocks noGrp="1"/>
+          </p:cNvSpPr>
+          <p:nvPr>
+            <p:ph type="subTitle" idx="1"/>
+          </p:nvPr>
+        </p:nvSpPr>
+        <p:spPr>
+          <a:xfrm>
+            <a:off x="1100051" y="5225240"/>
+            <a:ext cx="10058400" cy="1143000"/>
+          </a:xfrm>
+        </p:spPr>
+        <p:txBody>
+          <a:bodyPr rtlCol="0">
+            <a:normAutofit/>
+          </a:bodyPr>
+          <a:lstStyle/>
+          <a:p>
+            <a:pPr rtl="0"/>
+            <a:r>
+              <a:rPr lang="en-US" dirty="0">
+                <a:solidFill>
+                  <a:srgbClr val="FFFFFF"/>
+                </a:solidFill>
+              </a:rPr>
+              <a:t>- </a:t>
+            </a:r>
+            <a:r>
+              <a:rPr lang="en-US" altLang="zh-CN" dirty="0">
+                <a:solidFill>
+                  <a:srgbClr val="FFFFFF"/>
+                </a:solidFill>
+              </a:rPr>
+              <a:t>What to do in Semantic analysis</a:t>
+            </a:r>
+            <a:endParaRPr lang="en-US" dirty="0">
+              <a:solidFill>
+                <a:srgbClr val="FFFFFF"/>
+              </a:solidFill>
+            </a:endParaRPr>
+          </a:p>
+        </p:txBody>
+      </p:sp>
+      <p:sp>
+        <p:nvSpPr>
+          <p:cNvPr id="4" name="日期占位符 3"/>
           <p:cNvSpPr>
             <a:spLocks noGrp="1"/>
           </p:cNvSpPr>
@@ -6916,53 +7956,25 @@
           <a:lstStyle/>
           <a:p>
             <a:pPr rtl="0"/>
-            <a:fld id="{73DC7586-D071-4E96-8A3C-DCED39D863C1}" type="datetime1">
+            <a:fld id="{313A56E2-689C-4C5A-A2F3-177CE92C4E29}" type="datetime1">
               <a:rPr lang="zh-CN" altLang="en-US" smtClean="0"/>
-              <a:t>2022/6/8</a:t>
             </a:fld>
             <a:endParaRPr lang="en-US" dirty="0"/>
           </a:p>
         </p:txBody>
       </p:sp>
-      <p:sp>
-        <p:nvSpPr>
-          <p:cNvPr id="6" name="内容占位符 5">
-            <a:extLst>
-              <a:ext uri="{FF2B5EF4-FFF2-40B4-BE49-F238E27FC236}">
-                <a16:creationId xmlns:a16="http://schemas.microsoft.com/office/drawing/2014/main" id="{9FE07B5B-F6E7-4C5F-9106-7ECEF2038CEC}"/>
-              </a:ext>
-            </a:extLst>
-          </p:cNvPr>
-          <p:cNvSpPr>
-            <a:spLocks noGrp="1"/>
-          </p:cNvSpPr>
-          <p:nvPr>
-            <p:ph idx="1"/>
-          </p:nvPr>
-        </p:nvSpPr>
-        <p:spPr/>
-        <p:txBody>
-          <a:bodyPr/>
-          <a:lstStyle/>
-          <a:p>
-            <a:endParaRPr lang="zh-CN" altLang="en-US" dirty="0">
-              <a:latin typeface="Times New Roman" panose="02020603050405020304" pitchFamily="18" charset="0"/>
-              <a:cs typeface="Times New Roman" panose="02020603050405020304" pitchFamily="18" charset="0"/>
-            </a:endParaRPr>
-          </a:p>
-        </p:txBody>
-      </p:sp>
     </p:spTree>
-    <p:extLst>
-      <p:ext uri="{BB962C8B-B14F-4D97-AF65-F5344CB8AC3E}">
-        <p14:creationId xmlns:p14="http://schemas.microsoft.com/office/powerpoint/2010/main" val="2234877024"/>
-      </p:ext>
-    </p:extLst>
   </p:cSld>
   <p:clrMapOvr>
     <a:masterClrMapping/>
   </p:clrMapOvr>
 </p:sld>
+</file>
+
+<file path=ppt/tags/tag1.xml><?xml version="1.0" encoding="utf-8"?>
+<p:tagLst xmlns:p="http://schemas.openxmlformats.org/presentationml/2006/main">
+  <p:tag name="KSO_WM_UNIT_PLACING_PICTURE_USER_VIEWPORT" val="{&quot;height&quot;:8952,&quot;width&quot;:9852}"/>
+</p:tagLst>
 </file>
 
 <file path=ppt/theme/theme1.xml><?xml version="1.0" encoding="utf-8"?>
@@ -7008,7 +8020,7 @@
     </a:clrScheme>
     <a:fontScheme name="Retrospect">
       <a:majorFont>
-        <a:latin typeface="Bookman Old Style" panose="020F0302020204030204"/>
+        <a:latin typeface="Bookman Old Style"/>
         <a:ea typeface=""/>
         <a:cs typeface=""/>
         <a:font script="Jpan" typeface="ＭＳ Ｐゴシック"/>
@@ -7043,7 +8055,7 @@
         <a:font script="Geor" typeface="Sylfaen"/>
       </a:majorFont>
       <a:minorFont>
-        <a:latin typeface="Franklin Gothic Book" panose="020F0502020204030204"/>
+        <a:latin typeface="Franklin Gothic Book"/>
         <a:ea typeface=""/>
         <a:cs typeface=""/>
         <a:font script="Jpan" typeface="ＭＳ Ｐゴシック"/>
@@ -7238,11 +8250,9 @@
       </a:bgFillStyleLst>
     </a:fmtScheme>
   </a:themeElements>
-  <a:objectDefaults/>
-  <a:extraClrSchemeLst/>
   <a:extLst>
     <a:ext uri="{05A4C25C-085E-4340-85A3-A5531E510DB2}">
-      <thm15:themeFamily xmlns:thm15="http://schemas.microsoft.com/office/thememl/2012/main" name="Office_41798650_TF56160789.potx" id="{3F1A5A69-5FBD-4BC0-A5BD-1C78ACF4E2B8}" vid="{F8855046-FD5E-4BF4-A180-69AC9E1877EF}"/>
+      <thm15:themeFamily xmlns:thm15="http://schemas.microsoft.com/office/thememl/2012/main" name="Office Theme" id="{62F939B6-93AF-4DB8-9C6B-D6C7DFDC589F}" vid="{4A3C46E8-61CC-4603-A589-7422A47A8E4A}"/>
     </a:ext>
   </a:extLst>
 </a:theme>
@@ -7291,7 +8301,7 @@
     </a:clrScheme>
     <a:fontScheme name="Office">
       <a:majorFont>
-        <a:latin typeface="Calibri Light" panose="020F0302020204030204"/>
+        <a:latin typeface="Calibri Light"/>
         <a:ea typeface=""/>
         <a:cs typeface=""/>
         <a:font script="Jpan" typeface="游ゴシック Light"/>
@@ -7326,7 +8336,7 @@
         <a:font script="Geor" typeface="Sylfaen"/>
       </a:majorFont>
       <a:minorFont>
-        <a:latin typeface="Calibri" panose="020F0502020204030204"/>
+        <a:latin typeface="Calibri"/>
         <a:ea typeface=""/>
         <a:cs typeface=""/>
         <a:font script="Jpan" typeface="游ゴシック"/>
@@ -7499,8 +8509,6 @@
       </a:bgFillStyleLst>
     </a:fmtScheme>
   </a:themeElements>
-  <a:objectDefaults/>
-  <a:extraClrSchemeLst/>
   <a:extLst>
     <a:ext uri="{05A4C25C-085E-4340-85A3-A5531E510DB2}">
       <thm15:themeFamily xmlns:thm15="http://schemas.microsoft.com/office/thememl/2012/main" name="Office Theme" id="{62F939B6-93AF-4DB8-9C6B-D6C7DFDC589F}" vid="{4A3C46E8-61CC-4603-A589-7422A47A8E4A}"/>
@@ -7552,7 +8560,7 @@
     </a:clrScheme>
     <a:fontScheme name="Office">
       <a:majorFont>
-        <a:latin typeface="Calibri Light" panose="020F0302020204030204"/>
+        <a:latin typeface="Calibri Light"/>
         <a:ea typeface=""/>
         <a:cs typeface=""/>
         <a:font script="Jpan" typeface="游ゴシック Light"/>
@@ -7587,7 +8595,7 @@
         <a:font script="Geor" typeface="Sylfaen"/>
       </a:majorFont>
       <a:minorFont>
-        <a:latin typeface="Calibri" panose="020F0502020204030204"/>
+        <a:latin typeface="Calibri"/>
         <a:ea typeface=""/>
         <a:cs typeface=""/>
         <a:font script="Jpan" typeface="游ゴシック"/>
@@ -7760,8 +8768,6 @@
       </a:bgFillStyleLst>
     </a:fmtScheme>
   </a:themeElements>
-  <a:objectDefaults/>
-  <a:extraClrSchemeLst/>
   <a:extLst>
     <a:ext uri="{05A4C25C-085E-4340-85A3-A5531E510DB2}">
       <thm15:themeFamily xmlns:thm15="http://schemas.microsoft.com/office/thememl/2012/main" name="Office Theme" id="{62F939B6-93AF-4DB8-9C6B-D6C7DFDC589F}" vid="{4A3C46E8-61CC-4603-A589-7422A47A8E4A}"/>
